--- a/Lectures/Unit Process Selection.pptx
+++ b/Lectures/Unit Process Selection.pptx
@@ -6,10 +6,15 @@
     <p:sldMasterId id="2147483668" r:id="rId2"/>
     <p:sldMasterId id="2147483676" r:id="rId3"/>
   </p:sldMasterIdLst>
+  <p:notesMasterIdLst>
+    <p:notesMasterId r:id="rId9"/>
+  </p:notesMasterIdLst>
   <p:sldIdLst>
     <p:sldId id="256" r:id="rId4"/>
     <p:sldId id="257" r:id="rId5"/>
     <p:sldId id="258" r:id="rId6"/>
+    <p:sldId id="259" r:id="rId7"/>
+    <p:sldId id="260" r:id="rId8"/>
   </p:sldIdLst>
   <p:sldSz cx="12192000" cy="6858000"/>
   <p:notesSz cx="6858000" cy="9144000"/>
@@ -108,7 +113,452 @@
       </a:defRPr>
     </a:lvl9pPr>
   </p:defaultTextStyle>
+  <p:extLst>
+    <p:ext uri="{EFAFB233-063F-42B5-8137-9DF3F51BA10A}">
+      <p15:sldGuideLst xmlns:p15="http://schemas.microsoft.com/office/powerpoint/2012/main"/>
+    </p:ext>
+  </p:extLst>
 </p:presentation>
+</file>
+
+<file path=ppt/notesMasters/notesMaster1.xml><?xml version="1.0" encoding="utf-8"?>
+<p:notesMaster xmlns:a="http://schemas.openxmlformats.org/drawingml/2006/main" xmlns:r="http://schemas.openxmlformats.org/officeDocument/2006/relationships" xmlns:p="http://schemas.openxmlformats.org/presentationml/2006/main">
+  <p:cSld>
+    <p:bg>
+      <p:bgRef idx="1001">
+        <a:schemeClr val="bg1"/>
+      </p:bgRef>
+    </p:bg>
+    <p:spTree>
+      <p:nvGrpSpPr>
+        <p:cNvPr id="1" name=""/>
+        <p:cNvGrpSpPr/>
+        <p:nvPr/>
+      </p:nvGrpSpPr>
+      <p:grpSpPr>
+        <a:xfrm>
+          <a:off x="0" y="0"/>
+          <a:ext cx="0" cy="0"/>
+          <a:chOff x="0" y="0"/>
+          <a:chExt cx="0" cy="0"/>
+        </a:xfrm>
+      </p:grpSpPr>
+      <p:sp>
+        <p:nvSpPr>
+          <p:cNvPr id="2" name="Header Placeholder 1"/>
+          <p:cNvSpPr>
+            <a:spLocks noGrp="1"/>
+          </p:cNvSpPr>
+          <p:nvPr>
+            <p:ph type="hdr" sz="quarter"/>
+          </p:nvPr>
+        </p:nvSpPr>
+        <p:spPr>
+          <a:xfrm>
+            <a:off x="0" y="0"/>
+            <a:ext cx="2971800" cy="458788"/>
+          </a:xfrm>
+          <a:prstGeom prst="rect">
+            <a:avLst/>
+          </a:prstGeom>
+        </p:spPr>
+        <p:txBody>
+          <a:bodyPr vert="horz" lIns="91440" tIns="45720" rIns="91440" bIns="45720" rtlCol="0"/>
+          <a:lstStyle>
+            <a:lvl1pPr algn="l">
+              <a:defRPr sz="1200"/>
+            </a:lvl1pPr>
+          </a:lstStyle>
+          <a:p>
+            <a:endParaRPr lang="en-US"/>
+          </a:p>
+        </p:txBody>
+      </p:sp>
+      <p:sp>
+        <p:nvSpPr>
+          <p:cNvPr id="3" name="Date Placeholder 2"/>
+          <p:cNvSpPr>
+            <a:spLocks noGrp="1"/>
+          </p:cNvSpPr>
+          <p:nvPr>
+            <p:ph type="dt" idx="1"/>
+          </p:nvPr>
+        </p:nvSpPr>
+        <p:spPr>
+          <a:xfrm>
+            <a:off x="3884613" y="0"/>
+            <a:ext cx="2971800" cy="458788"/>
+          </a:xfrm>
+          <a:prstGeom prst="rect">
+            <a:avLst/>
+          </a:prstGeom>
+        </p:spPr>
+        <p:txBody>
+          <a:bodyPr vert="horz" lIns="91440" tIns="45720" rIns="91440" bIns="45720" rtlCol="0"/>
+          <a:lstStyle>
+            <a:lvl1pPr algn="r">
+              <a:defRPr sz="1200"/>
+            </a:lvl1pPr>
+          </a:lstStyle>
+          <a:p>
+            <a:fld id="{1ECA391B-F7E5-426A-915A-B0EBBF0385DF}" type="datetimeFigureOut">
+              <a:rPr lang="en-US" smtClean="0"/>
+              <a:t>10/31/2019</a:t>
+            </a:fld>
+            <a:endParaRPr lang="en-US"/>
+          </a:p>
+        </p:txBody>
+      </p:sp>
+      <p:sp>
+        <p:nvSpPr>
+          <p:cNvPr id="4" name="Slide Image Placeholder 3"/>
+          <p:cNvSpPr>
+            <a:spLocks noGrp="1" noRot="1" noChangeAspect="1"/>
+          </p:cNvSpPr>
+          <p:nvPr>
+            <p:ph type="sldImg" idx="2"/>
+          </p:nvPr>
+        </p:nvSpPr>
+        <p:spPr>
+          <a:xfrm>
+            <a:off x="685800" y="1143000"/>
+            <a:ext cx="5486400" cy="3086100"/>
+          </a:xfrm>
+          <a:prstGeom prst="rect">
+            <a:avLst/>
+          </a:prstGeom>
+          <a:noFill/>
+          <a:ln w="12700">
+            <a:solidFill>
+              <a:prstClr val="black"/>
+            </a:solidFill>
+          </a:ln>
+        </p:spPr>
+        <p:txBody>
+          <a:bodyPr vert="horz" lIns="91440" tIns="45720" rIns="91440" bIns="45720" rtlCol="0" anchor="ctr"/>
+          <a:lstStyle/>
+          <a:p>
+            <a:endParaRPr lang="en-US"/>
+          </a:p>
+        </p:txBody>
+      </p:sp>
+      <p:sp>
+        <p:nvSpPr>
+          <p:cNvPr id="5" name="Notes Placeholder 4"/>
+          <p:cNvSpPr>
+            <a:spLocks noGrp="1"/>
+          </p:cNvSpPr>
+          <p:nvPr>
+            <p:ph type="body" sz="quarter" idx="3"/>
+          </p:nvPr>
+        </p:nvSpPr>
+        <p:spPr>
+          <a:xfrm>
+            <a:off x="685800" y="4400550"/>
+            <a:ext cx="5486400" cy="3600450"/>
+          </a:xfrm>
+          <a:prstGeom prst="rect">
+            <a:avLst/>
+          </a:prstGeom>
+        </p:spPr>
+        <p:txBody>
+          <a:bodyPr vert="horz" lIns="91440" tIns="45720" rIns="91440" bIns="45720" rtlCol="0"/>
+          <a:lstStyle/>
+          <a:p>
+            <a:pPr lvl="0"/>
+            <a:r>
+              <a:rPr lang="en-US" smtClean="0"/>
+              <a:t>Edit Master text styles</a:t>
+            </a:r>
+          </a:p>
+          <a:p>
+            <a:pPr lvl="1"/>
+            <a:r>
+              <a:rPr lang="en-US" smtClean="0"/>
+              <a:t>Second level</a:t>
+            </a:r>
+          </a:p>
+          <a:p>
+            <a:pPr lvl="2"/>
+            <a:r>
+              <a:rPr lang="en-US" smtClean="0"/>
+              <a:t>Third level</a:t>
+            </a:r>
+          </a:p>
+          <a:p>
+            <a:pPr lvl="3"/>
+            <a:r>
+              <a:rPr lang="en-US" smtClean="0"/>
+              <a:t>Fourth level</a:t>
+            </a:r>
+          </a:p>
+          <a:p>
+            <a:pPr lvl="4"/>
+            <a:r>
+              <a:rPr lang="en-US" smtClean="0"/>
+              <a:t>Fifth level</a:t>
+            </a:r>
+            <a:endParaRPr lang="en-US"/>
+          </a:p>
+        </p:txBody>
+      </p:sp>
+      <p:sp>
+        <p:nvSpPr>
+          <p:cNvPr id="6" name="Footer Placeholder 5"/>
+          <p:cNvSpPr>
+            <a:spLocks noGrp="1"/>
+          </p:cNvSpPr>
+          <p:nvPr>
+            <p:ph type="ftr" sz="quarter" idx="4"/>
+          </p:nvPr>
+        </p:nvSpPr>
+        <p:spPr>
+          <a:xfrm>
+            <a:off x="0" y="8685213"/>
+            <a:ext cx="2971800" cy="458787"/>
+          </a:xfrm>
+          <a:prstGeom prst="rect">
+            <a:avLst/>
+          </a:prstGeom>
+        </p:spPr>
+        <p:txBody>
+          <a:bodyPr vert="horz" lIns="91440" tIns="45720" rIns="91440" bIns="45720" rtlCol="0" anchor="b"/>
+          <a:lstStyle>
+            <a:lvl1pPr algn="l">
+              <a:defRPr sz="1200"/>
+            </a:lvl1pPr>
+          </a:lstStyle>
+          <a:p>
+            <a:endParaRPr lang="en-US"/>
+          </a:p>
+        </p:txBody>
+      </p:sp>
+      <p:sp>
+        <p:nvSpPr>
+          <p:cNvPr id="7" name="Slide Number Placeholder 6"/>
+          <p:cNvSpPr>
+            <a:spLocks noGrp="1"/>
+          </p:cNvSpPr>
+          <p:nvPr>
+            <p:ph type="sldNum" sz="quarter" idx="5"/>
+          </p:nvPr>
+        </p:nvSpPr>
+        <p:spPr>
+          <a:xfrm>
+            <a:off x="3884613" y="8685213"/>
+            <a:ext cx="2971800" cy="458787"/>
+          </a:xfrm>
+          <a:prstGeom prst="rect">
+            <a:avLst/>
+          </a:prstGeom>
+        </p:spPr>
+        <p:txBody>
+          <a:bodyPr vert="horz" lIns="91440" tIns="45720" rIns="91440" bIns="45720" rtlCol="0" anchor="b"/>
+          <a:lstStyle>
+            <a:lvl1pPr algn="r">
+              <a:defRPr sz="1200"/>
+            </a:lvl1pPr>
+          </a:lstStyle>
+          <a:p>
+            <a:fld id="{EAD27B27-B191-41EB-B589-679D36B58CE9}" type="slidenum">
+              <a:rPr lang="en-US" smtClean="0"/>
+              <a:t>‹#›</a:t>
+            </a:fld>
+            <a:endParaRPr lang="en-US"/>
+          </a:p>
+        </p:txBody>
+      </p:sp>
+    </p:spTree>
+    <p:extLst>
+      <p:ext uri="{BB962C8B-B14F-4D97-AF65-F5344CB8AC3E}">
+        <p14:creationId xmlns:p14="http://schemas.microsoft.com/office/powerpoint/2010/main" val="3147431635"/>
+      </p:ext>
+    </p:extLst>
+  </p:cSld>
+  <p:clrMap bg1="lt1" tx1="dk1" bg2="lt2" tx2="dk2" accent1="accent1" accent2="accent2" accent3="accent3" accent4="accent4" accent5="accent5" accent6="accent6" hlink="hlink" folHlink="folHlink"/>
+  <p:notesStyle>
+    <a:lvl1pPr marL="0" algn="l" defTabSz="914400" rtl="0" eaLnBrk="1" latinLnBrk="0" hangingPunct="1">
+      <a:defRPr sz="1200" kern="1200">
+        <a:solidFill>
+          <a:schemeClr val="tx1"/>
+        </a:solidFill>
+        <a:latin typeface="+mn-lt"/>
+        <a:ea typeface="+mn-ea"/>
+        <a:cs typeface="+mn-cs"/>
+      </a:defRPr>
+    </a:lvl1pPr>
+    <a:lvl2pPr marL="457200" algn="l" defTabSz="914400" rtl="0" eaLnBrk="1" latinLnBrk="0" hangingPunct="1">
+      <a:defRPr sz="1200" kern="1200">
+        <a:solidFill>
+          <a:schemeClr val="tx1"/>
+        </a:solidFill>
+        <a:latin typeface="+mn-lt"/>
+        <a:ea typeface="+mn-ea"/>
+        <a:cs typeface="+mn-cs"/>
+      </a:defRPr>
+    </a:lvl2pPr>
+    <a:lvl3pPr marL="914400" algn="l" defTabSz="914400" rtl="0" eaLnBrk="1" latinLnBrk="0" hangingPunct="1">
+      <a:defRPr sz="1200" kern="1200">
+        <a:solidFill>
+          <a:schemeClr val="tx1"/>
+        </a:solidFill>
+        <a:latin typeface="+mn-lt"/>
+        <a:ea typeface="+mn-ea"/>
+        <a:cs typeface="+mn-cs"/>
+      </a:defRPr>
+    </a:lvl3pPr>
+    <a:lvl4pPr marL="1371600" algn="l" defTabSz="914400" rtl="0" eaLnBrk="1" latinLnBrk="0" hangingPunct="1">
+      <a:defRPr sz="1200" kern="1200">
+        <a:solidFill>
+          <a:schemeClr val="tx1"/>
+        </a:solidFill>
+        <a:latin typeface="+mn-lt"/>
+        <a:ea typeface="+mn-ea"/>
+        <a:cs typeface="+mn-cs"/>
+      </a:defRPr>
+    </a:lvl4pPr>
+    <a:lvl5pPr marL="1828800" algn="l" defTabSz="914400" rtl="0" eaLnBrk="1" latinLnBrk="0" hangingPunct="1">
+      <a:defRPr sz="1200" kern="1200">
+        <a:solidFill>
+          <a:schemeClr val="tx1"/>
+        </a:solidFill>
+        <a:latin typeface="+mn-lt"/>
+        <a:ea typeface="+mn-ea"/>
+        <a:cs typeface="+mn-cs"/>
+      </a:defRPr>
+    </a:lvl5pPr>
+    <a:lvl6pPr marL="2286000" algn="l" defTabSz="914400" rtl="0" eaLnBrk="1" latinLnBrk="0" hangingPunct="1">
+      <a:defRPr sz="1200" kern="1200">
+        <a:solidFill>
+          <a:schemeClr val="tx1"/>
+        </a:solidFill>
+        <a:latin typeface="+mn-lt"/>
+        <a:ea typeface="+mn-ea"/>
+        <a:cs typeface="+mn-cs"/>
+      </a:defRPr>
+    </a:lvl6pPr>
+    <a:lvl7pPr marL="2743200" algn="l" defTabSz="914400" rtl="0" eaLnBrk="1" latinLnBrk="0" hangingPunct="1">
+      <a:defRPr sz="1200" kern="1200">
+        <a:solidFill>
+          <a:schemeClr val="tx1"/>
+        </a:solidFill>
+        <a:latin typeface="+mn-lt"/>
+        <a:ea typeface="+mn-ea"/>
+        <a:cs typeface="+mn-cs"/>
+      </a:defRPr>
+    </a:lvl7pPr>
+    <a:lvl8pPr marL="3200400" algn="l" defTabSz="914400" rtl="0" eaLnBrk="1" latinLnBrk="0" hangingPunct="1">
+      <a:defRPr sz="1200" kern="1200">
+        <a:solidFill>
+          <a:schemeClr val="tx1"/>
+        </a:solidFill>
+        <a:latin typeface="+mn-lt"/>
+        <a:ea typeface="+mn-ea"/>
+        <a:cs typeface="+mn-cs"/>
+      </a:defRPr>
+    </a:lvl8pPr>
+    <a:lvl9pPr marL="3657600" algn="l" defTabSz="914400" rtl="0" eaLnBrk="1" latinLnBrk="0" hangingPunct="1">
+      <a:defRPr sz="1200" kern="1200">
+        <a:solidFill>
+          <a:schemeClr val="tx1"/>
+        </a:solidFill>
+        <a:latin typeface="+mn-lt"/>
+        <a:ea typeface="+mn-ea"/>
+        <a:cs typeface="+mn-cs"/>
+      </a:defRPr>
+    </a:lvl9pPr>
+  </p:notesStyle>
+</p:notesMaster>
+</file>
+
+<file path=ppt/notesSlides/notesSlide1.xml><?xml version="1.0" encoding="utf-8"?>
+<p:notes xmlns:a="http://schemas.openxmlformats.org/drawingml/2006/main" xmlns:r="http://schemas.openxmlformats.org/officeDocument/2006/relationships" xmlns:p="http://schemas.openxmlformats.org/presentationml/2006/main">
+  <p:cSld>
+    <p:spTree>
+      <p:nvGrpSpPr>
+        <p:cNvPr id="1" name=""/>
+        <p:cNvGrpSpPr/>
+        <p:nvPr/>
+      </p:nvGrpSpPr>
+      <p:grpSpPr>
+        <a:xfrm>
+          <a:off x="0" y="0"/>
+          <a:ext cx="0" cy="0"/>
+          <a:chOff x="0" y="0"/>
+          <a:chExt cx="0" cy="0"/>
+        </a:xfrm>
+      </p:grpSpPr>
+      <p:sp>
+        <p:nvSpPr>
+          <p:cNvPr id="2" name="Slide Image Placeholder 1"/>
+          <p:cNvSpPr>
+            <a:spLocks noGrp="1" noRot="1" noChangeAspect="1"/>
+          </p:cNvSpPr>
+          <p:nvPr>
+            <p:ph type="sldImg"/>
+          </p:nvPr>
+        </p:nvSpPr>
+        <p:spPr/>
+      </p:sp>
+      <p:sp>
+        <p:nvSpPr>
+          <p:cNvPr id="3" name="Notes Placeholder 2"/>
+          <p:cNvSpPr>
+            <a:spLocks noGrp="1"/>
+          </p:cNvSpPr>
+          <p:nvPr>
+            <p:ph type="body" idx="1"/>
+          </p:nvPr>
+        </p:nvSpPr>
+        <p:spPr/>
+        <p:txBody>
+          <a:bodyPr/>
+          <a:lstStyle/>
+          <a:p>
+            <a:r>
+              <a:rPr lang="en-US" dirty="0" smtClean="0">
+                <a:hlinkClick r:id="rId3"/>
+              </a:rPr>
+              <a:t>https://iaspub.epa.gov/tdb/pages/treatment/findTreatment.do</a:t>
+            </a:r>
+            <a:endParaRPr lang="en-US" dirty="0"/>
+          </a:p>
+        </p:txBody>
+      </p:sp>
+      <p:sp>
+        <p:nvSpPr>
+          <p:cNvPr id="4" name="Slide Number Placeholder 3"/>
+          <p:cNvSpPr>
+            <a:spLocks noGrp="1"/>
+          </p:cNvSpPr>
+          <p:nvPr>
+            <p:ph type="sldNum" sz="quarter" idx="10"/>
+          </p:nvPr>
+        </p:nvSpPr>
+        <p:spPr/>
+        <p:txBody>
+          <a:bodyPr/>
+          <a:lstStyle/>
+          <a:p>
+            <a:fld id="{EAD27B27-B191-41EB-B589-679D36B58CE9}" type="slidenum">
+              <a:rPr lang="en-US" smtClean="0"/>
+              <a:t>5</a:t>
+            </a:fld>
+            <a:endParaRPr lang="en-US"/>
+          </a:p>
+        </p:txBody>
+      </p:sp>
+    </p:spTree>
+    <p:extLst>
+      <p:ext uri="{BB962C8B-B14F-4D97-AF65-F5344CB8AC3E}">
+        <p14:creationId xmlns:p14="http://schemas.microsoft.com/office/powerpoint/2010/main" val="4271123446"/>
+      </p:ext>
+    </p:extLst>
+  </p:cSld>
+  <p:clrMapOvr>
+    <a:masterClrMapping/>
+  </p:clrMapOvr>
+</p:notes>
 </file>
 
 <file path=ppt/slideLayouts/slideLayout1.xml><?xml version="1.0" encoding="utf-8"?>
@@ -185,7 +635,7 @@
           <a:p>
             <a:fld id="{C95CED01-24E4-4C43-912C-6F6D3D954174}" type="datetimeFigureOut">
               <a:rPr lang="en-US" smtClean="0"/>
-              <a:t>6/12/2019</a:t>
+              <a:t>10/31/2019</a:t>
             </a:fld>
             <a:endParaRPr lang="en-US"/>
           </a:p>
@@ -2980,7 +3430,7 @@
           <a:p>
             <a:fld id="{C95CED01-24E4-4C43-912C-6F6D3D954174}" type="datetimeFigureOut">
               <a:rPr lang="en-US" smtClean="0"/>
-              <a:t>6/12/2019</a:t>
+              <a:t>10/31/2019</a:t>
             </a:fld>
             <a:endParaRPr lang="en-US"/>
           </a:p>
@@ -3401,7 +3851,7 @@
           <a:p>
             <a:fld id="{C95CED01-24E4-4C43-912C-6F6D3D954174}" type="datetimeFigureOut">
               <a:rPr lang="en-US" smtClean="0"/>
-              <a:t>6/12/2019</a:t>
+              <a:t>10/31/2019</a:t>
             </a:fld>
             <a:endParaRPr lang="en-US"/>
           </a:p>
@@ -3843,7 +4293,7 @@
           <a:p>
             <a:fld id="{C95CED01-24E4-4C43-912C-6F6D3D954174}" type="datetimeFigureOut">
               <a:rPr lang="en-US" smtClean="0"/>
-              <a:t>6/12/2019</a:t>
+              <a:t>10/31/2019</a:t>
             </a:fld>
             <a:endParaRPr lang="en-US"/>
           </a:p>
@@ -3976,7 +4426,7 @@
           <a:p>
             <a:fld id="{C95CED01-24E4-4C43-912C-6F6D3D954174}" type="datetimeFigureOut">
               <a:rPr lang="en-US" smtClean="0"/>
-              <a:t>6/12/2019</a:t>
+              <a:t>10/31/2019</a:t>
             </a:fld>
             <a:endParaRPr lang="en-US"/>
           </a:p>
@@ -4086,7 +4536,7 @@
           <a:p>
             <a:fld id="{C95CED01-24E4-4C43-912C-6F6D3D954174}" type="datetimeFigureOut">
               <a:rPr lang="en-US" smtClean="0"/>
-              <a:t>6/12/2019</a:t>
+              <a:t>10/31/2019</a:t>
             </a:fld>
             <a:endParaRPr lang="en-US"/>
           </a:p>
@@ -4232,7 +4682,7 @@
           <a:p>
             <a:fld id="{C95CED01-24E4-4C43-912C-6F6D3D954174}" type="datetimeFigureOut">
               <a:rPr lang="en-US" smtClean="0"/>
-              <a:t>6/12/2019</a:t>
+              <a:t>10/31/2019</a:t>
             </a:fld>
             <a:endParaRPr lang="en-US"/>
           </a:p>
@@ -4985,7 +5435,7 @@
           <a:p>
             <a:fld id="{C95CED01-24E4-4C43-912C-6F6D3D954174}" type="datetimeFigureOut">
               <a:rPr lang="en-US" smtClean="0"/>
-              <a:t>6/12/2019</a:t>
+              <a:t>10/31/2019</a:t>
             </a:fld>
             <a:endParaRPr lang="en-US"/>
           </a:p>
@@ -7819,8 +8269,68 @@
           <a:p>
             <a:r>
               <a:rPr lang="en-US" dirty="0" smtClean="0"/>
-              <a:t>Unit Processes</a:t>
-            </a:r>
+              <a:t>Unit </a:t>
+            </a:r>
+            <a:r>
+              <a:rPr lang="en-US" dirty="0" smtClean="0"/>
+              <a:t>Processes Defined</a:t>
+            </a:r>
+            <a:endParaRPr lang="en-US" dirty="0"/>
+          </a:p>
+        </p:txBody>
+      </p:sp>
+      <p:sp>
+        <p:nvSpPr>
+          <p:cNvPr id="3" name="Content Placeholder 2"/>
+          <p:cNvSpPr>
+            <a:spLocks noGrp="1"/>
+          </p:cNvSpPr>
+          <p:nvPr>
+            <p:ph idx="1"/>
+          </p:nvPr>
+        </p:nvSpPr>
+        <p:spPr/>
+        <p:txBody>
+          <a:bodyPr/>
+          <a:lstStyle/>
+          <a:p>
+            <a:r>
+              <a:rPr lang="en-US" dirty="0" smtClean="0"/>
+              <a:t>Unit process? “</a:t>
+            </a:r>
+            <a:r>
+              <a:rPr lang="en-US" dirty="0"/>
+              <a:t>one or more grouped operations in a manufacturing system that can be defined and separated from </a:t>
+            </a:r>
+            <a:r>
+              <a:rPr lang="en-US" dirty="0" smtClean="0"/>
+              <a:t>others”</a:t>
+            </a:r>
+            <a:r>
+              <a:rPr lang="en-US" dirty="0">
+                <a:hlinkClick r:id="rId2"/>
+              </a:rPr>
+              <a:t> https://en.wikipedia.org/wiki/Unit_process</a:t>
+            </a:r>
+            <a:endParaRPr lang="en-US" dirty="0" smtClean="0"/>
+          </a:p>
+          <a:p>
+            <a:pPr lvl="1"/>
+            <a:r>
+              <a:rPr lang="en-US" dirty="0" smtClean="0"/>
+              <a:t>Is flocculation a unit process?</a:t>
+            </a:r>
+          </a:p>
+          <a:p>
+            <a:r>
+              <a:rPr lang="en-US" dirty="0" smtClean="0"/>
+              <a:t>Some unit processes only make sense as part of a sequence</a:t>
+            </a:r>
+          </a:p>
+          <a:p>
+            <a:endParaRPr lang="en-US" dirty="0" smtClean="0"/>
+          </a:p>
+          <a:p>
             <a:endParaRPr lang="en-US" dirty="0"/>
           </a:p>
         </p:txBody>
@@ -7829,6 +8339,422 @@
     <p:extLst>
       <p:ext uri="{BB962C8B-B14F-4D97-AF65-F5344CB8AC3E}">
         <p14:creationId xmlns:p14="http://schemas.microsoft.com/office/powerpoint/2010/main" val="3591655312"/>
+      </p:ext>
+    </p:extLst>
+  </p:cSld>
+  <p:clrMapOvr>
+    <a:masterClrMapping/>
+  </p:clrMapOvr>
+  <p:transition>
+    <p:fade/>
+  </p:transition>
+</p:sld>
+</file>
+
+<file path=ppt/slides/slide4.xml><?xml version="1.0" encoding="utf-8"?>
+<p:sld xmlns:a="http://schemas.openxmlformats.org/drawingml/2006/main" xmlns:r="http://schemas.openxmlformats.org/officeDocument/2006/relationships" xmlns:p="http://schemas.openxmlformats.org/presentationml/2006/main">
+  <p:cSld>
+    <p:spTree>
+      <p:nvGrpSpPr>
+        <p:cNvPr id="1" name=""/>
+        <p:cNvGrpSpPr/>
+        <p:nvPr/>
+      </p:nvGrpSpPr>
+      <p:grpSpPr>
+        <a:xfrm>
+          <a:off x="0" y="0"/>
+          <a:ext cx="0" cy="0"/>
+          <a:chOff x="0" y="0"/>
+          <a:chExt cx="0" cy="0"/>
+        </a:xfrm>
+      </p:grpSpPr>
+      <p:sp>
+        <p:nvSpPr>
+          <p:cNvPr id="2" name="Title 1"/>
+          <p:cNvSpPr>
+            <a:spLocks noGrp="1"/>
+          </p:cNvSpPr>
+          <p:nvPr>
+            <p:ph type="title"/>
+          </p:nvPr>
+        </p:nvSpPr>
+        <p:spPr/>
+        <p:txBody>
+          <a:bodyPr/>
+          <a:lstStyle/>
+          <a:p>
+            <a:r>
+              <a:rPr lang="en-US" dirty="0" smtClean="0"/>
+              <a:t>Unit Process Cheat Sheet</a:t>
+            </a:r>
+            <a:endParaRPr lang="en-US" dirty="0"/>
+          </a:p>
+        </p:txBody>
+      </p:sp>
+      <p:sp>
+        <p:nvSpPr>
+          <p:cNvPr id="3" name="Content Placeholder 2"/>
+          <p:cNvSpPr>
+            <a:spLocks noGrp="1"/>
+          </p:cNvSpPr>
+          <p:nvPr>
+            <p:ph idx="1"/>
+          </p:nvPr>
+        </p:nvSpPr>
+        <p:spPr/>
+        <p:txBody>
+          <a:bodyPr/>
+          <a:lstStyle/>
+          <a:p>
+            <a:r>
+              <a:rPr lang="en-US" dirty="0" smtClean="0"/>
+              <a:t>Required upstream UP</a:t>
+            </a:r>
+          </a:p>
+          <a:p>
+            <a:r>
+              <a:rPr lang="en-US" dirty="0" smtClean="0"/>
+              <a:t>Required downstream UP</a:t>
+            </a:r>
+          </a:p>
+          <a:p>
+            <a:r>
+              <a:rPr lang="en-US" dirty="0" smtClean="0"/>
+              <a:t>Contaminants that must be removed prior to UP to protect the UP from damage</a:t>
+            </a:r>
+            <a:endParaRPr lang="en-US" dirty="0"/>
+          </a:p>
+          <a:p>
+            <a:r>
+              <a:rPr lang="en-US" dirty="0" smtClean="0"/>
+              <a:t>How does it work?</a:t>
+            </a:r>
+          </a:p>
+          <a:p>
+            <a:r>
+              <a:rPr lang="en-US" dirty="0" smtClean="0"/>
+              <a:t>What </a:t>
+            </a:r>
+            <a:r>
+              <a:rPr lang="en-US" dirty="0"/>
+              <a:t>types of contaminants does it </a:t>
+            </a:r>
+            <a:r>
+              <a:rPr lang="en-US" dirty="0" smtClean="0"/>
+              <a:t>remove</a:t>
+            </a:r>
+          </a:p>
+          <a:p>
+            <a:r>
+              <a:rPr lang="en-US" dirty="0" smtClean="0"/>
+              <a:t>What types of inputs (energy and chemicals) does it requires</a:t>
+            </a:r>
+            <a:endParaRPr lang="en-US" dirty="0"/>
+          </a:p>
+        </p:txBody>
+      </p:sp>
+      <p:sp>
+        <p:nvSpPr>
+          <p:cNvPr id="4" name="TextBox 3"/>
+          <p:cNvSpPr txBox="1"/>
+          <p:nvPr/>
+        </p:nvSpPr>
+        <p:spPr>
+          <a:xfrm>
+            <a:off x="2355273" y="6705600"/>
+            <a:ext cx="8924238" cy="369332"/>
+          </a:xfrm>
+          <a:prstGeom prst="rect">
+            <a:avLst/>
+          </a:prstGeom>
+          <a:noFill/>
+        </p:spPr>
+        <p:txBody>
+          <a:bodyPr wrap="none" rtlCol="0">
+            <a:spAutoFit/>
+          </a:bodyPr>
+          <a:lstStyle/>
+          <a:p>
+            <a:r>
+              <a:rPr lang="en-US" dirty="0" smtClean="0"/>
+              <a:t>What might a cheat sheet look like? Is it a table? Or a flow chart with different entry points</a:t>
+            </a:r>
+            <a:endParaRPr lang="en-US" dirty="0"/>
+          </a:p>
+        </p:txBody>
+      </p:sp>
+    </p:spTree>
+    <p:extLst>
+      <p:ext uri="{BB962C8B-B14F-4D97-AF65-F5344CB8AC3E}">
+        <p14:creationId xmlns:p14="http://schemas.microsoft.com/office/powerpoint/2010/main" val="504470962"/>
+      </p:ext>
+    </p:extLst>
+  </p:cSld>
+  <p:clrMapOvr>
+    <a:masterClrMapping/>
+  </p:clrMapOvr>
+  <p:transition>
+    <p:fade/>
+  </p:transition>
+</p:sld>
+</file>
+
+<file path=ppt/slides/slide5.xml><?xml version="1.0" encoding="utf-8"?>
+<p:sld xmlns:a="http://schemas.openxmlformats.org/drawingml/2006/main" xmlns:r="http://schemas.openxmlformats.org/officeDocument/2006/relationships" xmlns:p="http://schemas.openxmlformats.org/presentationml/2006/main">
+  <p:cSld>
+    <p:spTree>
+      <p:nvGrpSpPr>
+        <p:cNvPr id="1" name=""/>
+        <p:cNvGrpSpPr/>
+        <p:nvPr/>
+      </p:nvGrpSpPr>
+      <p:grpSpPr>
+        <a:xfrm>
+          <a:off x="0" y="0"/>
+          <a:ext cx="0" cy="0"/>
+          <a:chOff x="0" y="0"/>
+          <a:chExt cx="0" cy="0"/>
+        </a:xfrm>
+      </p:grpSpPr>
+      <p:sp>
+        <p:nvSpPr>
+          <p:cNvPr id="2" name="Title 1"/>
+          <p:cNvSpPr>
+            <a:spLocks noGrp="1"/>
+          </p:cNvSpPr>
+          <p:nvPr>
+            <p:ph type="title"/>
+          </p:nvPr>
+        </p:nvSpPr>
+        <p:spPr/>
+        <p:txBody>
+          <a:bodyPr/>
+          <a:lstStyle/>
+          <a:p>
+            <a:r>
+              <a:rPr lang="en-US" dirty="0" smtClean="0"/>
+              <a:t>Organize by choice (parallel) and order </a:t>
+            </a:r>
+            <a:r>
+              <a:rPr lang="en-US" smtClean="0"/>
+              <a:t>(series)</a:t>
+            </a:r>
+            <a:endParaRPr lang="en-US" dirty="0"/>
+          </a:p>
+        </p:txBody>
+      </p:sp>
+      <p:sp>
+        <p:nvSpPr>
+          <p:cNvPr id="3" name="Content Placeholder 2"/>
+          <p:cNvSpPr>
+            <a:spLocks noGrp="1"/>
+          </p:cNvSpPr>
+          <p:nvPr>
+            <p:ph idx="1"/>
+          </p:nvPr>
+        </p:nvSpPr>
+        <p:spPr/>
+        <p:txBody>
+          <a:bodyPr/>
+          <a:lstStyle/>
+          <a:p>
+            <a:r>
+              <a:rPr lang="en-US" sz="1000" dirty="0"/>
+              <a:t>Adsorptive Media	</a:t>
+            </a:r>
+          </a:p>
+          <a:p>
+            <a:r>
+              <a:rPr lang="en-US" sz="1000" dirty="0"/>
+              <a:t>Aeration and Air Stripping	</a:t>
+            </a:r>
+          </a:p>
+          <a:p>
+            <a:r>
+              <a:rPr lang="en-US" sz="1000" dirty="0"/>
+              <a:t>Biological Filtration	</a:t>
+            </a:r>
+          </a:p>
+          <a:p>
+            <a:r>
+              <a:rPr lang="en-US" sz="1000" dirty="0"/>
+              <a:t>Biological Treatment	</a:t>
+            </a:r>
+          </a:p>
+          <a:p>
+            <a:r>
+              <a:rPr lang="en-US" sz="1000" dirty="0"/>
+              <a:t>Chemical Treatment	</a:t>
+            </a:r>
+          </a:p>
+          <a:p>
+            <a:r>
+              <a:rPr lang="en-US" sz="1000" dirty="0"/>
+              <a:t>Chloramine	</a:t>
+            </a:r>
+          </a:p>
+          <a:p>
+            <a:r>
+              <a:rPr lang="en-US" sz="1000" dirty="0"/>
+              <a:t>Chlorine	</a:t>
+            </a:r>
+          </a:p>
+          <a:p>
+            <a:r>
+              <a:rPr lang="en-US" sz="1000" dirty="0"/>
+              <a:t>Chlorine Dioxide	</a:t>
+            </a:r>
+          </a:p>
+          <a:p>
+            <a:r>
+              <a:rPr lang="en-US" sz="1000" dirty="0"/>
+              <a:t>Conventional Treatment	</a:t>
+            </a:r>
+          </a:p>
+          <a:p>
+            <a:r>
+              <a:rPr lang="en-US" sz="1000" dirty="0"/>
+              <a:t>Diatomaceous Earth Filtration	</a:t>
+            </a:r>
+          </a:p>
+          <a:p>
+            <a:r>
+              <a:rPr lang="en-US" sz="1000" dirty="0"/>
+              <a:t>Direct Filtration	</a:t>
+            </a:r>
+          </a:p>
+          <a:p>
+            <a:r>
+              <a:rPr lang="en-US" sz="1000" dirty="0"/>
+              <a:t>GAC Isotherm	(includes PAC isotherms)</a:t>
+            </a:r>
+          </a:p>
+          <a:p>
+            <a:r>
+              <a:rPr lang="en-US" sz="1000" dirty="0"/>
+              <a:t>Granular Activated Carbon	</a:t>
+            </a:r>
+          </a:p>
+          <a:p>
+            <a:r>
+              <a:rPr lang="en-US" sz="1000" dirty="0"/>
+              <a:t>Hydrogen Peroxide	</a:t>
+            </a:r>
+          </a:p>
+          <a:p>
+            <a:r>
+              <a:rPr lang="en-US" sz="1000" dirty="0"/>
+              <a:t>Ion Exchange	Greensand Filtration</a:t>
+            </a:r>
+          </a:p>
+          <a:p>
+            <a:r>
+              <a:rPr lang="en-US" sz="1000" dirty="0"/>
+              <a:t>Membrane Filtration	Microfiltration and Ultrafiltration</a:t>
+            </a:r>
+          </a:p>
+          <a:p>
+            <a:r>
+              <a:rPr lang="en-US" sz="1000" dirty="0"/>
+              <a:t>Membrane Separation	</a:t>
+            </a:r>
+            <a:r>
+              <a:rPr lang="en-US" sz="1000" dirty="0" err="1"/>
+              <a:t>Nanofiltration</a:t>
+            </a:r>
+            <a:r>
+              <a:rPr lang="en-US" sz="1000" dirty="0"/>
+              <a:t>, Reverse Osmosis, </a:t>
+            </a:r>
+            <a:r>
+              <a:rPr lang="en-US" sz="1000" dirty="0" err="1"/>
+              <a:t>Electrodialysis</a:t>
+            </a:r>
+            <a:r>
+              <a:rPr lang="en-US" sz="1000" dirty="0"/>
+              <a:t>, and </a:t>
+            </a:r>
+            <a:r>
+              <a:rPr lang="en-US" sz="1000" dirty="0" err="1"/>
+              <a:t>Electrodialysis</a:t>
+            </a:r>
+            <a:r>
+              <a:rPr lang="en-US" sz="1000" dirty="0"/>
+              <a:t> Reversal</a:t>
+            </a:r>
+          </a:p>
+          <a:p>
+            <a:r>
+              <a:rPr lang="en-US" sz="1000" dirty="0"/>
+              <a:t>Other Treatment	</a:t>
+            </a:r>
+          </a:p>
+          <a:p>
+            <a:r>
+              <a:rPr lang="en-US" sz="1000" dirty="0"/>
+              <a:t>Ozone	</a:t>
+            </a:r>
+          </a:p>
+          <a:p>
+            <a:r>
+              <a:rPr lang="en-US" sz="1000" dirty="0"/>
+              <a:t>Ozone + Hydrogen Peroxide	</a:t>
+            </a:r>
+          </a:p>
+          <a:p>
+            <a:r>
+              <a:rPr lang="en-US" sz="1000" dirty="0"/>
+              <a:t>Permanganate	</a:t>
+            </a:r>
+          </a:p>
+          <a:p>
+            <a:r>
+              <a:rPr lang="en-US" sz="1000" dirty="0"/>
+              <a:t>Powdered Activated Carbon	</a:t>
+            </a:r>
+          </a:p>
+          <a:p>
+            <a:r>
+              <a:rPr lang="en-US" sz="1000" dirty="0"/>
+              <a:t>Precipitative Softening	</a:t>
+            </a:r>
+          </a:p>
+          <a:p>
+            <a:r>
+              <a:rPr lang="en-US" sz="1000" dirty="0"/>
+              <a:t>Pressure Filtration	Bag Filtration and Cartridge Filtration</a:t>
+            </a:r>
+          </a:p>
+          <a:p>
+            <a:r>
+              <a:rPr lang="en-US" sz="1000" dirty="0"/>
+              <a:t>Slow Sand Filtration	</a:t>
+            </a:r>
+          </a:p>
+          <a:p>
+            <a:r>
+              <a:rPr lang="en-US" sz="1000" dirty="0"/>
+              <a:t>Ultraviolet Irradiation	</a:t>
+            </a:r>
+          </a:p>
+          <a:p>
+            <a:r>
+              <a:rPr lang="en-US" sz="1000" dirty="0"/>
+              <a:t>Ultraviolet Irradiation + Hydrogen Peroxide	</a:t>
+            </a:r>
+          </a:p>
+          <a:p>
+            <a:r>
+              <a:rPr lang="en-US" sz="1000" dirty="0"/>
+              <a:t>Ultraviolet Irradiation + Ozone</a:t>
+            </a:r>
+          </a:p>
+        </p:txBody>
+      </p:sp>
+    </p:spTree>
+    <p:extLst>
+      <p:ext uri="{BB962C8B-B14F-4D97-AF65-F5344CB8AC3E}">
+        <p14:creationId xmlns:p14="http://schemas.microsoft.com/office/powerpoint/2010/main" val="3128544770"/>
       </p:ext>
     </p:extLst>
   </p:cSld>
@@ -9137,4 +10063,265 @@
     </a:extraClrScheme>
   </a:extraClrSchemeLst>
 </a:theme>
+</file>
+
+<file path=ppt/theme/theme4.xml><?xml version="1.0" encoding="utf-8"?>
+<a:theme xmlns:a="http://schemas.openxmlformats.org/drawingml/2006/main" name="Office Theme">
+  <a:themeElements>
+    <a:clrScheme name="Office">
+      <a:dk1>
+        <a:sysClr val="windowText" lastClr="000000"/>
+      </a:dk1>
+      <a:lt1>
+        <a:sysClr val="window" lastClr="FFFFFF"/>
+      </a:lt1>
+      <a:dk2>
+        <a:srgbClr val="44546A"/>
+      </a:dk2>
+      <a:lt2>
+        <a:srgbClr val="E7E6E6"/>
+      </a:lt2>
+      <a:accent1>
+        <a:srgbClr val="5B9BD5"/>
+      </a:accent1>
+      <a:accent2>
+        <a:srgbClr val="ED7D31"/>
+      </a:accent2>
+      <a:accent3>
+        <a:srgbClr val="A5A5A5"/>
+      </a:accent3>
+      <a:accent4>
+        <a:srgbClr val="FFC000"/>
+      </a:accent4>
+      <a:accent5>
+        <a:srgbClr val="4472C4"/>
+      </a:accent5>
+      <a:accent6>
+        <a:srgbClr val="70AD47"/>
+      </a:accent6>
+      <a:hlink>
+        <a:srgbClr val="0563C1"/>
+      </a:hlink>
+      <a:folHlink>
+        <a:srgbClr val="954F72"/>
+      </a:folHlink>
+    </a:clrScheme>
+    <a:fontScheme name="Office">
+      <a:majorFont>
+        <a:latin typeface="Calibri Light" panose="020F0302020204030204"/>
+        <a:ea typeface=""/>
+        <a:cs typeface=""/>
+        <a:font script="Jpan" typeface="游ゴシック Light"/>
+        <a:font script="Hang" typeface="맑은 고딕"/>
+        <a:font script="Hans" typeface="等线 Light"/>
+        <a:font script="Hant" typeface="新細明體"/>
+        <a:font script="Arab" typeface="Times New Roman"/>
+        <a:font script="Hebr" typeface="Times New Roman"/>
+        <a:font script="Thai" typeface="Angsana New"/>
+        <a:font script="Ethi" typeface="Nyala"/>
+        <a:font script="Beng" typeface="Vrinda"/>
+        <a:font script="Gujr" typeface="Shruti"/>
+        <a:font script="Khmr" typeface="MoolBoran"/>
+        <a:font script="Knda" typeface="Tunga"/>
+        <a:font script="Guru" typeface="Raavi"/>
+        <a:font script="Cans" typeface="Euphemia"/>
+        <a:font script="Cher" typeface="Plantagenet Cherokee"/>
+        <a:font script="Yiii" typeface="Microsoft Yi Baiti"/>
+        <a:font script="Tibt" typeface="Microsoft Himalaya"/>
+        <a:font script="Thaa" typeface="MV Boli"/>
+        <a:font script="Deva" typeface="Mangal"/>
+        <a:font script="Telu" typeface="Gautami"/>
+        <a:font script="Taml" typeface="Latha"/>
+        <a:font script="Syrc" typeface="Estrangelo Edessa"/>
+        <a:font script="Orya" typeface="Kalinga"/>
+        <a:font script="Mlym" typeface="Kartika"/>
+        <a:font script="Laoo" typeface="DokChampa"/>
+        <a:font script="Sinh" typeface="Iskoola Pota"/>
+        <a:font script="Mong" typeface="Mongolian Baiti"/>
+        <a:font script="Viet" typeface="Times New Roman"/>
+        <a:font script="Uigh" typeface="Microsoft Uighur"/>
+        <a:font script="Geor" typeface="Sylfaen"/>
+      </a:majorFont>
+      <a:minorFont>
+        <a:latin typeface="Calibri" panose="020F0502020204030204"/>
+        <a:ea typeface=""/>
+        <a:cs typeface=""/>
+        <a:font script="Jpan" typeface="游ゴシック"/>
+        <a:font script="Hang" typeface="맑은 고딕"/>
+        <a:font script="Hans" typeface="等线"/>
+        <a:font script="Hant" typeface="新細明體"/>
+        <a:font script="Arab" typeface="Arial"/>
+        <a:font script="Hebr" typeface="Arial"/>
+        <a:font script="Thai" typeface="Cordia New"/>
+        <a:font script="Ethi" typeface="Nyala"/>
+        <a:font script="Beng" typeface="Vrinda"/>
+        <a:font script="Gujr" typeface="Shruti"/>
+        <a:font script="Khmr" typeface="DaunPenh"/>
+        <a:font script="Knda" typeface="Tunga"/>
+        <a:font script="Guru" typeface="Raavi"/>
+        <a:font script="Cans" typeface="Euphemia"/>
+        <a:font script="Cher" typeface="Plantagenet Cherokee"/>
+        <a:font script="Yiii" typeface="Microsoft Yi Baiti"/>
+        <a:font script="Tibt" typeface="Microsoft Himalaya"/>
+        <a:font script="Thaa" typeface="MV Boli"/>
+        <a:font script="Deva" typeface="Mangal"/>
+        <a:font script="Telu" typeface="Gautami"/>
+        <a:font script="Taml" typeface="Latha"/>
+        <a:font script="Syrc" typeface="Estrangelo Edessa"/>
+        <a:font script="Orya" typeface="Kalinga"/>
+        <a:font script="Mlym" typeface="Kartika"/>
+        <a:font script="Laoo" typeface="DokChampa"/>
+        <a:font script="Sinh" typeface="Iskoola Pota"/>
+        <a:font script="Mong" typeface="Mongolian Baiti"/>
+        <a:font script="Viet" typeface="Arial"/>
+        <a:font script="Uigh" typeface="Microsoft Uighur"/>
+        <a:font script="Geor" typeface="Sylfaen"/>
+      </a:minorFont>
+    </a:fontScheme>
+    <a:fmtScheme name="Office">
+      <a:fillStyleLst>
+        <a:solidFill>
+          <a:schemeClr val="phClr"/>
+        </a:solidFill>
+        <a:gradFill rotWithShape="1">
+          <a:gsLst>
+            <a:gs pos="0">
+              <a:schemeClr val="phClr">
+                <a:lumMod val="110000"/>
+                <a:satMod val="105000"/>
+                <a:tint val="67000"/>
+              </a:schemeClr>
+            </a:gs>
+            <a:gs pos="50000">
+              <a:schemeClr val="phClr">
+                <a:lumMod val="105000"/>
+                <a:satMod val="103000"/>
+                <a:tint val="73000"/>
+              </a:schemeClr>
+            </a:gs>
+            <a:gs pos="100000">
+              <a:schemeClr val="phClr">
+                <a:lumMod val="105000"/>
+                <a:satMod val="109000"/>
+                <a:tint val="81000"/>
+              </a:schemeClr>
+            </a:gs>
+          </a:gsLst>
+          <a:lin ang="5400000" scaled="0"/>
+        </a:gradFill>
+        <a:gradFill rotWithShape="1">
+          <a:gsLst>
+            <a:gs pos="0">
+              <a:schemeClr val="phClr">
+                <a:satMod val="103000"/>
+                <a:lumMod val="102000"/>
+                <a:tint val="94000"/>
+              </a:schemeClr>
+            </a:gs>
+            <a:gs pos="50000">
+              <a:schemeClr val="phClr">
+                <a:satMod val="110000"/>
+                <a:lumMod val="100000"/>
+                <a:shade val="100000"/>
+              </a:schemeClr>
+            </a:gs>
+            <a:gs pos="100000">
+              <a:schemeClr val="phClr">
+                <a:lumMod val="99000"/>
+                <a:satMod val="120000"/>
+                <a:shade val="78000"/>
+              </a:schemeClr>
+            </a:gs>
+          </a:gsLst>
+          <a:lin ang="5400000" scaled="0"/>
+        </a:gradFill>
+      </a:fillStyleLst>
+      <a:lnStyleLst>
+        <a:ln w="6350" cap="flat" cmpd="sng" algn="ctr">
+          <a:solidFill>
+            <a:schemeClr val="phClr"/>
+          </a:solidFill>
+          <a:prstDash val="solid"/>
+          <a:miter lim="800000"/>
+        </a:ln>
+        <a:ln w="12700" cap="flat" cmpd="sng" algn="ctr">
+          <a:solidFill>
+            <a:schemeClr val="phClr"/>
+          </a:solidFill>
+          <a:prstDash val="solid"/>
+          <a:miter lim="800000"/>
+        </a:ln>
+        <a:ln w="19050" cap="flat" cmpd="sng" algn="ctr">
+          <a:solidFill>
+            <a:schemeClr val="phClr"/>
+          </a:solidFill>
+          <a:prstDash val="solid"/>
+          <a:miter lim="800000"/>
+        </a:ln>
+      </a:lnStyleLst>
+      <a:effectStyleLst>
+        <a:effectStyle>
+          <a:effectLst/>
+        </a:effectStyle>
+        <a:effectStyle>
+          <a:effectLst/>
+        </a:effectStyle>
+        <a:effectStyle>
+          <a:effectLst>
+            <a:outerShdw blurRad="57150" dist="19050" dir="5400000" algn="ctr" rotWithShape="0">
+              <a:srgbClr val="000000">
+                <a:alpha val="63000"/>
+              </a:srgbClr>
+            </a:outerShdw>
+          </a:effectLst>
+        </a:effectStyle>
+      </a:effectStyleLst>
+      <a:bgFillStyleLst>
+        <a:solidFill>
+          <a:schemeClr val="phClr"/>
+        </a:solidFill>
+        <a:solidFill>
+          <a:schemeClr val="phClr">
+            <a:tint val="95000"/>
+            <a:satMod val="170000"/>
+          </a:schemeClr>
+        </a:solidFill>
+        <a:gradFill rotWithShape="1">
+          <a:gsLst>
+            <a:gs pos="0">
+              <a:schemeClr val="phClr">
+                <a:tint val="93000"/>
+                <a:satMod val="150000"/>
+                <a:shade val="98000"/>
+                <a:lumMod val="102000"/>
+              </a:schemeClr>
+            </a:gs>
+            <a:gs pos="50000">
+              <a:schemeClr val="phClr">
+                <a:tint val="98000"/>
+                <a:satMod val="130000"/>
+                <a:shade val="90000"/>
+                <a:lumMod val="103000"/>
+              </a:schemeClr>
+            </a:gs>
+            <a:gs pos="100000">
+              <a:schemeClr val="phClr">
+                <a:shade val="63000"/>
+                <a:satMod val="120000"/>
+              </a:schemeClr>
+            </a:gs>
+          </a:gsLst>
+          <a:lin ang="5400000" scaled="0"/>
+        </a:gradFill>
+      </a:bgFillStyleLst>
+    </a:fmtScheme>
+  </a:themeElements>
+  <a:objectDefaults/>
+  <a:extraClrSchemeLst/>
+  <a:extLst>
+    <a:ext uri="{05A4C25C-085E-4340-85A3-A5531E510DB2}">
+      <thm15:themeFamily xmlns:thm15="http://schemas.microsoft.com/office/thememl/2012/main" name="Office Theme" id="{62F939B6-93AF-4DB8-9C6B-D6C7DFDC589F}" vid="{4A3C46E8-61CC-4603-A589-7422A47A8E4A}"/>
+    </a:ext>
+  </a:extLst>
+</a:theme>
 </file>
--- a/Lectures/Unit Process Selection.pptx
+++ b/Lectures/Unit Process Selection.pptx
@@ -7,7 +7,7 @@
     <p:sldMasterId id="2147483676" r:id="rId3"/>
   </p:sldMasterIdLst>
   <p:notesMasterIdLst>
-    <p:notesMasterId r:id="rId9"/>
+    <p:notesMasterId r:id="rId10"/>
   </p:notesMasterIdLst>
   <p:sldIdLst>
     <p:sldId id="256" r:id="rId4"/>
@@ -15,6 +15,7 @@
     <p:sldId id="258" r:id="rId6"/>
     <p:sldId id="259" r:id="rId7"/>
     <p:sldId id="260" r:id="rId8"/>
+    <p:sldId id="261" r:id="rId9"/>
   </p:sldIdLst>
   <p:sldSz cx="12192000" cy="6858000"/>
   <p:notesSz cx="6858000" cy="9144000"/>
@@ -8269,11 +8270,7 @@
           <a:p>
             <a:r>
               <a:rPr lang="en-US" dirty="0" smtClean="0"/>
-              <a:t>Unit </a:t>
-            </a:r>
-            <a:r>
-              <a:rPr lang="en-US" dirty="0" smtClean="0"/>
-              <a:t>Processes Defined</a:t>
+              <a:t>Unit Processes Defined</a:t>
             </a:r>
             <a:endParaRPr lang="en-US" dirty="0"/>
           </a:p>
@@ -8755,6 +8752,143 @@
     <p:extLst>
       <p:ext uri="{BB962C8B-B14F-4D97-AF65-F5344CB8AC3E}">
         <p14:creationId xmlns:p14="http://schemas.microsoft.com/office/powerpoint/2010/main" val="3128544770"/>
+      </p:ext>
+    </p:extLst>
+  </p:cSld>
+  <p:clrMapOvr>
+    <a:masterClrMapping/>
+  </p:clrMapOvr>
+  <p:transition>
+    <p:fade/>
+  </p:transition>
+</p:sld>
+</file>
+
+<file path=ppt/slides/slide6.xml><?xml version="1.0" encoding="utf-8"?>
+<p:sld xmlns:a="http://schemas.openxmlformats.org/drawingml/2006/main" xmlns:r="http://schemas.openxmlformats.org/officeDocument/2006/relationships" xmlns:p="http://schemas.openxmlformats.org/presentationml/2006/main">
+  <p:cSld>
+    <p:spTree>
+      <p:nvGrpSpPr>
+        <p:cNvPr id="1" name=""/>
+        <p:cNvGrpSpPr/>
+        <p:nvPr/>
+      </p:nvGrpSpPr>
+      <p:grpSpPr>
+        <a:xfrm>
+          <a:off x="0" y="0"/>
+          <a:ext cx="0" cy="0"/>
+          <a:chOff x="0" y="0"/>
+          <a:chExt cx="0" cy="0"/>
+        </a:xfrm>
+      </p:grpSpPr>
+      <p:sp>
+        <p:nvSpPr>
+          <p:cNvPr id="2" name="Title 1"/>
+          <p:cNvSpPr>
+            <a:spLocks noGrp="1"/>
+          </p:cNvSpPr>
+          <p:nvPr>
+            <p:ph type="title"/>
+          </p:nvPr>
+        </p:nvSpPr>
+        <p:spPr/>
+        <p:txBody>
+          <a:bodyPr/>
+          <a:lstStyle/>
+          <a:p>
+            <a:endParaRPr lang="en-US"/>
+          </a:p>
+        </p:txBody>
+      </p:sp>
+      <p:pic>
+        <p:nvPicPr>
+          <p:cNvPr id="7" name="Content Placeholder 6"/>
+          <p:cNvPicPr>
+            <a:picLocks noGrp="1" noChangeAspect="1"/>
+          </p:cNvPicPr>
+          <p:nvPr>
+            <p:ph idx="1"/>
+          </p:nvPr>
+        </p:nvPicPr>
+        <p:blipFill>
+          <a:blip r:embed="rId2"/>
+          <a:stretch>
+            <a:fillRect/>
+          </a:stretch>
+        </p:blipFill>
+        <p:spPr>
+          <a:xfrm>
+            <a:off x="3106593" y="1625960"/>
+            <a:ext cx="5886450" cy="1962150"/>
+          </a:xfrm>
+          <a:prstGeom prst="rect">
+            <a:avLst/>
+          </a:prstGeom>
+        </p:spPr>
+      </p:pic>
+      <p:pic>
+        <p:nvPicPr>
+          <p:cNvPr id="4" name="Picture 3"/>
+          <p:cNvPicPr>
+            <a:picLocks noChangeAspect="1"/>
+          </p:cNvPicPr>
+          <p:nvPr/>
+        </p:nvPicPr>
+        <p:blipFill>
+          <a:blip r:embed="rId3"/>
+          <a:stretch>
+            <a:fillRect/>
+          </a:stretch>
+        </p:blipFill>
+        <p:spPr>
+          <a:xfrm>
+            <a:off x="2995469" y="3807542"/>
+            <a:ext cx="5905500" cy="2143125"/>
+          </a:xfrm>
+          <a:prstGeom prst="rect">
+            <a:avLst/>
+          </a:prstGeom>
+        </p:spPr>
+      </p:pic>
+      <p:sp>
+        <p:nvSpPr>
+          <p:cNvPr id="6" name="Rectangle 5"/>
+          <p:cNvSpPr/>
+          <p:nvPr/>
+        </p:nvSpPr>
+        <p:spPr>
+          <a:xfrm>
+            <a:off x="3654992" y="6170099"/>
+            <a:ext cx="3607398" cy="646331"/>
+          </a:xfrm>
+          <a:prstGeom prst="rect">
+            <a:avLst/>
+          </a:prstGeom>
+        </p:spPr>
+        <p:txBody>
+          <a:bodyPr wrap="none">
+            <a:spAutoFit/>
+          </a:bodyPr>
+          <a:lstStyle/>
+          <a:p>
+            <a:r>
+              <a:rPr lang="en-US" dirty="0" smtClean="0"/>
+              <a:t>MWH's%20Water%20Treatment.pdf</a:t>
+            </a:r>
+          </a:p>
+          <a:p>
+            <a:r>
+              <a:rPr lang="en-US" dirty="0" smtClean="0"/>
+              <a:t>Must create my own!</a:t>
+            </a:r>
+            <a:endParaRPr lang="en-US" dirty="0"/>
+          </a:p>
+        </p:txBody>
+      </p:sp>
+    </p:spTree>
+    <p:extLst>
+      <p:ext uri="{BB962C8B-B14F-4D97-AF65-F5344CB8AC3E}">
+        <p14:creationId xmlns:p14="http://schemas.microsoft.com/office/powerpoint/2010/main" val="687469335"/>
       </p:ext>
     </p:extLst>
   </p:cSld>

--- a/Lectures/Unit Process Selection.pptx
+++ b/Lectures/Unit Process Selection.pptx
@@ -7,7 +7,7 @@
     <p:sldMasterId id="2147483676" r:id="rId3"/>
   </p:sldMasterIdLst>
   <p:notesMasterIdLst>
-    <p:notesMasterId r:id="rId10"/>
+    <p:notesMasterId r:id="rId15"/>
   </p:notesMasterIdLst>
   <p:sldIdLst>
     <p:sldId id="256" r:id="rId4"/>
@@ -15,7 +15,12 @@
     <p:sldId id="258" r:id="rId6"/>
     <p:sldId id="259" r:id="rId7"/>
     <p:sldId id="260" r:id="rId8"/>
-    <p:sldId id="261" r:id="rId9"/>
+    <p:sldId id="262" r:id="rId9"/>
+    <p:sldId id="263" r:id="rId10"/>
+    <p:sldId id="264" r:id="rId11"/>
+    <p:sldId id="265" r:id="rId12"/>
+    <p:sldId id="266" r:id="rId13"/>
+    <p:sldId id="261" r:id="rId14"/>
   </p:sldIdLst>
   <p:sldSz cx="12192000" cy="6858000"/>
   <p:notesSz cx="6858000" cy="9144000"/>
@@ -204,7 +209,7 @@
           <a:p>
             <a:fld id="{1ECA391B-F7E5-426A-915A-B0EBBF0385DF}" type="datetimeFigureOut">
               <a:rPr lang="en-US" smtClean="0"/>
-              <a:t>10/31/2019</a:t>
+              <a:t>1/23/2020</a:t>
             </a:fld>
             <a:endParaRPr lang="en-US"/>
           </a:p>
@@ -562,6 +567,255 @@
 </p:notes>
 </file>
 
+<file path=ppt/notesSlides/notesSlide2.xml><?xml version="1.0" encoding="utf-8"?>
+<p:notes xmlns:a="http://schemas.openxmlformats.org/drawingml/2006/main" xmlns:r="http://schemas.openxmlformats.org/officeDocument/2006/relationships" xmlns:p="http://schemas.openxmlformats.org/presentationml/2006/main">
+  <p:cSld>
+    <p:spTree>
+      <p:nvGrpSpPr>
+        <p:cNvPr id="1" name=""/>
+        <p:cNvGrpSpPr/>
+        <p:nvPr/>
+      </p:nvGrpSpPr>
+      <p:grpSpPr>
+        <a:xfrm>
+          <a:off x="0" y="0"/>
+          <a:ext cx="0" cy="0"/>
+          <a:chOff x="0" y="0"/>
+          <a:chExt cx="0" cy="0"/>
+        </a:xfrm>
+      </p:grpSpPr>
+      <p:sp>
+        <p:nvSpPr>
+          <p:cNvPr id="2" name="Slide Image Placeholder 1"/>
+          <p:cNvSpPr>
+            <a:spLocks noGrp="1" noRot="1" noChangeAspect="1"/>
+          </p:cNvSpPr>
+          <p:nvPr>
+            <p:ph type="sldImg"/>
+          </p:nvPr>
+        </p:nvSpPr>
+        <p:spPr/>
+      </p:sp>
+      <p:sp>
+        <p:nvSpPr>
+          <p:cNvPr id="3" name="Notes Placeholder 2"/>
+          <p:cNvSpPr>
+            <a:spLocks noGrp="1"/>
+          </p:cNvSpPr>
+          <p:nvPr>
+            <p:ph type="body" idx="1"/>
+          </p:nvPr>
+        </p:nvSpPr>
+        <p:spPr/>
+        <p:txBody>
+          <a:bodyPr/>
+          <a:lstStyle/>
+          <a:p>
+            <a:pPr fontAlgn="b"/>
+            <a:r>
+              <a:rPr lang="en-US" sz="1200" b="0" kern="1200" dirty="0" smtClean="0">
+                <a:solidFill>
+                  <a:schemeClr val="tx1"/>
+                </a:solidFill>
+                <a:effectLst/>
+                <a:latin typeface="+mn-lt"/>
+                <a:ea typeface="+mn-ea"/>
+                <a:cs typeface="+mn-cs"/>
+              </a:rPr>
+              <a:t>a. Screening, Coagulation, Flocculation (Chapter 9)</a:t>
+            </a:r>
+          </a:p>
+          <a:p>
+            <a:pPr fontAlgn="b"/>
+            <a:r>
+              <a:rPr lang="en-US" sz="1200" b="0" kern="1200" dirty="0" smtClean="0">
+                <a:solidFill>
+                  <a:schemeClr val="tx1"/>
+                </a:solidFill>
+                <a:effectLst/>
+                <a:latin typeface="+mn-lt"/>
+                <a:ea typeface="+mn-ea"/>
+                <a:cs typeface="+mn-cs"/>
+              </a:rPr>
+              <a:t>b. Sedimentation (Chapter 10)</a:t>
+            </a:r>
+          </a:p>
+          <a:p>
+            <a:pPr fontAlgn="b"/>
+            <a:r>
+              <a:rPr lang="en-US" sz="1200" b="0" kern="1200" dirty="0" smtClean="0">
+                <a:solidFill>
+                  <a:schemeClr val="tx1"/>
+                </a:solidFill>
+                <a:effectLst/>
+                <a:latin typeface="+mn-lt"/>
+                <a:ea typeface="+mn-ea"/>
+                <a:cs typeface="+mn-cs"/>
+              </a:rPr>
+              <a:t>c. Granular Filtration (chapter 11)</a:t>
+            </a:r>
+          </a:p>
+          <a:p>
+            <a:pPr fontAlgn="b"/>
+            <a:r>
+              <a:rPr lang="en-US" sz="1200" b="0" kern="1200" dirty="0" smtClean="0">
+                <a:solidFill>
+                  <a:schemeClr val="tx1"/>
+                </a:solidFill>
+                <a:effectLst/>
+                <a:latin typeface="+mn-lt"/>
+                <a:ea typeface="+mn-ea"/>
+                <a:cs typeface="+mn-cs"/>
+              </a:rPr>
+              <a:t>d. Membrane Filtration (Chapter 12)</a:t>
+            </a:r>
+          </a:p>
+          <a:p>
+            <a:pPr fontAlgn="b"/>
+            <a:r>
+              <a:rPr lang="en-US" sz="1200" b="0" kern="1200" dirty="0" smtClean="0">
+                <a:solidFill>
+                  <a:schemeClr val="tx1"/>
+                </a:solidFill>
+                <a:effectLst/>
+                <a:latin typeface="+mn-lt"/>
+                <a:ea typeface="+mn-ea"/>
+                <a:cs typeface="+mn-cs"/>
+              </a:rPr>
+              <a:t>e. Disinfection (Chapter 13)</a:t>
+            </a:r>
+          </a:p>
+          <a:p>
+            <a:pPr fontAlgn="b"/>
+            <a:r>
+              <a:rPr lang="en-US" sz="1200" b="0" kern="1200" dirty="0" smtClean="0">
+                <a:solidFill>
+                  <a:schemeClr val="tx1"/>
+                </a:solidFill>
+                <a:effectLst/>
+                <a:latin typeface="+mn-lt"/>
+                <a:ea typeface="+mn-ea"/>
+                <a:cs typeface="+mn-cs"/>
+              </a:rPr>
+              <a:t>3. Advanced Treatment Technologies (focus on dissolved species and chemicals)</a:t>
+            </a:r>
+          </a:p>
+          <a:p>
+            <a:pPr fontAlgn="b"/>
+            <a:r>
+              <a:rPr lang="en-US" sz="1200" b="0" kern="1200" dirty="0" smtClean="0">
+                <a:solidFill>
+                  <a:schemeClr val="tx1"/>
+                </a:solidFill>
+                <a:effectLst/>
+                <a:latin typeface="+mn-lt"/>
+                <a:ea typeface="+mn-ea"/>
+                <a:cs typeface="+mn-cs"/>
+              </a:rPr>
+              <a:t>a. Granular Activated Carbon (Chapter 15)</a:t>
+            </a:r>
+          </a:p>
+          <a:p>
+            <a:pPr fontAlgn="b"/>
+            <a:r>
+              <a:rPr lang="en-US" sz="1200" b="0" kern="1200" dirty="0" smtClean="0">
+                <a:solidFill>
+                  <a:schemeClr val="tx1"/>
+                </a:solidFill>
+                <a:effectLst/>
+                <a:latin typeface="+mn-lt"/>
+                <a:ea typeface="+mn-ea"/>
+                <a:cs typeface="+mn-cs"/>
+              </a:rPr>
+              <a:t>b. Ion Exchange Resins (Chapter 16)</a:t>
+            </a:r>
+          </a:p>
+          <a:p>
+            <a:pPr fontAlgn="b"/>
+            <a:r>
+              <a:rPr lang="en-US" sz="1200" b="0" kern="1200" dirty="0" smtClean="0">
+                <a:solidFill>
+                  <a:schemeClr val="tx1"/>
+                </a:solidFill>
+                <a:effectLst/>
+                <a:latin typeface="+mn-lt"/>
+                <a:ea typeface="+mn-ea"/>
+                <a:cs typeface="+mn-cs"/>
+              </a:rPr>
+              <a:t>c. High Pressure Membranes (Chapter 17)</a:t>
+            </a:r>
+          </a:p>
+          <a:p>
+            <a:pPr fontAlgn="b"/>
+            <a:r>
+              <a:rPr lang="en-US" sz="1200" b="0" kern="1200" dirty="0" smtClean="0">
+                <a:solidFill>
+                  <a:schemeClr val="tx1"/>
+                </a:solidFill>
+                <a:effectLst/>
+                <a:latin typeface="+mn-lt"/>
+                <a:ea typeface="+mn-ea"/>
+                <a:cs typeface="+mn-cs"/>
+              </a:rPr>
+              <a:t>d. Advanced Oxidation Process (Chapter 18)</a:t>
+            </a:r>
+          </a:p>
+          <a:p>
+            <a:pPr fontAlgn="b"/>
+            <a:r>
+              <a:rPr lang="en-US" sz="1200" b="0" kern="1200" dirty="0" smtClean="0">
+                <a:solidFill>
+                  <a:schemeClr val="tx1"/>
+                </a:solidFill>
+                <a:effectLst/>
+                <a:latin typeface="+mn-lt"/>
+                <a:ea typeface="+mn-ea"/>
+                <a:cs typeface="+mn-cs"/>
+              </a:rPr>
+              <a:t>4. Water Treatment Process Design Procedure (Chapter 23)</a:t>
+            </a:r>
+          </a:p>
+          <a:p>
+            <a:endParaRPr lang="en-US" dirty="0"/>
+          </a:p>
+        </p:txBody>
+      </p:sp>
+      <p:sp>
+        <p:nvSpPr>
+          <p:cNvPr id="4" name="Slide Number Placeholder 3"/>
+          <p:cNvSpPr>
+            <a:spLocks noGrp="1"/>
+          </p:cNvSpPr>
+          <p:nvPr>
+            <p:ph type="sldNum" sz="quarter" idx="10"/>
+          </p:nvPr>
+        </p:nvSpPr>
+        <p:spPr/>
+        <p:txBody>
+          <a:bodyPr/>
+          <a:lstStyle/>
+          <a:p>
+            <a:fld id="{0C995C00-DEB8-4FD0-B394-83981868F57C}" type="slidenum">
+              <a:rPr lang="en-US" smtClean="0"/>
+              <a:t>8</a:t>
+            </a:fld>
+            <a:endParaRPr lang="en-US"/>
+          </a:p>
+        </p:txBody>
+      </p:sp>
+    </p:spTree>
+    <p:extLst>
+      <p:ext uri="{BB962C8B-B14F-4D97-AF65-F5344CB8AC3E}">
+        <p14:creationId xmlns:p14="http://schemas.microsoft.com/office/powerpoint/2010/main" val="3604054288"/>
+      </p:ext>
+    </p:extLst>
+  </p:cSld>
+  <p:clrMapOvr>
+    <a:masterClrMapping/>
+  </p:clrMapOvr>
+</p:notes>
+</file>
+
 <file path=ppt/slideLayouts/slideLayout1.xml><?xml version="1.0" encoding="utf-8"?>
 <p:sldLayout xmlns:a="http://schemas.openxmlformats.org/drawingml/2006/main" xmlns:r="http://schemas.openxmlformats.org/officeDocument/2006/relationships" xmlns:p="http://schemas.openxmlformats.org/presentationml/2006/main" showMasterSp="0" type="title" preserve="1">
   <p:cSld name="Title Slide">
@@ -636,7 +890,7 @@
           <a:p>
             <a:fld id="{C95CED01-24E4-4C43-912C-6F6D3D954174}" type="datetimeFigureOut">
               <a:rPr lang="en-US" smtClean="0"/>
-              <a:t>10/31/2019</a:t>
+              <a:t>1/23/2020</a:t>
             </a:fld>
             <a:endParaRPr lang="en-US"/>
           </a:p>
@@ -3431,7 +3685,7 @@
           <a:p>
             <a:fld id="{C95CED01-24E4-4C43-912C-6F6D3D954174}" type="datetimeFigureOut">
               <a:rPr lang="en-US" smtClean="0"/>
-              <a:t>10/31/2019</a:t>
+              <a:t>1/23/2020</a:t>
             </a:fld>
             <a:endParaRPr lang="en-US"/>
           </a:p>
@@ -3852,7 +4106,7 @@
           <a:p>
             <a:fld id="{C95CED01-24E4-4C43-912C-6F6D3D954174}" type="datetimeFigureOut">
               <a:rPr lang="en-US" smtClean="0"/>
-              <a:t>10/31/2019</a:t>
+              <a:t>1/23/2020</a:t>
             </a:fld>
             <a:endParaRPr lang="en-US"/>
           </a:p>
@@ -4294,7 +4548,7 @@
           <a:p>
             <a:fld id="{C95CED01-24E4-4C43-912C-6F6D3D954174}" type="datetimeFigureOut">
               <a:rPr lang="en-US" smtClean="0"/>
-              <a:t>10/31/2019</a:t>
+              <a:t>1/23/2020</a:t>
             </a:fld>
             <a:endParaRPr lang="en-US"/>
           </a:p>
@@ -4427,7 +4681,7 @@
           <a:p>
             <a:fld id="{C95CED01-24E4-4C43-912C-6F6D3D954174}" type="datetimeFigureOut">
               <a:rPr lang="en-US" smtClean="0"/>
-              <a:t>10/31/2019</a:t>
+              <a:t>1/23/2020</a:t>
             </a:fld>
             <a:endParaRPr lang="en-US"/>
           </a:p>
@@ -4537,7 +4791,7 @@
           <a:p>
             <a:fld id="{C95CED01-24E4-4C43-912C-6F6D3D954174}" type="datetimeFigureOut">
               <a:rPr lang="en-US" smtClean="0"/>
-              <a:t>10/31/2019</a:t>
+              <a:t>1/23/2020</a:t>
             </a:fld>
             <a:endParaRPr lang="en-US"/>
           </a:p>
@@ -4683,7 +4937,7 @@
           <a:p>
             <a:fld id="{C95CED01-24E4-4C43-912C-6F6D3D954174}" type="datetimeFigureOut">
               <a:rPr lang="en-US" smtClean="0"/>
-              <a:t>10/31/2019</a:t>
+              <a:t>1/23/2020</a:t>
             </a:fld>
             <a:endParaRPr lang="en-US"/>
           </a:p>
@@ -5436,7 +5690,7 @@
           <a:p>
             <a:fld id="{C95CED01-24E4-4C43-912C-6F6D3D954174}" type="datetimeFigureOut">
               <a:rPr lang="en-US" smtClean="0"/>
-              <a:t>10/31/2019</a:t>
+              <a:t>1/23/2020</a:t>
             </a:fld>
             <a:endParaRPr lang="en-US"/>
           </a:p>
@@ -7595,6 +7849,237 @@
 </p:sld>
 </file>
 
+<file path=ppt/slides/slide10.xml><?xml version="1.0" encoding="utf-8"?>
+<p:sld xmlns:a="http://schemas.openxmlformats.org/drawingml/2006/main" xmlns:r="http://schemas.openxmlformats.org/officeDocument/2006/relationships" xmlns:p="http://schemas.openxmlformats.org/presentationml/2006/main">
+  <p:cSld>
+    <p:spTree>
+      <p:nvGrpSpPr>
+        <p:cNvPr id="1" name=""/>
+        <p:cNvGrpSpPr/>
+        <p:nvPr/>
+      </p:nvGrpSpPr>
+      <p:grpSpPr>
+        <a:xfrm>
+          <a:off x="0" y="0"/>
+          <a:ext cx="0" cy="0"/>
+          <a:chOff x="0" y="0"/>
+          <a:chExt cx="0" cy="0"/>
+        </a:xfrm>
+      </p:grpSpPr>
+      <p:sp>
+        <p:nvSpPr>
+          <p:cNvPr id="2" name="Title 1"/>
+          <p:cNvSpPr>
+            <a:spLocks noGrp="1"/>
+          </p:cNvSpPr>
+          <p:nvPr>
+            <p:ph type="title"/>
+          </p:nvPr>
+        </p:nvSpPr>
+        <p:spPr/>
+        <p:txBody>
+          <a:bodyPr/>
+          <a:lstStyle/>
+          <a:p>
+            <a:r>
+              <a:rPr lang="en-US" sz="4000" dirty="0" smtClean="0"/>
+              <a:t>How do consulting firms, construction firms, venders, municipalities (clients) create a project?</a:t>
+            </a:r>
+            <a:endParaRPr lang="en-US" sz="4000" dirty="0"/>
+          </a:p>
+        </p:txBody>
+      </p:sp>
+      <p:sp>
+        <p:nvSpPr>
+          <p:cNvPr id="3" name="Content Placeholder 2"/>
+          <p:cNvSpPr>
+            <a:spLocks noGrp="1"/>
+          </p:cNvSpPr>
+          <p:nvPr>
+            <p:ph idx="1"/>
+          </p:nvPr>
+        </p:nvSpPr>
+        <p:spPr/>
+        <p:txBody>
+          <a:bodyPr/>
+          <a:lstStyle/>
+          <a:p>
+            <a:r>
+              <a:rPr lang="en-US" dirty="0" smtClean="0"/>
+              <a:t>We will hear about this process from Tori Klug and Michael Adelman (Engineers at </a:t>
+            </a:r>
+            <a:r>
+              <a:rPr lang="en-US" dirty="0" err="1" smtClean="0"/>
+              <a:t>Stantec</a:t>
+            </a:r>
+            <a:r>
+              <a:rPr lang="en-US" dirty="0" smtClean="0"/>
+              <a:t>) later in the semester.</a:t>
+            </a:r>
+            <a:endParaRPr lang="en-US" dirty="0"/>
+          </a:p>
+        </p:txBody>
+      </p:sp>
+    </p:spTree>
+    <p:extLst>
+      <p:ext uri="{BB962C8B-B14F-4D97-AF65-F5344CB8AC3E}">
+        <p14:creationId xmlns:p14="http://schemas.microsoft.com/office/powerpoint/2010/main" val="594602661"/>
+      </p:ext>
+    </p:extLst>
+  </p:cSld>
+  <p:clrMapOvr>
+    <a:masterClrMapping/>
+  </p:clrMapOvr>
+  <p:transition>
+    <p:fade/>
+  </p:transition>
+  <p:timing>
+    <p:tnLst>
+      <p:par>
+        <p:cTn id="1" dur="indefinite" restart="never" nodeType="tmRoot"/>
+      </p:par>
+    </p:tnLst>
+  </p:timing>
+</p:sld>
+</file>
+
+<file path=ppt/slides/slide11.xml><?xml version="1.0" encoding="utf-8"?>
+<p:sld xmlns:a="http://schemas.openxmlformats.org/drawingml/2006/main" xmlns:r="http://schemas.openxmlformats.org/officeDocument/2006/relationships" xmlns:p="http://schemas.openxmlformats.org/presentationml/2006/main">
+  <p:cSld>
+    <p:spTree>
+      <p:nvGrpSpPr>
+        <p:cNvPr id="1" name=""/>
+        <p:cNvGrpSpPr/>
+        <p:nvPr/>
+      </p:nvGrpSpPr>
+      <p:grpSpPr>
+        <a:xfrm>
+          <a:off x="0" y="0"/>
+          <a:ext cx="0" cy="0"/>
+          <a:chOff x="0" y="0"/>
+          <a:chExt cx="0" cy="0"/>
+        </a:xfrm>
+      </p:grpSpPr>
+      <p:sp>
+        <p:nvSpPr>
+          <p:cNvPr id="2" name="Title 1"/>
+          <p:cNvSpPr>
+            <a:spLocks noGrp="1"/>
+          </p:cNvSpPr>
+          <p:nvPr>
+            <p:ph type="title"/>
+          </p:nvPr>
+        </p:nvSpPr>
+        <p:spPr/>
+        <p:txBody>
+          <a:bodyPr/>
+          <a:lstStyle/>
+          <a:p>
+            <a:endParaRPr lang="en-US"/>
+          </a:p>
+        </p:txBody>
+      </p:sp>
+      <p:pic>
+        <p:nvPicPr>
+          <p:cNvPr id="7" name="Content Placeholder 6"/>
+          <p:cNvPicPr>
+            <a:picLocks noGrp="1" noChangeAspect="1"/>
+          </p:cNvPicPr>
+          <p:nvPr>
+            <p:ph idx="1"/>
+          </p:nvPr>
+        </p:nvPicPr>
+        <p:blipFill>
+          <a:blip r:embed="rId2"/>
+          <a:stretch>
+            <a:fillRect/>
+          </a:stretch>
+        </p:blipFill>
+        <p:spPr>
+          <a:xfrm>
+            <a:off x="3106593" y="1625960"/>
+            <a:ext cx="5886450" cy="1962150"/>
+          </a:xfrm>
+          <a:prstGeom prst="rect">
+            <a:avLst/>
+          </a:prstGeom>
+        </p:spPr>
+      </p:pic>
+      <p:pic>
+        <p:nvPicPr>
+          <p:cNvPr id="4" name="Picture 3"/>
+          <p:cNvPicPr>
+            <a:picLocks noChangeAspect="1"/>
+          </p:cNvPicPr>
+          <p:nvPr/>
+        </p:nvPicPr>
+        <p:blipFill>
+          <a:blip r:embed="rId3"/>
+          <a:stretch>
+            <a:fillRect/>
+          </a:stretch>
+        </p:blipFill>
+        <p:spPr>
+          <a:xfrm>
+            <a:off x="2995469" y="3807542"/>
+            <a:ext cx="5905500" cy="2143125"/>
+          </a:xfrm>
+          <a:prstGeom prst="rect">
+            <a:avLst/>
+          </a:prstGeom>
+        </p:spPr>
+      </p:pic>
+      <p:sp>
+        <p:nvSpPr>
+          <p:cNvPr id="6" name="Rectangle 5"/>
+          <p:cNvSpPr/>
+          <p:nvPr/>
+        </p:nvSpPr>
+        <p:spPr>
+          <a:xfrm>
+            <a:off x="3654992" y="6170099"/>
+            <a:ext cx="3607398" cy="646331"/>
+          </a:xfrm>
+          <a:prstGeom prst="rect">
+            <a:avLst/>
+          </a:prstGeom>
+        </p:spPr>
+        <p:txBody>
+          <a:bodyPr wrap="none">
+            <a:spAutoFit/>
+          </a:bodyPr>
+          <a:lstStyle/>
+          <a:p>
+            <a:r>
+              <a:rPr lang="en-US" dirty="0" smtClean="0"/>
+              <a:t>MWH's%20Water%20Treatment.pdf</a:t>
+            </a:r>
+          </a:p>
+          <a:p>
+            <a:r>
+              <a:rPr lang="en-US" dirty="0" smtClean="0"/>
+              <a:t>Must create my own!</a:t>
+            </a:r>
+            <a:endParaRPr lang="en-US" dirty="0"/>
+          </a:p>
+        </p:txBody>
+      </p:sp>
+    </p:spTree>
+    <p:extLst>
+      <p:ext uri="{BB962C8B-B14F-4D97-AF65-F5344CB8AC3E}">
+        <p14:creationId xmlns:p14="http://schemas.microsoft.com/office/powerpoint/2010/main" val="687469335"/>
+      </p:ext>
+    </p:extLst>
+  </p:cSld>
+  <p:clrMapOvr>
+    <a:masterClrMapping/>
+  </p:clrMapOvr>
+  <p:transition>
+    <p:fade/>
+  </p:transition>
+</p:sld>
+</file>
+
 <file path=ppt/slides/slide2.xml><?xml version="1.0" encoding="utf-8"?>
 <p:sld xmlns:a="http://schemas.openxmlformats.org/drawingml/2006/main" xmlns:r="http://schemas.openxmlformats.org/officeDocument/2006/relationships" xmlns:p="http://schemas.openxmlformats.org/presentationml/2006/main">
   <p:cSld>
@@ -8796,99 +9281,1373 @@
           <a:bodyPr/>
           <a:lstStyle/>
           <a:p>
-            <a:endParaRPr lang="en-US"/>
+            <a:r>
+              <a:rPr lang="en-US" dirty="0" smtClean="0"/>
+              <a:t>Water sources</a:t>
+            </a:r>
+            <a:endParaRPr lang="en-US" dirty="0"/>
           </a:p>
         </p:txBody>
       </p:sp>
       <p:pic>
         <p:nvPicPr>
-          <p:cNvPr id="7" name="Content Placeholder 6"/>
+          <p:cNvPr id="1026" name="Picture 2" descr="Diagram showing source and use of freshwater in the U.S. in 2015, by category"/>
           <p:cNvPicPr>
-            <a:picLocks noGrp="1" noChangeAspect="1"/>
+            <a:picLocks noChangeAspect="1" noChangeArrowheads="1"/>
           </p:cNvPicPr>
-          <p:nvPr>
-            <p:ph idx="1"/>
-          </p:nvPr>
+          <p:nvPr/>
         </p:nvPicPr>
         <p:blipFill>
-          <a:blip r:embed="rId2"/>
+          <a:blip r:embed="rId2">
+            <a:extLst>
+              <a:ext uri="{28A0092B-C50C-407E-A947-70E740481C1C}">
+                <a14:useLocalDpi xmlns:a14="http://schemas.microsoft.com/office/drawing/2010/main" val="0"/>
+              </a:ext>
+            </a:extLst>
+          </a:blip>
+          <a:srcRect/>
           <a:stretch>
             <a:fillRect/>
           </a:stretch>
         </p:blipFill>
+        <p:spPr bwMode="auto">
+          <a:xfrm>
+            <a:off x="609600" y="1803756"/>
+            <a:ext cx="5763457" cy="4723602"/>
+          </a:xfrm>
+          <a:prstGeom prst="rect">
+            <a:avLst/>
+          </a:prstGeom>
+          <a:noFill/>
+          <a:extLst>
+            <a:ext uri="{909E8E84-426E-40DD-AFC4-6F175D3DCCD1}">
+              <a14:hiddenFill xmlns:a14="http://schemas.microsoft.com/office/drawing/2010/main">
+                <a:solidFill>
+                  <a:srgbClr val="FFFFFF"/>
+                </a:solidFill>
+              </a14:hiddenFill>
+            </a:ext>
+          </a:extLst>
+        </p:spPr>
+      </p:pic>
+      <p:sp>
+        <p:nvSpPr>
+          <p:cNvPr id="3" name="Rectangle 2"/>
+          <p:cNvSpPr/>
+          <p:nvPr/>
+        </p:nvSpPr>
         <p:spPr>
           <a:xfrm>
-            <a:off x="3106593" y="1625960"/>
-            <a:ext cx="5886450" cy="1962150"/>
+            <a:off x="6373057" y="5604028"/>
+            <a:ext cx="6096000" cy="923330"/>
           </a:xfrm>
           <a:prstGeom prst="rect">
             <a:avLst/>
           </a:prstGeom>
         </p:spPr>
-      </p:pic>
-      <p:pic>
-        <p:nvPicPr>
-          <p:cNvPr id="4" name="Picture 3"/>
-          <p:cNvPicPr>
-            <a:picLocks noChangeAspect="1"/>
-          </p:cNvPicPr>
+        <p:txBody>
+          <a:bodyPr>
+            <a:spAutoFit/>
+          </a:bodyPr>
+          <a:lstStyle/>
+          <a:p>
+            <a:r>
+              <a:rPr lang="en-US" dirty="0">
+                <a:hlinkClick r:id="rId3"/>
+              </a:rPr>
+              <a:t>https://www.usgs.gov/special-topic/water-science-school/science/groundwater-use-united-states?qt-science_center_objects=0#qt-science_center_objects</a:t>
+            </a:r>
+            <a:endParaRPr lang="en-US" dirty="0"/>
+          </a:p>
+        </p:txBody>
+      </p:sp>
+    </p:spTree>
+    <p:extLst>
+      <p:ext uri="{BB962C8B-B14F-4D97-AF65-F5344CB8AC3E}">
+        <p14:creationId xmlns:p14="http://schemas.microsoft.com/office/powerpoint/2010/main" val="1680287632"/>
+      </p:ext>
+    </p:extLst>
+  </p:cSld>
+  <p:clrMapOvr>
+    <a:masterClrMapping/>
+  </p:clrMapOvr>
+  <p:transition>
+    <p:fade/>
+  </p:transition>
+  <p:timing>
+    <p:tnLst>
+      <p:par>
+        <p:cTn id="1" dur="indefinite" restart="never" nodeType="tmRoot"/>
+      </p:par>
+    </p:tnLst>
+  </p:timing>
+</p:sld>
+</file>
+
+<file path=ppt/slides/slide7.xml><?xml version="1.0" encoding="utf-8"?>
+<p:sld xmlns:a="http://schemas.openxmlformats.org/drawingml/2006/main" xmlns:r="http://schemas.openxmlformats.org/officeDocument/2006/relationships" xmlns:p="http://schemas.openxmlformats.org/presentationml/2006/main">
+  <p:cSld>
+    <p:spTree>
+      <p:nvGrpSpPr>
+        <p:cNvPr id="1" name=""/>
+        <p:cNvGrpSpPr/>
+        <p:nvPr/>
+      </p:nvGrpSpPr>
+      <p:grpSpPr>
+        <a:xfrm>
+          <a:off x="0" y="0"/>
+          <a:ext cx="0" cy="0"/>
+          <a:chOff x="0" y="0"/>
+          <a:chExt cx="0" cy="0"/>
+        </a:xfrm>
+      </p:grpSpPr>
+      <p:sp>
+        <p:nvSpPr>
+          <p:cNvPr id="2" name="Title 1"/>
+          <p:cNvSpPr>
+            <a:spLocks noGrp="1"/>
+          </p:cNvSpPr>
+          <p:nvPr>
+            <p:ph type="title"/>
+          </p:nvPr>
+        </p:nvSpPr>
+        <p:spPr/>
+        <p:txBody>
+          <a:bodyPr/>
+          <a:lstStyle/>
+          <a:p>
+            <a:r>
+              <a:rPr lang="en-US" dirty="0" smtClean="0"/>
+              <a:t>Generalize the design process </a:t>
+            </a:r>
+            <a:endParaRPr lang="en-US" dirty="0"/>
+          </a:p>
+        </p:txBody>
+      </p:sp>
+      <p:sp>
+        <p:nvSpPr>
+          <p:cNvPr id="4" name="Oval 3"/>
+          <p:cNvSpPr/>
           <p:nvPr/>
-        </p:nvPicPr>
-        <p:blipFill>
-          <a:blip r:embed="rId3"/>
-          <a:stretch>
-            <a:fillRect/>
-          </a:stretch>
-        </p:blipFill>
+        </p:nvSpPr>
         <p:spPr>
           <a:xfrm>
-            <a:off x="2995469" y="3807542"/>
-            <a:ext cx="5905500" cy="2143125"/>
+            <a:off x="1414300" y="3964544"/>
+            <a:ext cx="2183524" cy="914400"/>
           </a:xfrm>
-          <a:prstGeom prst="rect">
+          <a:prstGeom prst="ellipse">
             <a:avLst/>
           </a:prstGeom>
         </p:spPr>
-      </p:pic>
-      <p:sp>
-        <p:nvSpPr>
-          <p:cNvPr id="6" name="Rectangle 5"/>
+        <p:style>
+          <a:lnRef idx="2">
+            <a:schemeClr val="accent1">
+              <a:shade val="50000"/>
+            </a:schemeClr>
+          </a:lnRef>
+          <a:fillRef idx="1">
+            <a:schemeClr val="accent1"/>
+          </a:fillRef>
+          <a:effectRef idx="0">
+            <a:schemeClr val="accent1"/>
+          </a:effectRef>
+          <a:fontRef idx="minor">
+            <a:schemeClr val="lt1"/>
+          </a:fontRef>
+        </p:style>
+        <p:txBody>
+          <a:bodyPr rtlCol="0" anchor="ctr"/>
+          <a:lstStyle/>
+          <a:p>
+            <a:pPr algn="ctr"/>
+            <a:r>
+              <a:rPr lang="en-US" dirty="0" smtClean="0"/>
+              <a:t>Regulations</a:t>
+            </a:r>
+            <a:endParaRPr lang="en-US" dirty="0"/>
+          </a:p>
+        </p:txBody>
+      </p:sp>
+      <p:sp>
+        <p:nvSpPr>
+          <p:cNvPr id="5" name="Oval 4"/>
           <p:cNvSpPr/>
           <p:nvPr/>
         </p:nvSpPr>
         <p:spPr>
           <a:xfrm>
-            <a:off x="3654992" y="6170099"/>
-            <a:ext cx="3607398" cy="646331"/>
+            <a:off x="1394593" y="5149585"/>
+            <a:ext cx="2183524" cy="914400"/>
           </a:xfrm>
-          <a:prstGeom prst="rect">
+          <a:prstGeom prst="ellipse">
             <a:avLst/>
           </a:prstGeom>
         </p:spPr>
-        <p:txBody>
-          <a:bodyPr wrap="none">
-            <a:spAutoFit/>
-          </a:bodyPr>
+        <p:style>
+          <a:lnRef idx="2">
+            <a:schemeClr val="accent1">
+              <a:shade val="50000"/>
+            </a:schemeClr>
+          </a:lnRef>
+          <a:fillRef idx="1">
+            <a:schemeClr val="accent1"/>
+          </a:fillRef>
+          <a:effectRef idx="0">
+            <a:schemeClr val="accent1"/>
+          </a:effectRef>
+          <a:fontRef idx="minor">
+            <a:schemeClr val="lt1"/>
+          </a:fontRef>
+        </p:style>
+        <p:txBody>
+          <a:bodyPr rtlCol="0" anchor="ctr"/>
           <a:lstStyle/>
           <a:p>
+            <a:pPr algn="ctr"/>
             <a:r>
               <a:rPr lang="en-US" dirty="0" smtClean="0"/>
-              <a:t>MWH's%20Water%20Treatment.pdf</a:t>
-            </a:r>
-          </a:p>
-          <a:p>
+              <a:t>Client needs</a:t>
+            </a:r>
+            <a:endParaRPr lang="en-US" dirty="0"/>
+          </a:p>
+        </p:txBody>
+      </p:sp>
+      <p:sp>
+        <p:nvSpPr>
+          <p:cNvPr id="6" name="Oval 5"/>
+          <p:cNvSpPr/>
+          <p:nvPr/>
+        </p:nvSpPr>
+        <p:spPr>
+          <a:xfrm>
+            <a:off x="4517477" y="1737665"/>
+            <a:ext cx="2183524" cy="914400"/>
+          </a:xfrm>
+          <a:prstGeom prst="ellipse">
+            <a:avLst/>
+          </a:prstGeom>
+        </p:spPr>
+        <p:style>
+          <a:lnRef idx="2">
+            <a:schemeClr val="accent1">
+              <a:shade val="50000"/>
+            </a:schemeClr>
+          </a:lnRef>
+          <a:fillRef idx="1">
+            <a:schemeClr val="accent1"/>
+          </a:fillRef>
+          <a:effectRef idx="0">
+            <a:schemeClr val="accent1"/>
+          </a:effectRef>
+          <a:fontRef idx="minor">
+            <a:schemeClr val="lt1"/>
+          </a:fontRef>
+        </p:style>
+        <p:txBody>
+          <a:bodyPr rtlCol="0" anchor="ctr"/>
+          <a:lstStyle/>
+          <a:p>
+            <a:pPr algn="ctr"/>
             <a:r>
               <a:rPr lang="en-US" dirty="0" smtClean="0"/>
-              <a:t>Must create my own!</a:t>
+              <a:t>Possible Unit Processes</a:t>
             </a:r>
             <a:endParaRPr lang="en-US" dirty="0"/>
+          </a:p>
+        </p:txBody>
+      </p:sp>
+      <p:sp>
+        <p:nvSpPr>
+          <p:cNvPr id="7" name="Oval 6"/>
+          <p:cNvSpPr/>
+          <p:nvPr/>
+        </p:nvSpPr>
+        <p:spPr>
+          <a:xfrm>
+            <a:off x="1394593" y="2841008"/>
+            <a:ext cx="2183524" cy="914400"/>
+          </a:xfrm>
+          <a:prstGeom prst="ellipse">
+            <a:avLst/>
+          </a:prstGeom>
+        </p:spPr>
+        <p:style>
+          <a:lnRef idx="2">
+            <a:schemeClr val="accent1">
+              <a:shade val="50000"/>
+            </a:schemeClr>
+          </a:lnRef>
+          <a:fillRef idx="1">
+            <a:schemeClr val="accent1"/>
+          </a:fillRef>
+          <a:effectRef idx="0">
+            <a:schemeClr val="accent1"/>
+          </a:effectRef>
+          <a:fontRef idx="minor">
+            <a:schemeClr val="lt1"/>
+          </a:fontRef>
+        </p:style>
+        <p:txBody>
+          <a:bodyPr rtlCol="0" anchor="ctr"/>
+          <a:lstStyle/>
+          <a:p>
+            <a:pPr algn="ctr"/>
+            <a:r>
+              <a:rPr lang="en-US" dirty="0" smtClean="0"/>
+              <a:t>Contaminants</a:t>
+            </a:r>
+            <a:endParaRPr lang="en-US" dirty="0"/>
+          </a:p>
+        </p:txBody>
+      </p:sp>
+      <p:sp>
+        <p:nvSpPr>
+          <p:cNvPr id="8" name="Oval 7"/>
+          <p:cNvSpPr/>
+          <p:nvPr/>
+        </p:nvSpPr>
+        <p:spPr>
+          <a:xfrm>
+            <a:off x="4698452" y="4767616"/>
+            <a:ext cx="2356946" cy="914400"/>
+          </a:xfrm>
+          <a:prstGeom prst="ellipse">
+            <a:avLst/>
+          </a:prstGeom>
+        </p:spPr>
+        <p:style>
+          <a:lnRef idx="2">
+            <a:schemeClr val="accent1">
+              <a:shade val="50000"/>
+            </a:schemeClr>
+          </a:lnRef>
+          <a:fillRef idx="1">
+            <a:schemeClr val="accent1"/>
+          </a:fillRef>
+          <a:effectRef idx="0">
+            <a:schemeClr val="accent1"/>
+          </a:effectRef>
+          <a:fontRef idx="minor">
+            <a:schemeClr val="lt1"/>
+          </a:fontRef>
+        </p:style>
+        <p:txBody>
+          <a:bodyPr rtlCol="0" anchor="ctr"/>
+          <a:lstStyle/>
+          <a:p>
+            <a:pPr algn="ctr"/>
+            <a:r>
+              <a:rPr lang="en-US" dirty="0" smtClean="0"/>
+              <a:t>Sequence the unit processes</a:t>
+            </a:r>
+            <a:endParaRPr lang="en-US" dirty="0"/>
+          </a:p>
+        </p:txBody>
+      </p:sp>
+      <p:sp>
+        <p:nvSpPr>
+          <p:cNvPr id="9" name="Oval 8"/>
+          <p:cNvSpPr/>
+          <p:nvPr/>
+        </p:nvSpPr>
+        <p:spPr>
+          <a:xfrm>
+            <a:off x="1374228" y="1737665"/>
+            <a:ext cx="2183524" cy="914400"/>
+          </a:xfrm>
+          <a:prstGeom prst="ellipse">
+            <a:avLst/>
+          </a:prstGeom>
+        </p:spPr>
+        <p:style>
+          <a:lnRef idx="2">
+            <a:schemeClr val="accent1">
+              <a:shade val="50000"/>
+            </a:schemeClr>
+          </a:lnRef>
+          <a:fillRef idx="1">
+            <a:schemeClr val="accent1"/>
+          </a:fillRef>
+          <a:effectRef idx="0">
+            <a:schemeClr val="accent1"/>
+          </a:effectRef>
+          <a:fontRef idx="minor">
+            <a:schemeClr val="lt1"/>
+          </a:fontRef>
+        </p:style>
+        <p:txBody>
+          <a:bodyPr rtlCol="0" anchor="ctr"/>
+          <a:lstStyle/>
+          <a:p>
+            <a:pPr algn="ctr"/>
+            <a:r>
+              <a:rPr lang="en-US" dirty="0" smtClean="0"/>
+              <a:t>Water Source</a:t>
+            </a:r>
+            <a:endParaRPr lang="en-US" dirty="0"/>
+          </a:p>
+        </p:txBody>
+      </p:sp>
+      <p:sp>
+        <p:nvSpPr>
+          <p:cNvPr id="10" name="Oval 9"/>
+          <p:cNvSpPr/>
+          <p:nvPr/>
+        </p:nvSpPr>
+        <p:spPr>
+          <a:xfrm>
+            <a:off x="4785163" y="3298208"/>
+            <a:ext cx="2183524" cy="914400"/>
+          </a:xfrm>
+          <a:prstGeom prst="ellipse">
+            <a:avLst/>
+          </a:prstGeom>
+        </p:spPr>
+        <p:style>
+          <a:lnRef idx="2">
+            <a:schemeClr val="accent1">
+              <a:shade val="50000"/>
+            </a:schemeClr>
+          </a:lnRef>
+          <a:fillRef idx="1">
+            <a:schemeClr val="accent1"/>
+          </a:fillRef>
+          <a:effectRef idx="0">
+            <a:schemeClr val="accent1"/>
+          </a:effectRef>
+          <a:fontRef idx="minor">
+            <a:schemeClr val="lt1"/>
+          </a:fontRef>
+        </p:style>
+        <p:txBody>
+          <a:bodyPr rtlCol="0" anchor="ctr"/>
+          <a:lstStyle/>
+          <a:p>
+            <a:pPr algn="ctr"/>
+            <a:r>
+              <a:rPr lang="en-US" dirty="0" smtClean="0"/>
+              <a:t>Select Unit Processes</a:t>
+            </a:r>
+            <a:endParaRPr lang="en-US" dirty="0"/>
+          </a:p>
+        </p:txBody>
+      </p:sp>
+      <p:sp>
+        <p:nvSpPr>
+          <p:cNvPr id="11" name="Oval 10"/>
+          <p:cNvSpPr/>
+          <p:nvPr/>
+        </p:nvSpPr>
+        <p:spPr>
+          <a:xfrm>
+            <a:off x="9530254" y="3633952"/>
+            <a:ext cx="2356946" cy="914400"/>
+          </a:xfrm>
+          <a:prstGeom prst="ellipse">
+            <a:avLst/>
+          </a:prstGeom>
+        </p:spPr>
+        <p:style>
+          <a:lnRef idx="2">
+            <a:schemeClr val="accent1">
+              <a:shade val="50000"/>
+            </a:schemeClr>
+          </a:lnRef>
+          <a:fillRef idx="1">
+            <a:schemeClr val="accent1"/>
+          </a:fillRef>
+          <a:effectRef idx="0">
+            <a:schemeClr val="accent1"/>
+          </a:effectRef>
+          <a:fontRef idx="minor">
+            <a:schemeClr val="lt1"/>
+          </a:fontRef>
+        </p:style>
+        <p:txBody>
+          <a:bodyPr rtlCol="0" anchor="ctr"/>
+          <a:lstStyle/>
+          <a:p>
+            <a:pPr algn="ctr"/>
+            <a:r>
+              <a:rPr lang="en-US" dirty="0" smtClean="0"/>
+              <a:t>Disinfection Complications</a:t>
+            </a:r>
+            <a:endParaRPr lang="en-US" dirty="0"/>
+          </a:p>
+        </p:txBody>
+      </p:sp>
+      <p:sp>
+        <p:nvSpPr>
+          <p:cNvPr id="12" name="Oval 11"/>
+          <p:cNvSpPr/>
+          <p:nvPr/>
+        </p:nvSpPr>
+        <p:spPr>
+          <a:xfrm>
+            <a:off x="9530254" y="5094753"/>
+            <a:ext cx="2356946" cy="914400"/>
+          </a:xfrm>
+          <a:prstGeom prst="ellipse">
+            <a:avLst/>
+          </a:prstGeom>
+        </p:spPr>
+        <p:style>
+          <a:lnRef idx="2">
+            <a:schemeClr val="accent1">
+              <a:shade val="50000"/>
+            </a:schemeClr>
+          </a:lnRef>
+          <a:fillRef idx="1">
+            <a:schemeClr val="accent1"/>
+          </a:fillRef>
+          <a:effectRef idx="0">
+            <a:schemeClr val="accent1"/>
+          </a:effectRef>
+          <a:fontRef idx="minor">
+            <a:schemeClr val="lt1"/>
+          </a:fontRef>
+        </p:style>
+        <p:txBody>
+          <a:bodyPr rtlCol="0" anchor="ctr"/>
+          <a:lstStyle/>
+          <a:p>
+            <a:pPr algn="ctr"/>
+            <a:r>
+              <a:rPr lang="en-US" dirty="0" smtClean="0"/>
+              <a:t>Distribution Complications</a:t>
+            </a:r>
+            <a:endParaRPr lang="en-US" dirty="0"/>
+          </a:p>
+        </p:txBody>
+      </p:sp>
+      <p:cxnSp>
+        <p:nvCxnSpPr>
+          <p:cNvPr id="18" name="Curved Connector 17"/>
+          <p:cNvCxnSpPr>
+            <a:stCxn id="11" idx="4"/>
+            <a:endCxn id="12" idx="0"/>
+          </p:cNvCxnSpPr>
+          <p:nvPr/>
+        </p:nvCxnSpPr>
+        <p:spPr>
+          <a:xfrm rot="5400000">
+            <a:off x="10435527" y="4821552"/>
+            <a:ext cx="546401" cy="12700"/>
+          </a:xfrm>
+          <a:prstGeom prst="curvedConnector3">
+            <a:avLst/>
+          </a:prstGeom>
+          <a:ln>
+            <a:tailEnd type="triangle"/>
+          </a:ln>
+        </p:spPr>
+        <p:style>
+          <a:lnRef idx="1">
+            <a:schemeClr val="accent1"/>
+          </a:lnRef>
+          <a:fillRef idx="0">
+            <a:schemeClr val="accent1"/>
+          </a:fillRef>
+          <a:effectRef idx="0">
+            <a:schemeClr val="accent1"/>
+          </a:effectRef>
+          <a:fontRef idx="minor">
+            <a:schemeClr val="tx1"/>
+          </a:fontRef>
+        </p:style>
+      </p:cxnSp>
+      <p:cxnSp>
+        <p:nvCxnSpPr>
+          <p:cNvPr id="20" name="Curved Connector 19"/>
+          <p:cNvCxnSpPr>
+            <a:stCxn id="25" idx="3"/>
+            <a:endCxn id="6" idx="2"/>
+          </p:cNvCxnSpPr>
+          <p:nvPr/>
+        </p:nvCxnSpPr>
+        <p:spPr>
+          <a:xfrm flipV="1">
+            <a:off x="3871749" y="2194865"/>
+            <a:ext cx="645728" cy="1858844"/>
+          </a:xfrm>
+          <a:prstGeom prst="curvedConnector3">
+            <a:avLst/>
+          </a:prstGeom>
+          <a:ln>
+            <a:tailEnd type="triangle"/>
+          </a:ln>
+        </p:spPr>
+        <p:style>
+          <a:lnRef idx="1">
+            <a:schemeClr val="accent1"/>
+          </a:lnRef>
+          <a:fillRef idx="0">
+            <a:schemeClr val="accent1"/>
+          </a:fillRef>
+          <a:effectRef idx="0">
+            <a:schemeClr val="accent1"/>
+          </a:effectRef>
+          <a:fontRef idx="minor">
+            <a:schemeClr val="tx1"/>
+          </a:fontRef>
+        </p:style>
+      </p:cxnSp>
+      <p:cxnSp>
+        <p:nvCxnSpPr>
+          <p:cNvPr id="22" name="Curved Connector 21"/>
+          <p:cNvCxnSpPr>
+            <a:stCxn id="6" idx="4"/>
+            <a:endCxn id="10" idx="0"/>
+          </p:cNvCxnSpPr>
+          <p:nvPr/>
+        </p:nvCxnSpPr>
+        <p:spPr>
+          <a:xfrm rot="16200000" flipH="1">
+            <a:off x="5420011" y="2841293"/>
+            <a:ext cx="646143" cy="267686"/>
+          </a:xfrm>
+          <a:prstGeom prst="curvedConnector3">
+            <a:avLst>
+              <a:gd name="adj1" fmla="val 50000"/>
+            </a:avLst>
+          </a:prstGeom>
+          <a:ln>
+            <a:tailEnd type="triangle"/>
+          </a:ln>
+        </p:spPr>
+        <p:style>
+          <a:lnRef idx="1">
+            <a:schemeClr val="accent1"/>
+          </a:lnRef>
+          <a:fillRef idx="0">
+            <a:schemeClr val="accent1"/>
+          </a:fillRef>
+          <a:effectRef idx="0">
+            <a:schemeClr val="accent1"/>
+          </a:effectRef>
+          <a:fontRef idx="minor">
+            <a:schemeClr val="tx1"/>
+          </a:fontRef>
+        </p:style>
+      </p:cxnSp>
+      <p:cxnSp>
+        <p:nvCxnSpPr>
+          <p:cNvPr id="24" name="Curved Connector 23"/>
+          <p:cNvCxnSpPr>
+            <a:stCxn id="10" idx="4"/>
+            <a:endCxn id="8" idx="0"/>
+          </p:cNvCxnSpPr>
+          <p:nvPr/>
+        </p:nvCxnSpPr>
+        <p:spPr>
+          <a:xfrm rot="5400000">
+            <a:off x="5599421" y="4490112"/>
+            <a:ext cx="555008" cy="12700"/>
+          </a:xfrm>
+          <a:prstGeom prst="curvedConnector3">
+            <a:avLst>
+              <a:gd name="adj1" fmla="val 50000"/>
+            </a:avLst>
+          </a:prstGeom>
+          <a:ln>
+            <a:tailEnd type="triangle"/>
+          </a:ln>
+        </p:spPr>
+        <p:style>
+          <a:lnRef idx="1">
+            <a:schemeClr val="accent1"/>
+          </a:lnRef>
+          <a:fillRef idx="0">
+            <a:schemeClr val="accent1"/>
+          </a:fillRef>
+          <a:effectRef idx="0">
+            <a:schemeClr val="accent1"/>
+          </a:effectRef>
+          <a:fontRef idx="minor">
+            <a:schemeClr val="tx1"/>
+          </a:fontRef>
+        </p:style>
+      </p:cxnSp>
+      <p:sp>
+        <p:nvSpPr>
+          <p:cNvPr id="25" name="Rounded Rectangle 24"/>
+          <p:cNvSpPr/>
+          <p:nvPr/>
+        </p:nvSpPr>
+        <p:spPr>
+          <a:xfrm>
+            <a:off x="985345" y="1588376"/>
+            <a:ext cx="2886404" cy="4930665"/>
+          </a:xfrm>
+          <a:prstGeom prst="roundRect">
+            <a:avLst/>
+          </a:prstGeom>
+          <a:noFill/>
+        </p:spPr>
+        <p:style>
+          <a:lnRef idx="2">
+            <a:schemeClr val="accent1">
+              <a:shade val="50000"/>
+            </a:schemeClr>
+          </a:lnRef>
+          <a:fillRef idx="1">
+            <a:schemeClr val="accent1"/>
+          </a:fillRef>
+          <a:effectRef idx="0">
+            <a:schemeClr val="accent1"/>
+          </a:effectRef>
+          <a:fontRef idx="minor">
+            <a:schemeClr val="lt1"/>
+          </a:fontRef>
+        </p:style>
+        <p:txBody>
+          <a:bodyPr rtlCol="0" anchor="ctr"/>
+          <a:lstStyle/>
+          <a:p>
+            <a:pPr algn="ctr"/>
+            <a:endParaRPr lang="en-US"/>
           </a:p>
         </p:txBody>
       </p:sp>
     </p:spTree>
     <p:extLst>
       <p:ext uri="{BB962C8B-B14F-4D97-AF65-F5344CB8AC3E}">
-        <p14:creationId xmlns:p14="http://schemas.microsoft.com/office/powerpoint/2010/main" val="687469335"/>
+        <p14:creationId xmlns:p14="http://schemas.microsoft.com/office/powerpoint/2010/main" val="823070621"/>
+      </p:ext>
+    </p:extLst>
+  </p:cSld>
+  <p:clrMapOvr>
+    <a:masterClrMapping/>
+  </p:clrMapOvr>
+  <p:transition>
+    <p:fade/>
+  </p:transition>
+  <p:timing>
+    <p:tnLst>
+      <p:par>
+        <p:cTn id="1" dur="indefinite" restart="never" nodeType="tmRoot"/>
+      </p:par>
+    </p:tnLst>
+  </p:timing>
+</p:sld>
+</file>
+
+<file path=ppt/slides/slide8.xml><?xml version="1.0" encoding="utf-8"?>
+<p:sld xmlns:a="http://schemas.openxmlformats.org/drawingml/2006/main" xmlns:r="http://schemas.openxmlformats.org/officeDocument/2006/relationships" xmlns:p="http://schemas.openxmlformats.org/presentationml/2006/main">
+  <p:cSld>
+    <p:spTree>
+      <p:nvGrpSpPr>
+        <p:cNvPr id="1" name=""/>
+        <p:cNvGrpSpPr/>
+        <p:nvPr/>
+      </p:nvGrpSpPr>
+      <p:grpSpPr>
+        <a:xfrm>
+          <a:off x="0" y="0"/>
+          <a:ext cx="0" cy="0"/>
+          <a:chOff x="0" y="0"/>
+          <a:chExt cx="0" cy="0"/>
+        </a:xfrm>
+      </p:grpSpPr>
+      <p:sp>
+        <p:nvSpPr>
+          <p:cNvPr id="2" name="Title 1"/>
+          <p:cNvSpPr>
+            <a:spLocks noGrp="1"/>
+          </p:cNvSpPr>
+          <p:nvPr>
+            <p:ph type="title"/>
+          </p:nvPr>
+        </p:nvSpPr>
+        <p:spPr/>
+        <p:txBody>
+          <a:bodyPr/>
+          <a:lstStyle/>
+          <a:p>
+            <a:r>
+              <a:rPr lang="en-US" dirty="0" smtClean="0"/>
+              <a:t>Unit Processes</a:t>
+            </a:r>
+            <a:endParaRPr lang="en-US" dirty="0"/>
+          </a:p>
+        </p:txBody>
+      </p:sp>
+      <p:sp>
+        <p:nvSpPr>
+          <p:cNvPr id="3" name="Notched Right Arrow 2"/>
+          <p:cNvSpPr/>
+          <p:nvPr/>
+        </p:nvSpPr>
+        <p:spPr>
+          <a:xfrm>
+            <a:off x="2065467" y="2140772"/>
+            <a:ext cx="2162287" cy="785308"/>
+          </a:xfrm>
+          <a:prstGeom prst="notchedRightArrow">
+            <a:avLst/>
+          </a:prstGeom>
+        </p:spPr>
+        <p:style>
+          <a:lnRef idx="2">
+            <a:schemeClr val="accent1">
+              <a:shade val="50000"/>
+            </a:schemeClr>
+          </a:lnRef>
+          <a:fillRef idx="1">
+            <a:schemeClr val="accent1"/>
+          </a:fillRef>
+          <a:effectRef idx="0">
+            <a:schemeClr val="accent1"/>
+          </a:effectRef>
+          <a:fontRef idx="minor">
+            <a:schemeClr val="lt1"/>
+          </a:fontRef>
+        </p:style>
+        <p:txBody>
+          <a:bodyPr rtlCol="0" anchor="ctr"/>
+          <a:lstStyle/>
+          <a:p>
+            <a:pPr algn="ctr"/>
+            <a:r>
+              <a:rPr lang="en-US" dirty="0" smtClean="0"/>
+              <a:t>Trash rack</a:t>
+            </a:r>
+            <a:endParaRPr lang="en-US" dirty="0"/>
+          </a:p>
+        </p:txBody>
+      </p:sp>
+      <p:sp>
+        <p:nvSpPr>
+          <p:cNvPr id="4" name="Notched Right Arrow 3"/>
+          <p:cNvSpPr/>
+          <p:nvPr/>
+        </p:nvSpPr>
+        <p:spPr>
+          <a:xfrm>
+            <a:off x="4086113" y="2140772"/>
+            <a:ext cx="2162287" cy="785308"/>
+          </a:xfrm>
+          <a:prstGeom prst="notchedRightArrow">
+            <a:avLst/>
+          </a:prstGeom>
+        </p:spPr>
+        <p:style>
+          <a:lnRef idx="2">
+            <a:schemeClr val="accent1">
+              <a:shade val="50000"/>
+            </a:schemeClr>
+          </a:lnRef>
+          <a:fillRef idx="1">
+            <a:schemeClr val="accent1"/>
+          </a:fillRef>
+          <a:effectRef idx="0">
+            <a:schemeClr val="accent1"/>
+          </a:effectRef>
+          <a:fontRef idx="minor">
+            <a:schemeClr val="lt1"/>
+          </a:fontRef>
+        </p:style>
+        <p:txBody>
+          <a:bodyPr rtlCol="0" anchor="ctr"/>
+          <a:lstStyle/>
+          <a:p>
+            <a:pPr algn="ctr"/>
+            <a:r>
+              <a:rPr lang="en-US" dirty="0"/>
+              <a:t>F</a:t>
+            </a:r>
+            <a:r>
+              <a:rPr lang="en-US" dirty="0" smtClean="0"/>
+              <a:t>locculation</a:t>
+            </a:r>
+            <a:endParaRPr lang="en-US" dirty="0"/>
+          </a:p>
+        </p:txBody>
+      </p:sp>
+      <p:sp>
+        <p:nvSpPr>
+          <p:cNvPr id="5" name="Notched Right Arrow 4"/>
+          <p:cNvSpPr/>
+          <p:nvPr/>
+        </p:nvSpPr>
+        <p:spPr>
+          <a:xfrm>
+            <a:off x="6106759" y="2140772"/>
+            <a:ext cx="2162287" cy="785308"/>
+          </a:xfrm>
+          <a:prstGeom prst="notchedRightArrow">
+            <a:avLst/>
+          </a:prstGeom>
+        </p:spPr>
+        <p:style>
+          <a:lnRef idx="2">
+            <a:schemeClr val="accent1">
+              <a:shade val="50000"/>
+            </a:schemeClr>
+          </a:lnRef>
+          <a:fillRef idx="1">
+            <a:schemeClr val="accent1"/>
+          </a:fillRef>
+          <a:effectRef idx="0">
+            <a:schemeClr val="accent1"/>
+          </a:effectRef>
+          <a:fontRef idx="minor">
+            <a:schemeClr val="lt1"/>
+          </a:fontRef>
+        </p:style>
+        <p:txBody>
+          <a:bodyPr rtlCol="0" anchor="ctr"/>
+          <a:lstStyle/>
+          <a:p>
+            <a:pPr algn="ctr"/>
+            <a:r>
+              <a:rPr lang="en-US" dirty="0" smtClean="0"/>
+              <a:t>Sedimentation</a:t>
+            </a:r>
+            <a:endParaRPr lang="en-US" dirty="0"/>
+          </a:p>
+        </p:txBody>
+      </p:sp>
+      <p:sp>
+        <p:nvSpPr>
+          <p:cNvPr id="6" name="Notched Right Arrow 5"/>
+          <p:cNvSpPr/>
+          <p:nvPr/>
+        </p:nvSpPr>
+        <p:spPr>
+          <a:xfrm>
+            <a:off x="8432203" y="1371600"/>
+            <a:ext cx="2162287" cy="785308"/>
+          </a:xfrm>
+          <a:prstGeom prst="notchedRightArrow">
+            <a:avLst/>
+          </a:prstGeom>
+        </p:spPr>
+        <p:style>
+          <a:lnRef idx="2">
+            <a:schemeClr val="accent1">
+              <a:shade val="50000"/>
+            </a:schemeClr>
+          </a:lnRef>
+          <a:fillRef idx="1">
+            <a:schemeClr val="accent1"/>
+          </a:fillRef>
+          <a:effectRef idx="0">
+            <a:schemeClr val="accent1"/>
+          </a:effectRef>
+          <a:fontRef idx="minor">
+            <a:schemeClr val="lt1"/>
+          </a:fontRef>
+        </p:style>
+        <p:txBody>
+          <a:bodyPr rtlCol="0" anchor="ctr"/>
+          <a:lstStyle/>
+          <a:p>
+            <a:pPr algn="ctr"/>
+            <a:r>
+              <a:rPr lang="en-US" dirty="0" smtClean="0"/>
+              <a:t>Rapid sand</a:t>
+            </a:r>
+            <a:endParaRPr lang="en-US" dirty="0"/>
+          </a:p>
+        </p:txBody>
+      </p:sp>
+      <p:sp>
+        <p:nvSpPr>
+          <p:cNvPr id="7" name="Notched Right Arrow 6"/>
+          <p:cNvSpPr/>
+          <p:nvPr/>
+        </p:nvSpPr>
+        <p:spPr>
+          <a:xfrm>
+            <a:off x="8432202" y="2248348"/>
+            <a:ext cx="2162287" cy="785308"/>
+          </a:xfrm>
+          <a:prstGeom prst="notchedRightArrow">
+            <a:avLst/>
+          </a:prstGeom>
+        </p:spPr>
+        <p:style>
+          <a:lnRef idx="2">
+            <a:schemeClr val="accent1">
+              <a:shade val="50000"/>
+            </a:schemeClr>
+          </a:lnRef>
+          <a:fillRef idx="1">
+            <a:schemeClr val="accent1"/>
+          </a:fillRef>
+          <a:effectRef idx="0">
+            <a:schemeClr val="accent1"/>
+          </a:effectRef>
+          <a:fontRef idx="minor">
+            <a:schemeClr val="lt1"/>
+          </a:fontRef>
+        </p:style>
+        <p:txBody>
+          <a:bodyPr rtlCol="0" anchor="ctr"/>
+          <a:lstStyle/>
+          <a:p>
+            <a:pPr algn="ctr"/>
+            <a:r>
+              <a:rPr lang="en-US" dirty="0" smtClean="0"/>
+              <a:t>Slow sand</a:t>
+            </a:r>
+            <a:endParaRPr lang="en-US" dirty="0"/>
+          </a:p>
+        </p:txBody>
+      </p:sp>
+      <p:sp>
+        <p:nvSpPr>
+          <p:cNvPr id="8" name="Notched Right Arrow 7"/>
+          <p:cNvSpPr/>
+          <p:nvPr/>
+        </p:nvSpPr>
+        <p:spPr>
+          <a:xfrm>
+            <a:off x="8432201" y="3125096"/>
+            <a:ext cx="2162287" cy="785308"/>
+          </a:xfrm>
+          <a:prstGeom prst="notchedRightArrow">
+            <a:avLst/>
+          </a:prstGeom>
+        </p:spPr>
+        <p:style>
+          <a:lnRef idx="2">
+            <a:schemeClr val="accent1">
+              <a:shade val="50000"/>
+            </a:schemeClr>
+          </a:lnRef>
+          <a:fillRef idx="1">
+            <a:schemeClr val="accent1"/>
+          </a:fillRef>
+          <a:effectRef idx="0">
+            <a:schemeClr val="accent1"/>
+          </a:effectRef>
+          <a:fontRef idx="minor">
+            <a:schemeClr val="lt1"/>
+          </a:fontRef>
+        </p:style>
+        <p:txBody>
+          <a:bodyPr rtlCol="0" anchor="ctr"/>
+          <a:lstStyle/>
+          <a:p>
+            <a:pPr algn="ctr"/>
+            <a:r>
+              <a:rPr lang="en-US" dirty="0" smtClean="0"/>
+              <a:t>Membrane</a:t>
+            </a:r>
+            <a:endParaRPr lang="en-US" dirty="0"/>
+          </a:p>
+        </p:txBody>
+      </p:sp>
+      <p:sp>
+        <p:nvSpPr>
+          <p:cNvPr id="9" name="Notched Right Arrow 8"/>
+          <p:cNvSpPr/>
+          <p:nvPr/>
+        </p:nvSpPr>
+        <p:spPr>
+          <a:xfrm>
+            <a:off x="772756" y="4367604"/>
+            <a:ext cx="2162287" cy="785308"/>
+          </a:xfrm>
+          <a:prstGeom prst="notchedRightArrow">
+            <a:avLst/>
+          </a:prstGeom>
+        </p:spPr>
+        <p:style>
+          <a:lnRef idx="2">
+            <a:schemeClr val="accent1">
+              <a:shade val="50000"/>
+            </a:schemeClr>
+          </a:lnRef>
+          <a:fillRef idx="1">
+            <a:schemeClr val="accent1"/>
+          </a:fillRef>
+          <a:effectRef idx="0">
+            <a:schemeClr val="accent1"/>
+          </a:effectRef>
+          <a:fontRef idx="minor">
+            <a:schemeClr val="lt1"/>
+          </a:fontRef>
+        </p:style>
+        <p:txBody>
+          <a:bodyPr rtlCol="0" anchor="ctr"/>
+          <a:lstStyle/>
+          <a:p>
+            <a:pPr algn="ctr"/>
+            <a:r>
+              <a:rPr lang="en-US" sz="1600" dirty="0" smtClean="0"/>
+              <a:t>Activated</a:t>
+            </a:r>
+            <a:r>
+              <a:rPr lang="en-US" dirty="0" smtClean="0"/>
+              <a:t> Carbon</a:t>
+            </a:r>
+            <a:endParaRPr lang="en-US" dirty="0"/>
+          </a:p>
+        </p:txBody>
+      </p:sp>
+      <p:sp>
+        <p:nvSpPr>
+          <p:cNvPr id="10" name="Notched Right Arrow 9"/>
+          <p:cNvSpPr/>
+          <p:nvPr/>
+        </p:nvSpPr>
+        <p:spPr>
+          <a:xfrm>
+            <a:off x="2807744" y="4367604"/>
+            <a:ext cx="2162287" cy="785308"/>
+          </a:xfrm>
+          <a:prstGeom prst="notchedRightArrow">
+            <a:avLst/>
+          </a:prstGeom>
+        </p:spPr>
+        <p:style>
+          <a:lnRef idx="2">
+            <a:schemeClr val="accent1">
+              <a:shade val="50000"/>
+            </a:schemeClr>
+          </a:lnRef>
+          <a:fillRef idx="1">
+            <a:schemeClr val="accent1"/>
+          </a:fillRef>
+          <a:effectRef idx="0">
+            <a:schemeClr val="accent1"/>
+          </a:effectRef>
+          <a:fontRef idx="minor">
+            <a:schemeClr val="lt1"/>
+          </a:fontRef>
+        </p:style>
+        <p:txBody>
+          <a:bodyPr rtlCol="0" anchor="ctr"/>
+          <a:lstStyle/>
+          <a:p>
+            <a:pPr algn="ctr"/>
+            <a:r>
+              <a:rPr lang="en-US" sz="1600" dirty="0" smtClean="0"/>
+              <a:t>Ion Exchange</a:t>
+            </a:r>
+            <a:endParaRPr lang="en-US" dirty="0"/>
+          </a:p>
+        </p:txBody>
+      </p:sp>
+      <p:sp>
+        <p:nvSpPr>
+          <p:cNvPr id="11" name="Notched Right Arrow 10"/>
+          <p:cNvSpPr/>
+          <p:nvPr/>
+        </p:nvSpPr>
+        <p:spPr>
+          <a:xfrm>
+            <a:off x="4842732" y="4367604"/>
+            <a:ext cx="2162287" cy="785308"/>
+          </a:xfrm>
+          <a:prstGeom prst="notchedRightArrow">
+            <a:avLst/>
+          </a:prstGeom>
+        </p:spPr>
+        <p:style>
+          <a:lnRef idx="2">
+            <a:schemeClr val="accent1">
+              <a:shade val="50000"/>
+            </a:schemeClr>
+          </a:lnRef>
+          <a:fillRef idx="1">
+            <a:schemeClr val="accent1"/>
+          </a:fillRef>
+          <a:effectRef idx="0">
+            <a:schemeClr val="accent1"/>
+          </a:effectRef>
+          <a:fontRef idx="minor">
+            <a:schemeClr val="lt1"/>
+          </a:fontRef>
+        </p:style>
+        <p:txBody>
+          <a:bodyPr rtlCol="0" anchor="ctr"/>
+          <a:lstStyle/>
+          <a:p>
+            <a:pPr algn="ctr"/>
+            <a:r>
+              <a:rPr lang="en-US" sz="1600" dirty="0" smtClean="0"/>
+              <a:t>Reverse Osmosis</a:t>
+            </a:r>
+            <a:endParaRPr lang="en-US" dirty="0"/>
+          </a:p>
+        </p:txBody>
+      </p:sp>
+      <p:sp>
+        <p:nvSpPr>
+          <p:cNvPr id="12" name="Notched Right Arrow 11"/>
+          <p:cNvSpPr/>
+          <p:nvPr/>
+        </p:nvSpPr>
+        <p:spPr>
+          <a:xfrm>
+            <a:off x="6877720" y="4367604"/>
+            <a:ext cx="2162287" cy="785308"/>
+          </a:xfrm>
+          <a:prstGeom prst="notchedRightArrow">
+            <a:avLst/>
+          </a:prstGeom>
+        </p:spPr>
+        <p:style>
+          <a:lnRef idx="2">
+            <a:schemeClr val="accent1">
+              <a:shade val="50000"/>
+            </a:schemeClr>
+          </a:lnRef>
+          <a:fillRef idx="1">
+            <a:schemeClr val="accent1"/>
+          </a:fillRef>
+          <a:effectRef idx="0">
+            <a:schemeClr val="accent1"/>
+          </a:effectRef>
+          <a:fontRef idx="minor">
+            <a:schemeClr val="lt1"/>
+          </a:fontRef>
+        </p:style>
+        <p:txBody>
+          <a:bodyPr rtlCol="0" anchor="ctr"/>
+          <a:lstStyle/>
+          <a:p>
+            <a:pPr algn="ctr"/>
+            <a:r>
+              <a:rPr lang="en-US" sz="1600" dirty="0" smtClean="0"/>
+              <a:t>Reverse Osmosis</a:t>
+            </a:r>
+            <a:endParaRPr lang="en-US" dirty="0"/>
+          </a:p>
+        </p:txBody>
+      </p:sp>
+    </p:spTree>
+    <p:extLst>
+      <p:ext uri="{BB962C8B-B14F-4D97-AF65-F5344CB8AC3E}">
+        <p14:creationId xmlns:p14="http://schemas.microsoft.com/office/powerpoint/2010/main" val="2519305067"/>
+      </p:ext>
+    </p:extLst>
+  </p:cSld>
+  <p:clrMapOvr>
+    <a:masterClrMapping/>
+  </p:clrMapOvr>
+  <p:transition>
+    <p:fade/>
+  </p:transition>
+  <p:timing>
+    <p:tnLst>
+      <p:par>
+        <p:cTn id="1" dur="indefinite" restart="never" nodeType="tmRoot"/>
+      </p:par>
+    </p:tnLst>
+  </p:timing>
+</p:sld>
+</file>
+
+<file path=ppt/slides/slide9.xml><?xml version="1.0" encoding="utf-8"?>
+<p:sld xmlns:a="http://schemas.openxmlformats.org/drawingml/2006/main" xmlns:r="http://schemas.openxmlformats.org/officeDocument/2006/relationships" xmlns:p="http://schemas.openxmlformats.org/presentationml/2006/main">
+  <p:cSld>
+    <p:spTree>
+      <p:nvGrpSpPr>
+        <p:cNvPr id="1" name=""/>
+        <p:cNvGrpSpPr/>
+        <p:nvPr/>
+      </p:nvGrpSpPr>
+      <p:grpSpPr>
+        <a:xfrm>
+          <a:off x="0" y="0"/>
+          <a:ext cx="0" cy="0"/>
+          <a:chOff x="0" y="0"/>
+          <a:chExt cx="0" cy="0"/>
+        </a:xfrm>
+      </p:grpSpPr>
+      <p:sp>
+        <p:nvSpPr>
+          <p:cNvPr id="2" name="Title 1"/>
+          <p:cNvSpPr>
+            <a:spLocks noGrp="1"/>
+          </p:cNvSpPr>
+          <p:nvPr>
+            <p:ph type="title"/>
+          </p:nvPr>
+        </p:nvSpPr>
+        <p:spPr/>
+        <p:txBody>
+          <a:bodyPr/>
+          <a:lstStyle/>
+          <a:p>
+            <a:r>
+              <a:rPr lang="en-US" dirty="0" smtClean="0"/>
+              <a:t>For each unit process</a:t>
+            </a:r>
+            <a:endParaRPr lang="en-US" dirty="0"/>
+          </a:p>
+        </p:txBody>
+      </p:sp>
+      <p:sp>
+        <p:nvSpPr>
+          <p:cNvPr id="3" name="Content Placeholder 2"/>
+          <p:cNvSpPr>
+            <a:spLocks noGrp="1"/>
+          </p:cNvSpPr>
+          <p:nvPr>
+            <p:ph idx="1"/>
+          </p:nvPr>
+        </p:nvSpPr>
+        <p:spPr/>
+        <p:txBody>
+          <a:bodyPr/>
+          <a:lstStyle/>
+          <a:p>
+            <a:r>
+              <a:rPr lang="en-US" dirty="0" smtClean="0"/>
+              <a:t>Concept: how does it work?</a:t>
+            </a:r>
+          </a:p>
+          <a:p>
+            <a:r>
+              <a:rPr lang="en-US" dirty="0" smtClean="0"/>
+              <a:t>Types of contaminants that can be treated</a:t>
+            </a:r>
+          </a:p>
+          <a:p>
+            <a:r>
+              <a:rPr lang="en-US" dirty="0" smtClean="0"/>
+              <a:t>Range of approach velocities</a:t>
+            </a:r>
+          </a:p>
+          <a:p>
+            <a:r>
+              <a:rPr lang="en-US" dirty="0" smtClean="0"/>
+              <a:t>Range of hydraulic residence times</a:t>
+            </a:r>
+          </a:p>
+          <a:p>
+            <a:r>
+              <a:rPr lang="en-US" dirty="0" smtClean="0"/>
+              <a:t>Energy required (J/L)</a:t>
+            </a:r>
+          </a:p>
+          <a:p>
+            <a:r>
+              <a:rPr lang="en-US" dirty="0" smtClean="0"/>
+              <a:t>Inputs required or method of regeneration</a:t>
+            </a:r>
+          </a:p>
+          <a:p>
+            <a:r>
+              <a:rPr lang="en-US" dirty="0" smtClean="0"/>
+              <a:t>Type of waste stream produced and disposal requirements</a:t>
+            </a:r>
+          </a:p>
+          <a:p>
+            <a:endParaRPr lang="en-US" dirty="0"/>
+          </a:p>
+        </p:txBody>
+      </p:sp>
+    </p:spTree>
+    <p:extLst>
+      <p:ext uri="{BB962C8B-B14F-4D97-AF65-F5344CB8AC3E}">
+        <p14:creationId xmlns:p14="http://schemas.microsoft.com/office/powerpoint/2010/main" val="1646255625"/>
       </p:ext>
     </p:extLst>
   </p:cSld>

--- a/Lectures/Unit Process Selection.pptx
+++ b/Lectures/Unit Process Selection.pptx
@@ -209,7 +209,7 @@
           <a:p>
             <a:fld id="{1ECA391B-F7E5-426A-915A-B0EBBF0385DF}" type="datetimeFigureOut">
               <a:rPr lang="en-US" smtClean="0"/>
-              <a:t>1/23/2020</a:t>
+              <a:t>1/30/2020</a:t>
             </a:fld>
             <a:endParaRPr lang="en-US"/>
           </a:p>
@@ -890,7 +890,7 @@
           <a:p>
             <a:fld id="{C95CED01-24E4-4C43-912C-6F6D3D954174}" type="datetimeFigureOut">
               <a:rPr lang="en-US" smtClean="0"/>
-              <a:t>1/23/2020</a:t>
+              <a:t>1/30/2020</a:t>
             </a:fld>
             <a:endParaRPr lang="en-US"/>
           </a:p>
@@ -3685,7 +3685,7 @@
           <a:p>
             <a:fld id="{C95CED01-24E4-4C43-912C-6F6D3D954174}" type="datetimeFigureOut">
               <a:rPr lang="en-US" smtClean="0"/>
-              <a:t>1/23/2020</a:t>
+              <a:t>1/30/2020</a:t>
             </a:fld>
             <a:endParaRPr lang="en-US"/>
           </a:p>
@@ -4106,7 +4106,7 @@
           <a:p>
             <a:fld id="{C95CED01-24E4-4C43-912C-6F6D3D954174}" type="datetimeFigureOut">
               <a:rPr lang="en-US" smtClean="0"/>
-              <a:t>1/23/2020</a:t>
+              <a:t>1/30/2020</a:t>
             </a:fld>
             <a:endParaRPr lang="en-US"/>
           </a:p>
@@ -4548,7 +4548,7 @@
           <a:p>
             <a:fld id="{C95CED01-24E4-4C43-912C-6F6D3D954174}" type="datetimeFigureOut">
               <a:rPr lang="en-US" smtClean="0"/>
-              <a:t>1/23/2020</a:t>
+              <a:t>1/30/2020</a:t>
             </a:fld>
             <a:endParaRPr lang="en-US"/>
           </a:p>
@@ -4681,7 +4681,7 @@
           <a:p>
             <a:fld id="{C95CED01-24E4-4C43-912C-6F6D3D954174}" type="datetimeFigureOut">
               <a:rPr lang="en-US" smtClean="0"/>
-              <a:t>1/23/2020</a:t>
+              <a:t>1/30/2020</a:t>
             </a:fld>
             <a:endParaRPr lang="en-US"/>
           </a:p>
@@ -4791,7 +4791,7 @@
           <a:p>
             <a:fld id="{C95CED01-24E4-4C43-912C-6F6D3D954174}" type="datetimeFigureOut">
               <a:rPr lang="en-US" smtClean="0"/>
-              <a:t>1/23/2020</a:t>
+              <a:t>1/30/2020</a:t>
             </a:fld>
             <a:endParaRPr lang="en-US"/>
           </a:p>
@@ -4937,7 +4937,7 @@
           <a:p>
             <a:fld id="{C95CED01-24E4-4C43-912C-6F6D3D954174}" type="datetimeFigureOut">
               <a:rPr lang="en-US" smtClean="0"/>
-              <a:t>1/23/2020</a:t>
+              <a:t>1/30/2020</a:t>
             </a:fld>
             <a:endParaRPr lang="en-US"/>
           </a:p>
@@ -5690,7 +5690,7 @@
           <a:p>
             <a:fld id="{C95CED01-24E4-4C43-912C-6F6D3D954174}" type="datetimeFigureOut">
               <a:rPr lang="en-US" smtClean="0"/>
-              <a:t>1/23/2020</a:t>
+              <a:t>1/30/2020</a:t>
             </a:fld>
             <a:endParaRPr lang="en-US"/>
           </a:p>
@@ -7827,7 +7827,7 @@
           <a:p>
             <a:r>
               <a:rPr lang="en-US" dirty="0" smtClean="0"/>
-              <a:t>Introduction</a:t>
+              <a:t>Unit Process Selection</a:t>
             </a:r>
             <a:endParaRPr lang="en-US" dirty="0"/>
           </a:p>

--- a/Lectures/Unit Process Selection.pptx
+++ b/Lectures/Unit Process Selection.pptx
@@ -7,20 +7,16 @@
     <p:sldMasterId id="2147483676" r:id="rId3"/>
   </p:sldMasterIdLst>
   <p:notesMasterIdLst>
-    <p:notesMasterId r:id="rId15"/>
+    <p:notesMasterId r:id="rId11"/>
   </p:notesMasterIdLst>
   <p:sldIdLst>
     <p:sldId id="256" r:id="rId4"/>
-    <p:sldId id="257" r:id="rId5"/>
-    <p:sldId id="258" r:id="rId6"/>
-    <p:sldId id="259" r:id="rId7"/>
-    <p:sldId id="260" r:id="rId8"/>
-    <p:sldId id="262" r:id="rId9"/>
-    <p:sldId id="263" r:id="rId10"/>
-    <p:sldId id="264" r:id="rId11"/>
-    <p:sldId id="265" r:id="rId12"/>
-    <p:sldId id="266" r:id="rId13"/>
-    <p:sldId id="261" r:id="rId14"/>
+    <p:sldId id="267" r:id="rId5"/>
+    <p:sldId id="257" r:id="rId6"/>
+    <p:sldId id="258" r:id="rId7"/>
+    <p:sldId id="264" r:id="rId8"/>
+    <p:sldId id="259" r:id="rId9"/>
+    <p:sldId id="266" r:id="rId10"/>
   </p:sldIdLst>
   <p:sldSz cx="12192000" cy="6858000"/>
   <p:notesSz cx="6858000" cy="9144000"/>
@@ -209,7 +205,7 @@
           <a:p>
             <a:fld id="{1ECA391B-F7E5-426A-915A-B0EBBF0385DF}" type="datetimeFigureOut">
               <a:rPr lang="en-US" smtClean="0"/>
-              <a:t>1/30/2020</a:t>
+              <a:t>2/11/2020</a:t>
             </a:fld>
             <a:endParaRPr lang="en-US"/>
           </a:p>
@@ -522,11 +518,33 @@
           <a:lstStyle/>
           <a:p>
             <a:r>
-              <a:rPr lang="en-US" dirty="0" smtClean="0">
-                <a:hlinkClick r:id="rId3"/>
-              </a:rPr>
-              <a:t>https://iaspub.epa.gov/tdb/pages/treatment/findTreatment.do</a:t>
-            </a:r>
+              <a:rPr lang="en-US" dirty="0" smtClean="0"/>
+              <a:t>Context of CUWFP, Ithaca City water treatment plant, Bolton Point,</a:t>
+            </a:r>
+            <a:r>
+              <a:rPr lang="en-US" baseline="0" dirty="0" smtClean="0"/>
+              <a:t> AguaClara plants in Honduras</a:t>
+            </a:r>
+          </a:p>
+          <a:p>
+            <a:r>
+              <a:rPr lang="en-US" baseline="0" dirty="0" smtClean="0"/>
+              <a:t>What flow rate must a plant be able to provide?</a:t>
+            </a:r>
+          </a:p>
+          <a:p>
+            <a:r>
+              <a:rPr lang="en-US" baseline="0" dirty="0" smtClean="0"/>
+              <a:t>How is the flow rate through a drinking water treatment plant controlled?</a:t>
+            </a:r>
+          </a:p>
+          <a:p>
+            <a:endParaRPr lang="en-US" baseline="0" dirty="0" smtClean="0"/>
+          </a:p>
+          <a:p>
+            <a:endParaRPr lang="en-US" baseline="0" dirty="0" smtClean="0"/>
+          </a:p>
+          <a:p>
             <a:endParaRPr lang="en-US" dirty="0"/>
           </a:p>
         </p:txBody>
@@ -548,7 +566,7 @@
           <a:p>
             <a:fld id="{EAD27B27-B191-41EB-B589-679D36B58CE9}" type="slidenum">
               <a:rPr lang="en-US" smtClean="0"/>
-              <a:t>5</a:t>
+              <a:t>2</a:t>
             </a:fld>
             <a:endParaRPr lang="en-US"/>
           </a:p>
@@ -557,7 +575,7 @@
     </p:spTree>
     <p:extLst>
       <p:ext uri="{BB962C8B-B14F-4D97-AF65-F5344CB8AC3E}">
-        <p14:creationId xmlns:p14="http://schemas.microsoft.com/office/powerpoint/2010/main" val="4271123446"/>
+        <p14:creationId xmlns:p14="http://schemas.microsoft.com/office/powerpoint/2010/main" val="351285033"/>
       </p:ext>
     </p:extLst>
   </p:cSld>
@@ -622,7 +640,253 @@
                 <a:ea typeface="+mn-ea"/>
                 <a:cs typeface="+mn-cs"/>
               </a:rPr>
-              <a:t>a. Screening, Coagulation, Flocculation (Chapter 9)</a:t>
+              <a:t>Which process in conventional treatment wastes the most water?</a:t>
+            </a:r>
+          </a:p>
+          <a:p>
+            <a:pPr fontAlgn="b"/>
+            <a:r>
+              <a:rPr lang="en-US" sz="1200" b="0" kern="1200" dirty="0" smtClean="0">
+                <a:solidFill>
+                  <a:schemeClr val="tx1"/>
+                </a:solidFill>
+                <a:effectLst/>
+                <a:latin typeface="+mn-lt"/>
+                <a:ea typeface="+mn-ea"/>
+                <a:cs typeface="+mn-cs"/>
+              </a:rPr>
+              <a:t>Where are there waste streams?</a:t>
+            </a:r>
+          </a:p>
+          <a:p>
+            <a:pPr fontAlgn="b"/>
+            <a:r>
+              <a:rPr lang="en-US" sz="1200" b="0" kern="1200" dirty="0" smtClean="0">
+                <a:solidFill>
+                  <a:schemeClr val="tx1"/>
+                </a:solidFill>
+                <a:effectLst/>
+                <a:latin typeface="+mn-lt"/>
+                <a:ea typeface="+mn-ea"/>
+                <a:cs typeface="+mn-cs"/>
+              </a:rPr>
+              <a:t>Which process removes most of the pathogens?</a:t>
+            </a:r>
+          </a:p>
+          <a:p>
+            <a:pPr fontAlgn="b"/>
+            <a:r>
+              <a:rPr lang="en-US" sz="1200" b="0" kern="1200" dirty="0" smtClean="0">
+                <a:solidFill>
+                  <a:schemeClr val="tx1"/>
+                </a:solidFill>
+                <a:effectLst/>
+                <a:latin typeface="+mn-lt"/>
+                <a:ea typeface="+mn-ea"/>
+                <a:cs typeface="+mn-cs"/>
+              </a:rPr>
+              <a:t>Rank</a:t>
+            </a:r>
+            <a:r>
+              <a:rPr lang="en-US" sz="1200" b="0" kern="1200" baseline="0" dirty="0" smtClean="0">
+                <a:solidFill>
+                  <a:schemeClr val="tx1"/>
+                </a:solidFill>
+                <a:effectLst/>
+                <a:latin typeface="+mn-lt"/>
+                <a:ea typeface="+mn-ea"/>
+                <a:cs typeface="+mn-cs"/>
+              </a:rPr>
+              <a:t> rapid sand/membrane/and Reverse osmosis for efficiency of producing water</a:t>
+            </a:r>
+          </a:p>
+          <a:p>
+            <a:pPr fontAlgn="b"/>
+            <a:r>
+              <a:rPr lang="en-US" sz="1200" b="0" kern="1200" baseline="0" dirty="0" smtClean="0">
+                <a:solidFill>
+                  <a:schemeClr val="tx1"/>
+                </a:solidFill>
+                <a:effectLst/>
+                <a:latin typeface="+mn-lt"/>
+                <a:ea typeface="+mn-ea"/>
+                <a:cs typeface="+mn-cs"/>
+              </a:rPr>
+              <a:t>Which process that was presented last Thursday uses the most energy?</a:t>
+            </a:r>
+          </a:p>
+          <a:p>
+            <a:pPr fontAlgn="b"/>
+            <a:r>
+              <a:rPr lang="en-US" sz="1200" b="0" kern="1200" baseline="0" dirty="0" smtClean="0">
+                <a:solidFill>
+                  <a:schemeClr val="tx1"/>
+                </a:solidFill>
+                <a:effectLst/>
+                <a:latin typeface="+mn-lt"/>
+                <a:ea typeface="+mn-ea"/>
+                <a:cs typeface="+mn-cs"/>
+              </a:rPr>
+              <a:t>Which processes remove particles and pathogens</a:t>
+            </a:r>
+          </a:p>
+          <a:p>
+            <a:pPr fontAlgn="b"/>
+            <a:r>
+              <a:rPr lang="en-US" sz="1200" b="0" kern="1200" baseline="0" dirty="0" smtClean="0">
+                <a:solidFill>
+                  <a:schemeClr val="tx1"/>
+                </a:solidFill>
+                <a:effectLst/>
+                <a:latin typeface="+mn-lt"/>
+                <a:ea typeface="+mn-ea"/>
+                <a:cs typeface="+mn-cs"/>
+              </a:rPr>
+              <a:t>Which processes remove dissolved substances?</a:t>
+            </a:r>
+          </a:p>
+          <a:p>
+            <a:pPr fontAlgn="b"/>
+            <a:r>
+              <a:rPr lang="en-US" sz="1200" b="0" kern="1200" baseline="0" dirty="0" smtClean="0">
+                <a:solidFill>
+                  <a:schemeClr val="tx1"/>
+                </a:solidFill>
+                <a:effectLst/>
+                <a:latin typeface="+mn-lt"/>
+                <a:ea typeface="+mn-ea"/>
+                <a:cs typeface="+mn-cs"/>
+              </a:rPr>
+              <a:t>How might SSF remove dissolved species?</a:t>
+            </a:r>
+          </a:p>
+          <a:p>
+            <a:pPr fontAlgn="b"/>
+            <a:r>
+              <a:rPr lang="en-US" sz="1200" b="0" kern="1200" baseline="0" dirty="0" smtClean="0">
+                <a:solidFill>
+                  <a:schemeClr val="tx1"/>
+                </a:solidFill>
+                <a:effectLst/>
+                <a:latin typeface="+mn-lt"/>
+                <a:ea typeface="+mn-ea"/>
+                <a:cs typeface="+mn-cs"/>
+              </a:rPr>
+              <a:t>What is the particle removal mechanism for each process?</a:t>
+            </a:r>
+          </a:p>
+          <a:p>
+            <a:pPr fontAlgn="b"/>
+            <a:r>
+              <a:rPr lang="en-US" sz="1200" b="0" kern="1200" baseline="0" dirty="0" smtClean="0">
+                <a:solidFill>
+                  <a:schemeClr val="tx1"/>
+                </a:solidFill>
+                <a:effectLst/>
+                <a:latin typeface="+mn-lt"/>
+                <a:ea typeface="+mn-ea"/>
+                <a:cs typeface="+mn-cs"/>
+              </a:rPr>
+              <a:t>What else could be added to this diagram (plate/tube/horizontal flow </a:t>
+            </a:r>
+            <a:r>
+              <a:rPr lang="en-US" sz="1200" b="0" kern="1200" baseline="0" dirty="0" err="1" smtClean="0">
+                <a:solidFill>
+                  <a:schemeClr val="tx1"/>
+                </a:solidFill>
+                <a:effectLst/>
+                <a:latin typeface="+mn-lt"/>
+                <a:ea typeface="+mn-ea"/>
+                <a:cs typeface="+mn-cs"/>
+              </a:rPr>
+              <a:t>sed</a:t>
+            </a:r>
+            <a:r>
+              <a:rPr lang="en-US" sz="1200" b="0" kern="1200" baseline="0" dirty="0" smtClean="0">
+                <a:solidFill>
+                  <a:schemeClr val="tx1"/>
+                </a:solidFill>
+                <a:effectLst/>
+                <a:latin typeface="+mn-lt"/>
+                <a:ea typeface="+mn-ea"/>
+                <a:cs typeface="+mn-cs"/>
+              </a:rPr>
+              <a:t>, mechanical or hydraulic flocculation, waste streams)?</a:t>
+            </a:r>
+          </a:p>
+          <a:p>
+            <a:pPr fontAlgn="b"/>
+            <a:endParaRPr lang="en-US" sz="1200" b="0" kern="1200" dirty="0" smtClean="0">
+              <a:solidFill>
+                <a:schemeClr val="tx1"/>
+              </a:solidFill>
+              <a:effectLst/>
+              <a:latin typeface="+mn-lt"/>
+              <a:ea typeface="+mn-ea"/>
+              <a:cs typeface="+mn-cs"/>
+            </a:endParaRPr>
+          </a:p>
+          <a:p>
+            <a:pPr fontAlgn="b"/>
+            <a:endParaRPr lang="en-US" sz="1200" b="0" kern="1200" dirty="0" smtClean="0">
+              <a:solidFill>
+                <a:schemeClr val="tx1"/>
+              </a:solidFill>
+              <a:effectLst/>
+              <a:latin typeface="+mn-lt"/>
+              <a:ea typeface="+mn-ea"/>
+              <a:cs typeface="+mn-cs"/>
+            </a:endParaRPr>
+          </a:p>
+          <a:p>
+            <a:pPr fontAlgn="b"/>
+            <a:endParaRPr lang="en-US" sz="1200" b="0" kern="1200" dirty="0" smtClean="0">
+              <a:solidFill>
+                <a:schemeClr val="tx1"/>
+              </a:solidFill>
+              <a:effectLst/>
+              <a:latin typeface="+mn-lt"/>
+              <a:ea typeface="+mn-ea"/>
+              <a:cs typeface="+mn-cs"/>
+            </a:endParaRPr>
+          </a:p>
+          <a:p>
+            <a:pPr fontAlgn="b"/>
+            <a:endParaRPr lang="en-US" sz="1200" b="0" kern="1200" dirty="0" smtClean="0">
+              <a:solidFill>
+                <a:schemeClr val="tx1"/>
+              </a:solidFill>
+              <a:effectLst/>
+              <a:latin typeface="+mn-lt"/>
+              <a:ea typeface="+mn-ea"/>
+              <a:cs typeface="+mn-cs"/>
+            </a:endParaRPr>
+          </a:p>
+          <a:p>
+            <a:pPr fontAlgn="b"/>
+            <a:r>
+              <a:rPr lang="en-US" sz="1200" b="0" kern="1200" dirty="0" smtClean="0">
+                <a:solidFill>
+                  <a:schemeClr val="tx1"/>
+                </a:solidFill>
+                <a:effectLst/>
+                <a:latin typeface="+mn-lt"/>
+                <a:ea typeface="+mn-ea"/>
+                <a:cs typeface="+mn-cs"/>
+              </a:rPr>
+              <a:t>a</a:t>
+            </a:r>
+            <a:r>
+              <a:rPr lang="en-US" sz="1200" b="0" kern="1200" dirty="0" smtClean="0">
+                <a:solidFill>
+                  <a:schemeClr val="tx1"/>
+                </a:solidFill>
+                <a:effectLst/>
+                <a:latin typeface="+mn-lt"/>
+                <a:ea typeface="+mn-ea"/>
+                <a:cs typeface="+mn-cs"/>
+              </a:rPr>
+              <a:t>. Screening, Coagulation, Flocculation (Chapter 9)</a:t>
             </a:r>
           </a:p>
           <a:p>
@@ -772,8 +1036,236 @@
                 <a:ea typeface="+mn-ea"/>
                 <a:cs typeface="+mn-cs"/>
               </a:rPr>
-              <a:t>4. Water Treatment Process Design Procedure (Chapter 23)</a:t>
-            </a:r>
+              <a:t>4. Water Treatment Process Design Procedure (Chapter 23</a:t>
+            </a:r>
+            <a:r>
+              <a:rPr lang="en-US" sz="1200" b="0" kern="1200" dirty="0" smtClean="0">
+                <a:solidFill>
+                  <a:schemeClr val="tx1"/>
+                </a:solidFill>
+                <a:effectLst/>
+                <a:latin typeface="+mn-lt"/>
+                <a:ea typeface="+mn-ea"/>
+                <a:cs typeface="+mn-cs"/>
+              </a:rPr>
+              <a:t>)</a:t>
+            </a:r>
+          </a:p>
+          <a:p>
+            <a:pPr fontAlgn="b"/>
+            <a:endParaRPr lang="en-US" sz="1200" b="0" kern="1200" dirty="0" smtClean="0">
+              <a:solidFill>
+                <a:schemeClr val="tx1"/>
+              </a:solidFill>
+              <a:effectLst/>
+              <a:latin typeface="+mn-lt"/>
+              <a:ea typeface="+mn-ea"/>
+              <a:cs typeface="+mn-cs"/>
+            </a:endParaRPr>
+          </a:p>
+          <a:p>
+            <a:r>
+              <a:rPr lang="en-US" sz="1200" dirty="0" smtClean="0"/>
+              <a:t>Adsorptive Media	</a:t>
+            </a:r>
+          </a:p>
+          <a:p>
+            <a:r>
+              <a:rPr lang="en-US" sz="1200" dirty="0" smtClean="0"/>
+              <a:t>Aeration and Air Stripping	</a:t>
+            </a:r>
+          </a:p>
+          <a:p>
+            <a:r>
+              <a:rPr lang="en-US" sz="1200" dirty="0" smtClean="0"/>
+              <a:t>Biological Filtration	</a:t>
+            </a:r>
+          </a:p>
+          <a:p>
+            <a:r>
+              <a:rPr lang="en-US" sz="1200" dirty="0" smtClean="0"/>
+              <a:t>Biological Treatment	</a:t>
+            </a:r>
+          </a:p>
+          <a:p>
+            <a:r>
+              <a:rPr lang="en-US" sz="1200" dirty="0" smtClean="0"/>
+              <a:t>Chemical Treatment	</a:t>
+            </a:r>
+          </a:p>
+          <a:p>
+            <a:r>
+              <a:rPr lang="en-US" sz="1200" dirty="0" smtClean="0"/>
+              <a:t>Chloramine	</a:t>
+            </a:r>
+          </a:p>
+          <a:p>
+            <a:r>
+              <a:rPr lang="en-US" sz="1200" dirty="0" smtClean="0"/>
+              <a:t>Chlorine	</a:t>
+            </a:r>
+          </a:p>
+          <a:p>
+            <a:r>
+              <a:rPr lang="en-US" sz="1200" dirty="0" smtClean="0"/>
+              <a:t>Chlorine Dioxide	</a:t>
+            </a:r>
+          </a:p>
+          <a:p>
+            <a:r>
+              <a:rPr lang="en-US" sz="1200" dirty="0" smtClean="0"/>
+              <a:t>Conventional Treatment	</a:t>
+            </a:r>
+          </a:p>
+          <a:p>
+            <a:r>
+              <a:rPr lang="en-US" sz="1200" dirty="0" smtClean="0"/>
+              <a:t>Diatomaceous Earth Filtration	</a:t>
+            </a:r>
+          </a:p>
+          <a:p>
+            <a:r>
+              <a:rPr lang="en-US" sz="1200" dirty="0" smtClean="0"/>
+              <a:t>Direct Filtration	</a:t>
+            </a:r>
+          </a:p>
+          <a:p>
+            <a:r>
+              <a:rPr lang="en-US" sz="1200" dirty="0" smtClean="0"/>
+              <a:t>GAC Isotherm	(includes PAC isotherms)</a:t>
+            </a:r>
+          </a:p>
+          <a:p>
+            <a:r>
+              <a:rPr lang="en-US" sz="1200" dirty="0" smtClean="0"/>
+              <a:t>Granular Activated Carbon	</a:t>
+            </a:r>
+          </a:p>
+          <a:p>
+            <a:r>
+              <a:rPr lang="en-US" sz="1200" dirty="0" smtClean="0"/>
+              <a:t>Hydrogen Peroxide	</a:t>
+            </a:r>
+          </a:p>
+          <a:p>
+            <a:r>
+              <a:rPr lang="en-US" sz="1200" dirty="0" smtClean="0"/>
+              <a:t>Ion Exchange	Greensand Filtration</a:t>
+            </a:r>
+          </a:p>
+          <a:p>
+            <a:r>
+              <a:rPr lang="en-US" sz="1200" dirty="0" smtClean="0"/>
+              <a:t>Membrane Filtration	Microfiltration and Ultrafiltration</a:t>
+            </a:r>
+          </a:p>
+          <a:p>
+            <a:r>
+              <a:rPr lang="en-US" sz="1200" dirty="0" smtClean="0"/>
+              <a:t>Membrane Separation	</a:t>
+            </a:r>
+            <a:r>
+              <a:rPr lang="en-US" sz="1200" dirty="0" err="1" smtClean="0"/>
+              <a:t>Nanofiltration</a:t>
+            </a:r>
+            <a:r>
+              <a:rPr lang="en-US" sz="1200" dirty="0" smtClean="0"/>
+              <a:t>, Reverse Osmosis, </a:t>
+            </a:r>
+            <a:r>
+              <a:rPr lang="en-US" sz="1200" dirty="0" err="1" smtClean="0"/>
+              <a:t>Electrodialysis</a:t>
+            </a:r>
+            <a:r>
+              <a:rPr lang="en-US" sz="1200" dirty="0" smtClean="0"/>
+              <a:t>, and </a:t>
+            </a:r>
+            <a:r>
+              <a:rPr lang="en-US" sz="1200" dirty="0" err="1" smtClean="0"/>
+              <a:t>Electrodialysis</a:t>
+            </a:r>
+            <a:r>
+              <a:rPr lang="en-US" sz="1200" dirty="0" smtClean="0"/>
+              <a:t> Reversal</a:t>
+            </a:r>
+          </a:p>
+          <a:p>
+            <a:r>
+              <a:rPr lang="en-US" sz="1200" dirty="0" smtClean="0"/>
+              <a:t>Other Treatment	</a:t>
+            </a:r>
+          </a:p>
+          <a:p>
+            <a:r>
+              <a:rPr lang="en-US" sz="1200" dirty="0" smtClean="0"/>
+              <a:t>Ozone	</a:t>
+            </a:r>
+          </a:p>
+          <a:p>
+            <a:r>
+              <a:rPr lang="en-US" sz="1200" dirty="0" smtClean="0"/>
+              <a:t>Ozone + Hydrogen Peroxide	</a:t>
+            </a:r>
+          </a:p>
+          <a:p>
+            <a:r>
+              <a:rPr lang="en-US" sz="1200" dirty="0" smtClean="0"/>
+              <a:t>Permanganate	</a:t>
+            </a:r>
+          </a:p>
+          <a:p>
+            <a:r>
+              <a:rPr lang="en-US" sz="1200" dirty="0" smtClean="0"/>
+              <a:t>Powdered Activated Carbon	</a:t>
+            </a:r>
+          </a:p>
+          <a:p>
+            <a:r>
+              <a:rPr lang="en-US" sz="1200" dirty="0" smtClean="0"/>
+              <a:t>Precipitative Softening	</a:t>
+            </a:r>
+          </a:p>
+          <a:p>
+            <a:r>
+              <a:rPr lang="en-US" sz="1200" dirty="0" smtClean="0"/>
+              <a:t>Pressure Filtration	Bag Filtration and Cartridge Filtration</a:t>
+            </a:r>
+          </a:p>
+          <a:p>
+            <a:r>
+              <a:rPr lang="en-US" sz="1200" dirty="0" smtClean="0"/>
+              <a:t>Slow Sand Filtration	</a:t>
+            </a:r>
+          </a:p>
+          <a:p>
+            <a:r>
+              <a:rPr lang="en-US" sz="1200" dirty="0" smtClean="0"/>
+              <a:t>Ultraviolet Irradiation	</a:t>
+            </a:r>
+          </a:p>
+          <a:p>
+            <a:r>
+              <a:rPr lang="en-US" sz="1200" dirty="0" smtClean="0"/>
+              <a:t>Ultraviolet Irradiation + Hydrogen Peroxide	</a:t>
+            </a:r>
+          </a:p>
+          <a:p>
+            <a:r>
+              <a:rPr lang="en-US" sz="1200" dirty="0" smtClean="0"/>
+              <a:t>Ultraviolet Irradiation + Ozone</a:t>
+            </a:r>
+          </a:p>
+          <a:p>
+            <a:pPr fontAlgn="b"/>
+            <a:endParaRPr lang="en-US" sz="1200" b="0" kern="1200" dirty="0" smtClean="0">
+              <a:solidFill>
+                <a:schemeClr val="tx1"/>
+              </a:solidFill>
+              <a:effectLst/>
+              <a:latin typeface="+mn-lt"/>
+              <a:ea typeface="+mn-ea"/>
+              <a:cs typeface="+mn-cs"/>
+            </a:endParaRPr>
           </a:p>
           <a:p>
             <a:endParaRPr lang="en-US" dirty="0"/>
@@ -797,7 +1289,7 @@
           <a:p>
             <a:fld id="{0C995C00-DEB8-4FD0-B394-83981868F57C}" type="slidenum">
               <a:rPr lang="en-US" smtClean="0"/>
-              <a:t>8</a:t>
+              <a:t>5</a:t>
             </a:fld>
             <a:endParaRPr lang="en-US"/>
           </a:p>
@@ -807,6 +1299,110 @@
     <p:extLst>
       <p:ext uri="{BB962C8B-B14F-4D97-AF65-F5344CB8AC3E}">
         <p14:creationId xmlns:p14="http://schemas.microsoft.com/office/powerpoint/2010/main" val="3604054288"/>
+      </p:ext>
+    </p:extLst>
+  </p:cSld>
+  <p:clrMapOvr>
+    <a:masterClrMapping/>
+  </p:clrMapOvr>
+</p:notes>
+</file>
+
+<file path=ppt/notesSlides/notesSlide3.xml><?xml version="1.0" encoding="utf-8"?>
+<p:notes xmlns:a="http://schemas.openxmlformats.org/drawingml/2006/main" xmlns:r="http://schemas.openxmlformats.org/officeDocument/2006/relationships" xmlns:p="http://schemas.openxmlformats.org/presentationml/2006/main">
+  <p:cSld>
+    <p:spTree>
+      <p:nvGrpSpPr>
+        <p:cNvPr id="1" name=""/>
+        <p:cNvGrpSpPr/>
+        <p:nvPr/>
+      </p:nvGrpSpPr>
+      <p:grpSpPr>
+        <a:xfrm>
+          <a:off x="0" y="0"/>
+          <a:ext cx="0" cy="0"/>
+          <a:chOff x="0" y="0"/>
+          <a:chExt cx="0" cy="0"/>
+        </a:xfrm>
+      </p:grpSpPr>
+      <p:sp>
+        <p:nvSpPr>
+          <p:cNvPr id="2" name="Slide Image Placeholder 1"/>
+          <p:cNvSpPr>
+            <a:spLocks noGrp="1" noRot="1" noChangeAspect="1"/>
+          </p:cNvSpPr>
+          <p:nvPr>
+            <p:ph type="sldImg"/>
+          </p:nvPr>
+        </p:nvSpPr>
+        <p:spPr/>
+      </p:sp>
+      <p:sp>
+        <p:nvSpPr>
+          <p:cNvPr id="3" name="Notes Placeholder 2"/>
+          <p:cNvSpPr>
+            <a:spLocks noGrp="1"/>
+          </p:cNvSpPr>
+          <p:nvPr>
+            <p:ph type="body" idx="1"/>
+          </p:nvPr>
+        </p:nvSpPr>
+        <p:spPr/>
+        <p:txBody>
+          <a:bodyPr/>
+          <a:lstStyle/>
+          <a:p>
+            <a:pPr marL="0" marR="0" indent="0" algn="l" defTabSz="914400" rtl="0" eaLnBrk="1" fontAlgn="auto" latinLnBrk="0" hangingPunct="1">
+              <a:lnSpc>
+                <a:spcPct val="100000"/>
+              </a:lnSpc>
+              <a:spcBef>
+                <a:spcPts val="0"/>
+              </a:spcBef>
+              <a:spcAft>
+                <a:spcPts val="0"/>
+              </a:spcAft>
+              <a:buClrTx/>
+              <a:buSzTx/>
+              <a:buFontTx/>
+              <a:buNone/>
+              <a:tabLst/>
+              <a:defRPr/>
+            </a:pPr>
+            <a:r>
+              <a:rPr lang="en-US" dirty="0" smtClean="0"/>
+              <a:t>What might a cheat sheet look like? Is it a table? Or a flow chart with different entry points</a:t>
+            </a:r>
+          </a:p>
+        </p:txBody>
+      </p:sp>
+      <p:sp>
+        <p:nvSpPr>
+          <p:cNvPr id="4" name="Slide Number Placeholder 3"/>
+          <p:cNvSpPr>
+            <a:spLocks noGrp="1"/>
+          </p:cNvSpPr>
+          <p:nvPr>
+            <p:ph type="sldNum" sz="quarter" idx="10"/>
+          </p:nvPr>
+        </p:nvSpPr>
+        <p:spPr/>
+        <p:txBody>
+          <a:bodyPr/>
+          <a:lstStyle/>
+          <a:p>
+            <a:fld id="{EAD27B27-B191-41EB-B589-679D36B58CE9}" type="slidenum">
+              <a:rPr lang="en-US" smtClean="0"/>
+              <a:t>6</a:t>
+            </a:fld>
+            <a:endParaRPr lang="en-US"/>
+          </a:p>
+        </p:txBody>
+      </p:sp>
+    </p:spTree>
+    <p:extLst>
+      <p:ext uri="{BB962C8B-B14F-4D97-AF65-F5344CB8AC3E}">
+        <p14:creationId xmlns:p14="http://schemas.microsoft.com/office/powerpoint/2010/main" val="747097480"/>
       </p:ext>
     </p:extLst>
   </p:cSld>
@@ -890,7 +1486,7 @@
           <a:p>
             <a:fld id="{C95CED01-24E4-4C43-912C-6F6D3D954174}" type="datetimeFigureOut">
               <a:rPr lang="en-US" smtClean="0"/>
-              <a:t>1/30/2020</a:t>
+              <a:t>2/11/2020</a:t>
             </a:fld>
             <a:endParaRPr lang="en-US"/>
           </a:p>
@@ -3685,7 +4281,7 @@
           <a:p>
             <a:fld id="{C95CED01-24E4-4C43-912C-6F6D3D954174}" type="datetimeFigureOut">
               <a:rPr lang="en-US" smtClean="0"/>
-              <a:t>1/30/2020</a:t>
+              <a:t>2/11/2020</a:t>
             </a:fld>
             <a:endParaRPr lang="en-US"/>
           </a:p>
@@ -4106,7 +4702,7 @@
           <a:p>
             <a:fld id="{C95CED01-24E4-4C43-912C-6F6D3D954174}" type="datetimeFigureOut">
               <a:rPr lang="en-US" smtClean="0"/>
-              <a:t>1/30/2020</a:t>
+              <a:t>2/11/2020</a:t>
             </a:fld>
             <a:endParaRPr lang="en-US"/>
           </a:p>
@@ -4548,7 +5144,7 @@
           <a:p>
             <a:fld id="{C95CED01-24E4-4C43-912C-6F6D3D954174}" type="datetimeFigureOut">
               <a:rPr lang="en-US" smtClean="0"/>
-              <a:t>1/30/2020</a:t>
+              <a:t>2/11/2020</a:t>
             </a:fld>
             <a:endParaRPr lang="en-US"/>
           </a:p>
@@ -4681,7 +5277,7 @@
           <a:p>
             <a:fld id="{C95CED01-24E4-4C43-912C-6F6D3D954174}" type="datetimeFigureOut">
               <a:rPr lang="en-US" smtClean="0"/>
-              <a:t>1/30/2020</a:t>
+              <a:t>2/11/2020</a:t>
             </a:fld>
             <a:endParaRPr lang="en-US"/>
           </a:p>
@@ -4791,7 +5387,7 @@
           <a:p>
             <a:fld id="{C95CED01-24E4-4C43-912C-6F6D3D954174}" type="datetimeFigureOut">
               <a:rPr lang="en-US" smtClean="0"/>
-              <a:t>1/30/2020</a:t>
+              <a:t>2/11/2020</a:t>
             </a:fld>
             <a:endParaRPr lang="en-US"/>
           </a:p>
@@ -4937,7 +5533,7 @@
           <a:p>
             <a:fld id="{C95CED01-24E4-4C43-912C-6F6D3D954174}" type="datetimeFigureOut">
               <a:rPr lang="en-US" smtClean="0"/>
-              <a:t>1/30/2020</a:t>
+              <a:t>2/11/2020</a:t>
             </a:fld>
             <a:endParaRPr lang="en-US"/>
           </a:p>
@@ -5690,7 +6286,7 @@
           <a:p>
             <a:fld id="{C95CED01-24E4-4C43-912C-6F6D3D954174}" type="datetimeFigureOut">
               <a:rPr lang="en-US" smtClean="0"/>
-              <a:t>1/30/2020</a:t>
+              <a:t>2/11/2020</a:t>
             </a:fld>
             <a:endParaRPr lang="en-US"/>
           </a:p>
@@ -7849,7 +8445,7 @@
 </p:sld>
 </file>
 
-<file path=ppt/slides/slide10.xml><?xml version="1.0" encoding="utf-8"?>
+<file path=ppt/slides/slide2.xml><?xml version="1.0" encoding="utf-8"?>
 <p:sld xmlns:a="http://schemas.openxmlformats.org/drawingml/2006/main" xmlns:r="http://schemas.openxmlformats.org/officeDocument/2006/relationships" xmlns:p="http://schemas.openxmlformats.org/presentationml/2006/main">
   <p:cSld>
     <p:spTree>
@@ -7882,10 +8478,10 @@
           <a:lstStyle/>
           <a:p>
             <a:r>
-              <a:rPr lang="en-US" sz="4000" dirty="0" smtClean="0"/>
-              <a:t>How do consulting firms, construction firms, venders, municipalities (clients) create a project?</a:t>
-            </a:r>
-            <a:endParaRPr lang="en-US" sz="4000" dirty="0"/>
+              <a:rPr lang="en-US" dirty="0" smtClean="0"/>
+              <a:t>Flow Equalization</a:t>
+            </a:r>
+            <a:endParaRPr lang="en-US" dirty="0"/>
           </a:p>
         </p:txBody>
       </p:sp>
@@ -7906,24 +8502,235 @@
           <a:p>
             <a:r>
               <a:rPr lang="en-US" dirty="0" smtClean="0"/>
-              <a:t>We will hear about this process from Tori Klug and Michael Adelman (Engineers at </a:t>
-            </a:r>
-            <a:r>
-              <a:rPr lang="en-US" dirty="0" err="1" smtClean="0"/>
-              <a:t>Stantec</a:t>
-            </a:r>
+              <a:t>Supply side</a:t>
+            </a:r>
+          </a:p>
+          <a:p>
             <a:r>
               <a:rPr lang="en-US" dirty="0" smtClean="0"/>
-              <a:t>) later in the semester.</a:t>
-            </a:r>
+              <a:t>Demand side</a:t>
+            </a:r>
+          </a:p>
+          <a:p>
             <a:endParaRPr lang="en-US" dirty="0"/>
+          </a:p>
+          <a:p>
+            <a:r>
+              <a:rPr lang="en-US" dirty="0" smtClean="0"/>
+              <a:t>3 contexts: where is equalization needed, what sets Q?</a:t>
+            </a:r>
+          </a:p>
+          <a:p>
+            <a:pPr lvl="1"/>
+            <a:r>
+              <a:rPr lang="en-US" dirty="0" smtClean="0"/>
+              <a:t>Drinking water</a:t>
+            </a:r>
+          </a:p>
+          <a:p>
+            <a:pPr lvl="1"/>
+            <a:r>
+              <a:rPr lang="en-US" dirty="0" smtClean="0"/>
+              <a:t>Waste water</a:t>
+            </a:r>
+          </a:p>
+          <a:p>
+            <a:pPr lvl="1"/>
+            <a:r>
+              <a:rPr lang="en-US" dirty="0" smtClean="0"/>
+              <a:t>Storm water</a:t>
+            </a:r>
+          </a:p>
+          <a:p>
+            <a:pPr lvl="1"/>
+            <a:endParaRPr lang="en-US" dirty="0" smtClean="0"/>
+          </a:p>
+        </p:txBody>
+      </p:sp>
+      <p:sp>
+        <p:nvSpPr>
+          <p:cNvPr id="4" name="TextBox 3"/>
+          <p:cNvSpPr txBox="1"/>
+          <p:nvPr/>
+        </p:nvSpPr>
+        <p:spPr>
+          <a:xfrm>
+            <a:off x="3890010" y="3858115"/>
+            <a:ext cx="3107833" cy="707886"/>
+          </a:xfrm>
+          <a:prstGeom prst="rect">
+            <a:avLst/>
+          </a:prstGeom>
+          <a:noFill/>
+        </p:spPr>
+        <p:txBody>
+          <a:bodyPr wrap="square" rtlCol="0">
+            <a:spAutoFit/>
+          </a:bodyPr>
+          <a:lstStyle/>
+          <a:p>
+            <a:r>
+              <a:rPr lang="en-US" sz="2000" dirty="0" smtClean="0"/>
+              <a:t>Upstream and downstream of treatment</a:t>
+            </a:r>
+            <a:endParaRPr lang="en-US" sz="2000" dirty="0"/>
+          </a:p>
+        </p:txBody>
+      </p:sp>
+      <p:sp>
+        <p:nvSpPr>
+          <p:cNvPr id="5" name="TextBox 4"/>
+          <p:cNvSpPr txBox="1"/>
+          <p:nvPr/>
+        </p:nvSpPr>
+        <p:spPr>
+          <a:xfrm>
+            <a:off x="3792278" y="4528644"/>
+            <a:ext cx="2706190" cy="400110"/>
+          </a:xfrm>
+          <a:prstGeom prst="rect">
+            <a:avLst/>
+          </a:prstGeom>
+          <a:noFill/>
+        </p:spPr>
+        <p:txBody>
+          <a:bodyPr wrap="none" rtlCol="0">
+            <a:spAutoFit/>
+          </a:bodyPr>
+          <a:lstStyle/>
+          <a:p>
+            <a:r>
+              <a:rPr lang="en-US" sz="2000" dirty="0" smtClean="0"/>
+              <a:t>Upstream of treatment</a:t>
+            </a:r>
+            <a:endParaRPr lang="en-US" sz="2000" dirty="0"/>
+          </a:p>
+        </p:txBody>
+      </p:sp>
+      <p:sp>
+        <p:nvSpPr>
+          <p:cNvPr id="6" name="TextBox 5"/>
+          <p:cNvSpPr txBox="1"/>
+          <p:nvPr/>
+        </p:nvSpPr>
+        <p:spPr>
+          <a:xfrm>
+            <a:off x="3890010" y="5034244"/>
+            <a:ext cx="2706190" cy="400110"/>
+          </a:xfrm>
+          <a:prstGeom prst="rect">
+            <a:avLst/>
+          </a:prstGeom>
+          <a:noFill/>
+        </p:spPr>
+        <p:txBody>
+          <a:bodyPr wrap="none" rtlCol="0">
+            <a:spAutoFit/>
+          </a:bodyPr>
+          <a:lstStyle/>
+          <a:p>
+            <a:r>
+              <a:rPr lang="en-US" sz="2000" dirty="0" smtClean="0"/>
+              <a:t>Upstream of treatment</a:t>
+            </a:r>
+            <a:endParaRPr lang="en-US" sz="2000" dirty="0"/>
+          </a:p>
+        </p:txBody>
+      </p:sp>
+      <p:sp>
+        <p:nvSpPr>
+          <p:cNvPr id="7" name="TextBox 6"/>
+          <p:cNvSpPr txBox="1"/>
+          <p:nvPr/>
+        </p:nvSpPr>
+        <p:spPr>
+          <a:xfrm>
+            <a:off x="7150322" y="3937290"/>
+            <a:ext cx="4974439" cy="400110"/>
+          </a:xfrm>
+          <a:prstGeom prst="rect">
+            <a:avLst/>
+          </a:prstGeom>
+          <a:noFill/>
+        </p:spPr>
+        <p:txBody>
+          <a:bodyPr wrap="none" rtlCol="0">
+            <a:spAutoFit/>
+          </a:bodyPr>
+          <a:lstStyle/>
+          <a:p>
+            <a:r>
+              <a:rPr lang="en-US" sz="2000" dirty="0" smtClean="0"/>
+              <a:t>Minimum storage levels in distribution tanks</a:t>
+            </a:r>
+            <a:endParaRPr lang="en-US" sz="2000" dirty="0"/>
+          </a:p>
+        </p:txBody>
+      </p:sp>
+      <p:sp>
+        <p:nvSpPr>
+          <p:cNvPr id="8" name="TextBox 7"/>
+          <p:cNvSpPr txBox="1"/>
+          <p:nvPr/>
+        </p:nvSpPr>
+        <p:spPr>
+          <a:xfrm>
+            <a:off x="6997843" y="4525487"/>
+            <a:ext cx="2366353" cy="400110"/>
+          </a:xfrm>
+          <a:prstGeom prst="rect">
+            <a:avLst/>
+          </a:prstGeom>
+          <a:noFill/>
+        </p:spPr>
+        <p:txBody>
+          <a:bodyPr wrap="none" rtlCol="0">
+            <a:spAutoFit/>
+          </a:bodyPr>
+          <a:lstStyle/>
+          <a:p>
+            <a:r>
+              <a:rPr lang="en-US" sz="2000" dirty="0" smtClean="0"/>
+              <a:t>Influent Q or bypass</a:t>
+            </a:r>
+            <a:endParaRPr lang="en-US" sz="2000" dirty="0"/>
+          </a:p>
+        </p:txBody>
+      </p:sp>
+      <p:sp>
+        <p:nvSpPr>
+          <p:cNvPr id="9" name="TextBox 8"/>
+          <p:cNvSpPr txBox="1"/>
+          <p:nvPr/>
+        </p:nvSpPr>
+        <p:spPr>
+          <a:xfrm>
+            <a:off x="6997843" y="5004772"/>
+            <a:ext cx="2366353" cy="400110"/>
+          </a:xfrm>
+          <a:prstGeom prst="rect">
+            <a:avLst/>
+          </a:prstGeom>
+          <a:noFill/>
+        </p:spPr>
+        <p:txBody>
+          <a:bodyPr wrap="none" rtlCol="0">
+            <a:spAutoFit/>
+          </a:bodyPr>
+          <a:lstStyle/>
+          <a:p>
+            <a:r>
+              <a:rPr lang="en-US" sz="2000" dirty="0" smtClean="0"/>
+              <a:t>Influent Q or bypass</a:t>
+            </a:r>
+            <a:endParaRPr lang="en-US" sz="2000" dirty="0"/>
           </a:p>
         </p:txBody>
       </p:sp>
     </p:spTree>
     <p:extLst>
       <p:ext uri="{BB962C8B-B14F-4D97-AF65-F5344CB8AC3E}">
-        <p14:creationId xmlns:p14="http://schemas.microsoft.com/office/powerpoint/2010/main" val="594602661"/>
+        <p14:creationId xmlns:p14="http://schemas.microsoft.com/office/powerpoint/2010/main" val="676821951"/>
       </p:ext>
     </p:extLst>
   </p:cSld>
@@ -7936,151 +8743,556 @@
   <p:timing>
     <p:tnLst>
       <p:par>
-        <p:cTn id="1" dur="indefinite" restart="never" nodeType="tmRoot"/>
+        <p:cTn id="1" dur="indefinite" restart="never" nodeType="tmRoot">
+          <p:childTnLst>
+            <p:seq concurrent="1" nextAc="seek">
+              <p:cTn id="2" dur="indefinite" nodeType="mainSeq">
+                <p:childTnLst>
+                  <p:par>
+                    <p:cTn id="3" fill="hold">
+                      <p:stCondLst>
+                        <p:cond delay="indefinite"/>
+                      </p:stCondLst>
+                      <p:childTnLst>
+                        <p:par>
+                          <p:cTn id="4" fill="hold">
+                            <p:stCondLst>
+                              <p:cond delay="0"/>
+                            </p:stCondLst>
+                            <p:childTnLst>
+                              <p:par>
+                                <p:cTn id="5" presetID="1" presetClass="entr" presetSubtype="0" fill="hold" grpId="0" nodeType="clickEffect">
+                                  <p:stCondLst>
+                                    <p:cond delay="0"/>
+                                  </p:stCondLst>
+                                  <p:childTnLst>
+                                    <p:set>
+                                      <p:cBhvr>
+                                        <p:cTn id="6" dur="1" fill="hold">
+                                          <p:stCondLst>
+                                            <p:cond delay="0"/>
+                                          </p:stCondLst>
+                                        </p:cTn>
+                                        <p:tgtEl>
+                                          <p:spTgt spid="3">
+                                            <p:txEl>
+                                              <p:pRg st="0" end="0"/>
+                                            </p:txEl>
+                                          </p:spTgt>
+                                        </p:tgtEl>
+                                        <p:attrNameLst>
+                                          <p:attrName>style.visibility</p:attrName>
+                                        </p:attrNameLst>
+                                      </p:cBhvr>
+                                      <p:to>
+                                        <p:strVal val="visible"/>
+                                      </p:to>
+                                    </p:set>
+                                  </p:childTnLst>
+                                </p:cTn>
+                              </p:par>
+                            </p:childTnLst>
+                          </p:cTn>
+                        </p:par>
+                      </p:childTnLst>
+                    </p:cTn>
+                  </p:par>
+                  <p:par>
+                    <p:cTn id="7" fill="hold">
+                      <p:stCondLst>
+                        <p:cond delay="indefinite"/>
+                      </p:stCondLst>
+                      <p:childTnLst>
+                        <p:par>
+                          <p:cTn id="8" fill="hold">
+                            <p:stCondLst>
+                              <p:cond delay="0"/>
+                            </p:stCondLst>
+                            <p:childTnLst>
+                              <p:par>
+                                <p:cTn id="9" presetID="1" presetClass="entr" presetSubtype="0" fill="hold" grpId="0" nodeType="clickEffect">
+                                  <p:stCondLst>
+                                    <p:cond delay="0"/>
+                                  </p:stCondLst>
+                                  <p:childTnLst>
+                                    <p:set>
+                                      <p:cBhvr>
+                                        <p:cTn id="10" dur="1" fill="hold">
+                                          <p:stCondLst>
+                                            <p:cond delay="0"/>
+                                          </p:stCondLst>
+                                        </p:cTn>
+                                        <p:tgtEl>
+                                          <p:spTgt spid="3">
+                                            <p:txEl>
+                                              <p:pRg st="1" end="1"/>
+                                            </p:txEl>
+                                          </p:spTgt>
+                                        </p:tgtEl>
+                                        <p:attrNameLst>
+                                          <p:attrName>style.visibility</p:attrName>
+                                        </p:attrNameLst>
+                                      </p:cBhvr>
+                                      <p:to>
+                                        <p:strVal val="visible"/>
+                                      </p:to>
+                                    </p:set>
+                                  </p:childTnLst>
+                                </p:cTn>
+                              </p:par>
+                            </p:childTnLst>
+                          </p:cTn>
+                        </p:par>
+                      </p:childTnLst>
+                    </p:cTn>
+                  </p:par>
+                  <p:par>
+                    <p:cTn id="11" fill="hold">
+                      <p:stCondLst>
+                        <p:cond delay="indefinite"/>
+                      </p:stCondLst>
+                      <p:childTnLst>
+                        <p:par>
+                          <p:cTn id="12" fill="hold">
+                            <p:stCondLst>
+                              <p:cond delay="0"/>
+                            </p:stCondLst>
+                            <p:childTnLst>
+                              <p:par>
+                                <p:cTn id="13" presetID="1" presetClass="entr" presetSubtype="0" fill="hold" grpId="0" nodeType="clickEffect">
+                                  <p:stCondLst>
+                                    <p:cond delay="0"/>
+                                  </p:stCondLst>
+                                  <p:childTnLst>
+                                    <p:set>
+                                      <p:cBhvr>
+                                        <p:cTn id="14" dur="1" fill="hold">
+                                          <p:stCondLst>
+                                            <p:cond delay="0"/>
+                                          </p:stCondLst>
+                                        </p:cTn>
+                                        <p:tgtEl>
+                                          <p:spTgt spid="3">
+                                            <p:txEl>
+                                              <p:pRg st="3" end="3"/>
+                                            </p:txEl>
+                                          </p:spTgt>
+                                        </p:tgtEl>
+                                        <p:attrNameLst>
+                                          <p:attrName>style.visibility</p:attrName>
+                                        </p:attrNameLst>
+                                      </p:cBhvr>
+                                      <p:to>
+                                        <p:strVal val="visible"/>
+                                      </p:to>
+                                    </p:set>
+                                  </p:childTnLst>
+                                </p:cTn>
+                              </p:par>
+                              <p:par>
+                                <p:cTn id="15" presetID="1" presetClass="entr" presetSubtype="0" fill="hold" grpId="0" nodeType="withEffect">
+                                  <p:stCondLst>
+                                    <p:cond delay="0"/>
+                                  </p:stCondLst>
+                                  <p:childTnLst>
+                                    <p:set>
+                                      <p:cBhvr>
+                                        <p:cTn id="16" dur="1" fill="hold">
+                                          <p:stCondLst>
+                                            <p:cond delay="0"/>
+                                          </p:stCondLst>
+                                        </p:cTn>
+                                        <p:tgtEl>
+                                          <p:spTgt spid="3">
+                                            <p:txEl>
+                                              <p:pRg st="4" end="4"/>
+                                            </p:txEl>
+                                          </p:spTgt>
+                                        </p:tgtEl>
+                                        <p:attrNameLst>
+                                          <p:attrName>style.visibility</p:attrName>
+                                        </p:attrNameLst>
+                                      </p:cBhvr>
+                                      <p:to>
+                                        <p:strVal val="visible"/>
+                                      </p:to>
+                                    </p:set>
+                                  </p:childTnLst>
+                                </p:cTn>
+                              </p:par>
+                              <p:par>
+                                <p:cTn id="17" presetID="1" presetClass="entr" presetSubtype="0" fill="hold" grpId="0" nodeType="withEffect">
+                                  <p:stCondLst>
+                                    <p:cond delay="0"/>
+                                  </p:stCondLst>
+                                  <p:childTnLst>
+                                    <p:set>
+                                      <p:cBhvr>
+                                        <p:cTn id="18" dur="1" fill="hold">
+                                          <p:stCondLst>
+                                            <p:cond delay="0"/>
+                                          </p:stCondLst>
+                                        </p:cTn>
+                                        <p:tgtEl>
+                                          <p:spTgt spid="3">
+                                            <p:txEl>
+                                              <p:pRg st="5" end="5"/>
+                                            </p:txEl>
+                                          </p:spTgt>
+                                        </p:tgtEl>
+                                        <p:attrNameLst>
+                                          <p:attrName>style.visibility</p:attrName>
+                                        </p:attrNameLst>
+                                      </p:cBhvr>
+                                      <p:to>
+                                        <p:strVal val="visible"/>
+                                      </p:to>
+                                    </p:set>
+                                  </p:childTnLst>
+                                </p:cTn>
+                              </p:par>
+                              <p:par>
+                                <p:cTn id="19" presetID="1" presetClass="entr" presetSubtype="0" fill="hold" grpId="0" nodeType="withEffect">
+                                  <p:stCondLst>
+                                    <p:cond delay="0"/>
+                                  </p:stCondLst>
+                                  <p:childTnLst>
+                                    <p:set>
+                                      <p:cBhvr>
+                                        <p:cTn id="20" dur="1" fill="hold">
+                                          <p:stCondLst>
+                                            <p:cond delay="0"/>
+                                          </p:stCondLst>
+                                        </p:cTn>
+                                        <p:tgtEl>
+                                          <p:spTgt spid="3">
+                                            <p:txEl>
+                                              <p:pRg st="6" end="6"/>
+                                            </p:txEl>
+                                          </p:spTgt>
+                                        </p:tgtEl>
+                                        <p:attrNameLst>
+                                          <p:attrName>style.visibility</p:attrName>
+                                        </p:attrNameLst>
+                                      </p:cBhvr>
+                                      <p:to>
+                                        <p:strVal val="visible"/>
+                                      </p:to>
+                                    </p:set>
+                                  </p:childTnLst>
+                                </p:cTn>
+                              </p:par>
+                            </p:childTnLst>
+                          </p:cTn>
+                        </p:par>
+                      </p:childTnLst>
+                    </p:cTn>
+                  </p:par>
+                  <p:par>
+                    <p:cTn id="21" fill="hold">
+                      <p:stCondLst>
+                        <p:cond delay="indefinite"/>
+                      </p:stCondLst>
+                      <p:childTnLst>
+                        <p:par>
+                          <p:cTn id="22" fill="hold">
+                            <p:stCondLst>
+                              <p:cond delay="0"/>
+                            </p:stCondLst>
+                            <p:childTnLst>
+                              <p:par>
+                                <p:cTn id="23" presetID="1" presetClass="entr" presetSubtype="0" fill="hold" grpId="0" nodeType="clickEffect">
+                                  <p:stCondLst>
+                                    <p:cond delay="0"/>
+                                  </p:stCondLst>
+                                  <p:childTnLst>
+                                    <p:set>
+                                      <p:cBhvr>
+                                        <p:cTn id="24" dur="1" fill="hold">
+                                          <p:stCondLst>
+                                            <p:cond delay="0"/>
+                                          </p:stCondLst>
+                                        </p:cTn>
+                                        <p:tgtEl>
+                                          <p:spTgt spid="4"/>
+                                        </p:tgtEl>
+                                        <p:attrNameLst>
+                                          <p:attrName>style.visibility</p:attrName>
+                                        </p:attrNameLst>
+                                      </p:cBhvr>
+                                      <p:to>
+                                        <p:strVal val="visible"/>
+                                      </p:to>
+                                    </p:set>
+                                  </p:childTnLst>
+                                </p:cTn>
+                              </p:par>
+                            </p:childTnLst>
+                          </p:cTn>
+                        </p:par>
+                      </p:childTnLst>
+                    </p:cTn>
+                  </p:par>
+                  <p:par>
+                    <p:cTn id="25" fill="hold">
+                      <p:stCondLst>
+                        <p:cond delay="indefinite"/>
+                      </p:stCondLst>
+                      <p:childTnLst>
+                        <p:par>
+                          <p:cTn id="26" fill="hold">
+                            <p:stCondLst>
+                              <p:cond delay="0"/>
+                            </p:stCondLst>
+                            <p:childTnLst>
+                              <p:par>
+                                <p:cTn id="27" presetID="1" presetClass="entr" presetSubtype="0" fill="hold" grpId="0" nodeType="clickEffect">
+                                  <p:stCondLst>
+                                    <p:cond delay="0"/>
+                                  </p:stCondLst>
+                                  <p:childTnLst>
+                                    <p:set>
+                                      <p:cBhvr>
+                                        <p:cTn id="28" dur="1" fill="hold">
+                                          <p:stCondLst>
+                                            <p:cond delay="0"/>
+                                          </p:stCondLst>
+                                        </p:cTn>
+                                        <p:tgtEl>
+                                          <p:spTgt spid="7"/>
+                                        </p:tgtEl>
+                                        <p:attrNameLst>
+                                          <p:attrName>style.visibility</p:attrName>
+                                        </p:attrNameLst>
+                                      </p:cBhvr>
+                                      <p:to>
+                                        <p:strVal val="visible"/>
+                                      </p:to>
+                                    </p:set>
+                                  </p:childTnLst>
+                                </p:cTn>
+                              </p:par>
+                            </p:childTnLst>
+                          </p:cTn>
+                        </p:par>
+                      </p:childTnLst>
+                    </p:cTn>
+                  </p:par>
+                  <p:par>
+                    <p:cTn id="29" fill="hold">
+                      <p:stCondLst>
+                        <p:cond delay="indefinite"/>
+                      </p:stCondLst>
+                      <p:childTnLst>
+                        <p:par>
+                          <p:cTn id="30" fill="hold">
+                            <p:stCondLst>
+                              <p:cond delay="0"/>
+                            </p:stCondLst>
+                            <p:childTnLst>
+                              <p:par>
+                                <p:cTn id="31" presetID="1" presetClass="entr" presetSubtype="0" fill="hold" grpId="0" nodeType="clickEffect">
+                                  <p:stCondLst>
+                                    <p:cond delay="0"/>
+                                  </p:stCondLst>
+                                  <p:childTnLst>
+                                    <p:set>
+                                      <p:cBhvr>
+                                        <p:cTn id="32" dur="1" fill="hold">
+                                          <p:stCondLst>
+                                            <p:cond delay="0"/>
+                                          </p:stCondLst>
+                                        </p:cTn>
+                                        <p:tgtEl>
+                                          <p:spTgt spid="5"/>
+                                        </p:tgtEl>
+                                        <p:attrNameLst>
+                                          <p:attrName>style.visibility</p:attrName>
+                                        </p:attrNameLst>
+                                      </p:cBhvr>
+                                      <p:to>
+                                        <p:strVal val="visible"/>
+                                      </p:to>
+                                    </p:set>
+                                  </p:childTnLst>
+                                </p:cTn>
+                              </p:par>
+                            </p:childTnLst>
+                          </p:cTn>
+                        </p:par>
+                      </p:childTnLst>
+                    </p:cTn>
+                  </p:par>
+                  <p:par>
+                    <p:cTn id="33" fill="hold">
+                      <p:stCondLst>
+                        <p:cond delay="indefinite"/>
+                      </p:stCondLst>
+                      <p:childTnLst>
+                        <p:par>
+                          <p:cTn id="34" fill="hold">
+                            <p:stCondLst>
+                              <p:cond delay="0"/>
+                            </p:stCondLst>
+                            <p:childTnLst>
+                              <p:par>
+                                <p:cTn id="35" presetID="1" presetClass="entr" presetSubtype="0" fill="hold" grpId="0" nodeType="clickEffect">
+                                  <p:stCondLst>
+                                    <p:cond delay="0"/>
+                                  </p:stCondLst>
+                                  <p:childTnLst>
+                                    <p:set>
+                                      <p:cBhvr>
+                                        <p:cTn id="36" dur="1" fill="hold">
+                                          <p:stCondLst>
+                                            <p:cond delay="0"/>
+                                          </p:stCondLst>
+                                        </p:cTn>
+                                        <p:tgtEl>
+                                          <p:spTgt spid="8"/>
+                                        </p:tgtEl>
+                                        <p:attrNameLst>
+                                          <p:attrName>style.visibility</p:attrName>
+                                        </p:attrNameLst>
+                                      </p:cBhvr>
+                                      <p:to>
+                                        <p:strVal val="visible"/>
+                                      </p:to>
+                                    </p:set>
+                                  </p:childTnLst>
+                                </p:cTn>
+                              </p:par>
+                            </p:childTnLst>
+                          </p:cTn>
+                        </p:par>
+                      </p:childTnLst>
+                    </p:cTn>
+                  </p:par>
+                  <p:par>
+                    <p:cTn id="37" fill="hold">
+                      <p:stCondLst>
+                        <p:cond delay="indefinite"/>
+                      </p:stCondLst>
+                      <p:childTnLst>
+                        <p:par>
+                          <p:cTn id="38" fill="hold">
+                            <p:stCondLst>
+                              <p:cond delay="0"/>
+                            </p:stCondLst>
+                            <p:childTnLst>
+                              <p:par>
+                                <p:cTn id="39" presetID="1" presetClass="entr" presetSubtype="0" fill="hold" grpId="0" nodeType="clickEffect">
+                                  <p:stCondLst>
+                                    <p:cond delay="0"/>
+                                  </p:stCondLst>
+                                  <p:childTnLst>
+                                    <p:set>
+                                      <p:cBhvr>
+                                        <p:cTn id="40" dur="1" fill="hold">
+                                          <p:stCondLst>
+                                            <p:cond delay="0"/>
+                                          </p:stCondLst>
+                                        </p:cTn>
+                                        <p:tgtEl>
+                                          <p:spTgt spid="6"/>
+                                        </p:tgtEl>
+                                        <p:attrNameLst>
+                                          <p:attrName>style.visibility</p:attrName>
+                                        </p:attrNameLst>
+                                      </p:cBhvr>
+                                      <p:to>
+                                        <p:strVal val="visible"/>
+                                      </p:to>
+                                    </p:set>
+                                  </p:childTnLst>
+                                </p:cTn>
+                              </p:par>
+                            </p:childTnLst>
+                          </p:cTn>
+                        </p:par>
+                      </p:childTnLst>
+                    </p:cTn>
+                  </p:par>
+                  <p:par>
+                    <p:cTn id="41" fill="hold">
+                      <p:stCondLst>
+                        <p:cond delay="indefinite"/>
+                      </p:stCondLst>
+                      <p:childTnLst>
+                        <p:par>
+                          <p:cTn id="42" fill="hold">
+                            <p:stCondLst>
+                              <p:cond delay="0"/>
+                            </p:stCondLst>
+                            <p:childTnLst>
+                              <p:par>
+                                <p:cTn id="43" presetID="1" presetClass="entr" presetSubtype="0" fill="hold" grpId="0" nodeType="clickEffect">
+                                  <p:stCondLst>
+                                    <p:cond delay="0"/>
+                                  </p:stCondLst>
+                                  <p:childTnLst>
+                                    <p:set>
+                                      <p:cBhvr>
+                                        <p:cTn id="44" dur="1" fill="hold">
+                                          <p:stCondLst>
+                                            <p:cond delay="0"/>
+                                          </p:stCondLst>
+                                        </p:cTn>
+                                        <p:tgtEl>
+                                          <p:spTgt spid="9"/>
+                                        </p:tgtEl>
+                                        <p:attrNameLst>
+                                          <p:attrName>style.visibility</p:attrName>
+                                        </p:attrNameLst>
+                                      </p:cBhvr>
+                                      <p:to>
+                                        <p:strVal val="visible"/>
+                                      </p:to>
+                                    </p:set>
+                                  </p:childTnLst>
+                                </p:cTn>
+                              </p:par>
+                            </p:childTnLst>
+                          </p:cTn>
+                        </p:par>
+                      </p:childTnLst>
+                    </p:cTn>
+                  </p:par>
+                </p:childTnLst>
+              </p:cTn>
+              <p:prevCondLst>
+                <p:cond evt="onPrev" delay="0">
+                  <p:tgtEl>
+                    <p:sldTgt/>
+                  </p:tgtEl>
+                </p:cond>
+              </p:prevCondLst>
+              <p:nextCondLst>
+                <p:cond evt="onNext" delay="0">
+                  <p:tgtEl>
+                    <p:sldTgt/>
+                  </p:tgtEl>
+                </p:cond>
+              </p:nextCondLst>
+            </p:seq>
+          </p:childTnLst>
+        </p:cTn>
       </p:par>
     </p:tnLst>
+    <p:bldLst>
+      <p:bldP spid="3" grpId="0" build="p"/>
+      <p:bldP spid="4" grpId="0"/>
+      <p:bldP spid="5" grpId="0"/>
+      <p:bldP spid="6" grpId="0"/>
+      <p:bldP spid="7" grpId="0"/>
+      <p:bldP spid="8" grpId="0"/>
+      <p:bldP spid="9" grpId="0"/>
+    </p:bldLst>
   </p:timing>
 </p:sld>
 </file>
 
-<file path=ppt/slides/slide11.xml><?xml version="1.0" encoding="utf-8"?>
-<p:sld xmlns:a="http://schemas.openxmlformats.org/drawingml/2006/main" xmlns:r="http://schemas.openxmlformats.org/officeDocument/2006/relationships" xmlns:p="http://schemas.openxmlformats.org/presentationml/2006/main">
-  <p:cSld>
-    <p:spTree>
-      <p:nvGrpSpPr>
-        <p:cNvPr id="1" name=""/>
-        <p:cNvGrpSpPr/>
-        <p:nvPr/>
-      </p:nvGrpSpPr>
-      <p:grpSpPr>
-        <a:xfrm>
-          <a:off x="0" y="0"/>
-          <a:ext cx="0" cy="0"/>
-          <a:chOff x="0" y="0"/>
-          <a:chExt cx="0" cy="0"/>
-        </a:xfrm>
-      </p:grpSpPr>
-      <p:sp>
-        <p:nvSpPr>
-          <p:cNvPr id="2" name="Title 1"/>
-          <p:cNvSpPr>
-            <a:spLocks noGrp="1"/>
-          </p:cNvSpPr>
-          <p:nvPr>
-            <p:ph type="title"/>
-          </p:nvPr>
-        </p:nvSpPr>
-        <p:spPr/>
-        <p:txBody>
-          <a:bodyPr/>
-          <a:lstStyle/>
-          <a:p>
-            <a:endParaRPr lang="en-US"/>
-          </a:p>
-        </p:txBody>
-      </p:sp>
-      <p:pic>
-        <p:nvPicPr>
-          <p:cNvPr id="7" name="Content Placeholder 6"/>
-          <p:cNvPicPr>
-            <a:picLocks noGrp="1" noChangeAspect="1"/>
-          </p:cNvPicPr>
-          <p:nvPr>
-            <p:ph idx="1"/>
-          </p:nvPr>
-        </p:nvPicPr>
-        <p:blipFill>
-          <a:blip r:embed="rId2"/>
-          <a:stretch>
-            <a:fillRect/>
-          </a:stretch>
-        </p:blipFill>
-        <p:spPr>
-          <a:xfrm>
-            <a:off x="3106593" y="1625960"/>
-            <a:ext cx="5886450" cy="1962150"/>
-          </a:xfrm>
-          <a:prstGeom prst="rect">
-            <a:avLst/>
-          </a:prstGeom>
-        </p:spPr>
-      </p:pic>
-      <p:pic>
-        <p:nvPicPr>
-          <p:cNvPr id="4" name="Picture 3"/>
-          <p:cNvPicPr>
-            <a:picLocks noChangeAspect="1"/>
-          </p:cNvPicPr>
-          <p:nvPr/>
-        </p:nvPicPr>
-        <p:blipFill>
-          <a:blip r:embed="rId3"/>
-          <a:stretch>
-            <a:fillRect/>
-          </a:stretch>
-        </p:blipFill>
-        <p:spPr>
-          <a:xfrm>
-            <a:off x="2995469" y="3807542"/>
-            <a:ext cx="5905500" cy="2143125"/>
-          </a:xfrm>
-          <a:prstGeom prst="rect">
-            <a:avLst/>
-          </a:prstGeom>
-        </p:spPr>
-      </p:pic>
-      <p:sp>
-        <p:nvSpPr>
-          <p:cNvPr id="6" name="Rectangle 5"/>
-          <p:cNvSpPr/>
-          <p:nvPr/>
-        </p:nvSpPr>
-        <p:spPr>
-          <a:xfrm>
-            <a:off x="3654992" y="6170099"/>
-            <a:ext cx="3607398" cy="646331"/>
-          </a:xfrm>
-          <a:prstGeom prst="rect">
-            <a:avLst/>
-          </a:prstGeom>
-        </p:spPr>
-        <p:txBody>
-          <a:bodyPr wrap="none">
-            <a:spAutoFit/>
-          </a:bodyPr>
-          <a:lstStyle/>
-          <a:p>
-            <a:r>
-              <a:rPr lang="en-US" dirty="0" smtClean="0"/>
-              <a:t>MWH's%20Water%20Treatment.pdf</a:t>
-            </a:r>
-          </a:p>
-          <a:p>
-            <a:r>
-              <a:rPr lang="en-US" dirty="0" smtClean="0"/>
-              <a:t>Must create my own!</a:t>
-            </a:r>
-            <a:endParaRPr lang="en-US" dirty="0"/>
-          </a:p>
-        </p:txBody>
-      </p:sp>
-    </p:spTree>
-    <p:extLst>
-      <p:ext uri="{BB962C8B-B14F-4D97-AF65-F5344CB8AC3E}">
-        <p14:creationId xmlns:p14="http://schemas.microsoft.com/office/powerpoint/2010/main" val="687469335"/>
-      </p:ext>
-    </p:extLst>
-  </p:cSld>
-  <p:clrMapOvr>
-    <a:masterClrMapping/>
-  </p:clrMapOvr>
-  <p:transition>
-    <p:fade/>
-  </p:transition>
-</p:sld>
-</file>
-
-<file path=ppt/slides/slide2.xml><?xml version="1.0" encoding="utf-8"?>
+<file path=ppt/slides/slide3.xml><?xml version="1.0" encoding="utf-8"?>
 <p:sld xmlns:a="http://schemas.openxmlformats.org/drawingml/2006/main" xmlns:r="http://schemas.openxmlformats.org/officeDocument/2006/relationships" xmlns:p="http://schemas.openxmlformats.org/presentationml/2006/main">
   <p:cSld>
     <p:spTree>
@@ -8721,118 +9933,6 @@
 </p:sld>
 </file>
 
-<file path=ppt/slides/slide3.xml><?xml version="1.0" encoding="utf-8"?>
-<p:sld xmlns:a="http://schemas.openxmlformats.org/drawingml/2006/main" xmlns:r="http://schemas.openxmlformats.org/officeDocument/2006/relationships" xmlns:p="http://schemas.openxmlformats.org/presentationml/2006/main">
-  <p:cSld>
-    <p:spTree>
-      <p:nvGrpSpPr>
-        <p:cNvPr id="1" name=""/>
-        <p:cNvGrpSpPr/>
-        <p:nvPr/>
-      </p:nvGrpSpPr>
-      <p:grpSpPr>
-        <a:xfrm>
-          <a:off x="0" y="0"/>
-          <a:ext cx="0" cy="0"/>
-          <a:chOff x="0" y="0"/>
-          <a:chExt cx="0" cy="0"/>
-        </a:xfrm>
-      </p:grpSpPr>
-      <p:sp>
-        <p:nvSpPr>
-          <p:cNvPr id="2" name="Title 1"/>
-          <p:cNvSpPr>
-            <a:spLocks noGrp="1"/>
-          </p:cNvSpPr>
-          <p:nvPr>
-            <p:ph type="title"/>
-          </p:nvPr>
-        </p:nvSpPr>
-        <p:spPr/>
-        <p:txBody>
-          <a:bodyPr/>
-          <a:lstStyle/>
-          <a:p>
-            <a:r>
-              <a:rPr lang="en-US" dirty="0" smtClean="0"/>
-              <a:t>Unit Processes Defined</a:t>
-            </a:r>
-            <a:endParaRPr lang="en-US" dirty="0"/>
-          </a:p>
-        </p:txBody>
-      </p:sp>
-      <p:sp>
-        <p:nvSpPr>
-          <p:cNvPr id="3" name="Content Placeholder 2"/>
-          <p:cNvSpPr>
-            <a:spLocks noGrp="1"/>
-          </p:cNvSpPr>
-          <p:nvPr>
-            <p:ph idx="1"/>
-          </p:nvPr>
-        </p:nvSpPr>
-        <p:spPr/>
-        <p:txBody>
-          <a:bodyPr/>
-          <a:lstStyle/>
-          <a:p>
-            <a:r>
-              <a:rPr lang="en-US" dirty="0" smtClean="0"/>
-              <a:t>Unit process? “</a:t>
-            </a:r>
-            <a:r>
-              <a:rPr lang="en-US" dirty="0"/>
-              <a:t>one or more grouped operations in a manufacturing system that can be defined and separated from </a:t>
-            </a:r>
-            <a:r>
-              <a:rPr lang="en-US" dirty="0" smtClean="0"/>
-              <a:t>others”</a:t>
-            </a:r>
-            <a:r>
-              <a:rPr lang="en-US" dirty="0">
-                <a:hlinkClick r:id="rId2"/>
-              </a:rPr>
-              <a:t> https://en.wikipedia.org/wiki/Unit_process</a:t>
-            </a:r>
-            <a:endParaRPr lang="en-US" dirty="0" smtClean="0"/>
-          </a:p>
-          <a:p>
-            <a:pPr lvl="1"/>
-            <a:r>
-              <a:rPr lang="en-US" dirty="0" smtClean="0"/>
-              <a:t>Is flocculation a unit process?</a:t>
-            </a:r>
-          </a:p>
-          <a:p>
-            <a:r>
-              <a:rPr lang="en-US" dirty="0" smtClean="0"/>
-              <a:t>Some unit processes only make sense as part of a sequence</a:t>
-            </a:r>
-          </a:p>
-          <a:p>
-            <a:endParaRPr lang="en-US" dirty="0" smtClean="0"/>
-          </a:p>
-          <a:p>
-            <a:endParaRPr lang="en-US" dirty="0"/>
-          </a:p>
-        </p:txBody>
-      </p:sp>
-    </p:spTree>
-    <p:extLst>
-      <p:ext uri="{BB962C8B-B14F-4D97-AF65-F5344CB8AC3E}">
-        <p14:creationId xmlns:p14="http://schemas.microsoft.com/office/powerpoint/2010/main" val="3591655312"/>
-      </p:ext>
-    </p:extLst>
-  </p:cSld>
-  <p:clrMapOvr>
-    <a:masterClrMapping/>
-  </p:clrMapOvr>
-  <p:transition>
-    <p:fade/>
-  </p:transition>
-</p:sld>
-</file>
-
 <file path=ppt/slides/slide4.xml><?xml version="1.0" encoding="utf-8"?>
 <p:sld xmlns:a="http://schemas.openxmlformats.org/drawingml/2006/main" xmlns:r="http://schemas.openxmlformats.org/officeDocument/2006/relationships" xmlns:p="http://schemas.openxmlformats.org/presentationml/2006/main">
   <p:cSld>
@@ -8867,7 +9967,7 @@
           <a:p>
             <a:r>
               <a:rPr lang="en-US" dirty="0" smtClean="0"/>
-              <a:t>Unit Process Cheat Sheet</a:t>
+              <a:t>Unit Processes Defined</a:t>
             </a:r>
             <a:endParaRPr lang="en-US" dirty="0"/>
           </a:p>
@@ -8890,77 +9990,41 @@
           <a:p>
             <a:r>
               <a:rPr lang="en-US" dirty="0" smtClean="0"/>
-              <a:t>Required upstream UP</a:t>
-            </a:r>
-          </a:p>
-          <a:p>
+              <a:t>Unit process? “</a:t>
+            </a:r>
+            <a:r>
+              <a:rPr lang="en-US" dirty="0"/>
+              <a:t>one or more grouped operations in a manufacturing system that can be defined and separated from </a:t>
+            </a:r>
             <a:r>
               <a:rPr lang="en-US" dirty="0" smtClean="0"/>
-              <a:t>Required downstream UP</a:t>
-            </a:r>
-          </a:p>
-          <a:p>
+              <a:t>others”</a:t>
+            </a:r>
+            <a:r>
+              <a:rPr lang="en-US" dirty="0">
+                <a:hlinkClick r:id="rId2"/>
+              </a:rPr>
+              <a:t> https://en.wikipedia.org/wiki/Unit_process</a:t>
+            </a:r>
+            <a:endParaRPr lang="en-US" dirty="0" smtClean="0"/>
+          </a:p>
+          <a:p>
+            <a:pPr lvl="1"/>
             <a:r>
               <a:rPr lang="en-US" dirty="0" smtClean="0"/>
-              <a:t>Contaminants that must be removed prior to UP to protect the UP from damage</a:t>
-            </a:r>
-            <a:endParaRPr lang="en-US" dirty="0"/>
+              <a:t>Is flocculation a unit process?</a:t>
+            </a:r>
           </a:p>
           <a:p>
             <a:r>
               <a:rPr lang="en-US" dirty="0" smtClean="0"/>
-              <a:t>How does it work?</a:t>
-            </a:r>
-          </a:p>
-          <a:p>
-            <a:r>
-              <a:rPr lang="en-US" dirty="0" smtClean="0"/>
-              <a:t>What </a:t>
-            </a:r>
-            <a:r>
-              <a:rPr lang="en-US" dirty="0"/>
-              <a:t>types of contaminants does it </a:t>
-            </a:r>
-            <a:r>
-              <a:rPr lang="en-US" dirty="0" smtClean="0"/>
-              <a:t>remove</a:t>
-            </a:r>
-          </a:p>
-          <a:p>
-            <a:r>
-              <a:rPr lang="en-US" dirty="0" smtClean="0"/>
-              <a:t>What types of inputs (energy and chemicals) does it requires</a:t>
-            </a:r>
-            <a:endParaRPr lang="en-US" dirty="0"/>
-          </a:p>
-        </p:txBody>
-      </p:sp>
-      <p:sp>
-        <p:nvSpPr>
-          <p:cNvPr id="4" name="TextBox 3"/>
-          <p:cNvSpPr txBox="1"/>
-          <p:nvPr/>
-        </p:nvSpPr>
-        <p:spPr>
-          <a:xfrm>
-            <a:off x="2355273" y="6705600"/>
-            <a:ext cx="8924238" cy="369332"/>
-          </a:xfrm>
-          <a:prstGeom prst="rect">
-            <a:avLst/>
-          </a:prstGeom>
-          <a:noFill/>
-        </p:spPr>
-        <p:txBody>
-          <a:bodyPr wrap="none" rtlCol="0">
-            <a:spAutoFit/>
-          </a:bodyPr>
-          <a:lstStyle/>
-          <a:p>
-            <a:r>
-              <a:rPr lang="en-US" dirty="0" smtClean="0"/>
-              <a:t>What might a cheat sheet look like? Is it a table? Or a flow chart with different entry points</a:t>
-            </a:r>
+              <a:t>Some unit processes only make sense as part of a sequence</a:t>
+            </a:r>
+          </a:p>
+          <a:p>
+            <a:endParaRPr lang="en-US" dirty="0" smtClean="0"/>
+          </a:p>
+          <a:p>
             <a:endParaRPr lang="en-US" dirty="0"/>
           </a:p>
         </p:txBody>
@@ -8968,7 +10032,7 @@
     </p:spTree>
     <p:extLst>
       <p:ext uri="{BB962C8B-B14F-4D97-AF65-F5344CB8AC3E}">
-        <p14:creationId xmlns:p14="http://schemas.microsoft.com/office/powerpoint/2010/main" val="504470962"/>
+        <p14:creationId xmlns:p14="http://schemas.microsoft.com/office/powerpoint/2010/main" val="3591655312"/>
       </p:ext>
     </p:extLst>
   </p:cSld>
@@ -8978,6 +10042,13 @@
   <p:transition>
     <p:fade/>
   </p:transition>
+  <p:timing>
+    <p:tnLst>
+      <p:par>
+        <p:cTn id="1" dur="indefinite" restart="never" nodeType="tmRoot"/>
+      </p:par>
+    </p:tnLst>
+  </p:timing>
 </p:sld>
 </file>
 
@@ -9015,11 +10086,11 @@
           <a:p>
             <a:r>
               <a:rPr lang="en-US" dirty="0" smtClean="0"/>
-              <a:t>Organize by choice (parallel) and order </a:t>
-            </a:r>
-            <a:r>
-              <a:rPr lang="en-US" smtClean="0"/>
-              <a:t>(series)</a:t>
+              <a:t>Unit </a:t>
+            </a:r>
+            <a:r>
+              <a:rPr lang="en-US" dirty="0" smtClean="0"/>
+              <a:t>Processes (under construction)</a:t>
             </a:r>
             <a:endParaRPr lang="en-US" dirty="0"/>
           </a:p>
@@ -9027,216 +10098,1022 @@
       </p:sp>
       <p:sp>
         <p:nvSpPr>
-          <p:cNvPr id="3" name="Content Placeholder 2"/>
-          <p:cNvSpPr>
-            <a:spLocks noGrp="1"/>
-          </p:cNvSpPr>
-          <p:nvPr>
-            <p:ph idx="1"/>
-          </p:nvPr>
-        </p:nvSpPr>
-        <p:spPr/>
-        <p:txBody>
-          <a:bodyPr/>
+          <p:cNvPr id="3" name="Notched Right Arrow 2"/>
+          <p:cNvSpPr/>
+          <p:nvPr/>
+        </p:nvSpPr>
+        <p:spPr>
+          <a:xfrm>
+            <a:off x="196397" y="2136847"/>
+            <a:ext cx="1554480" cy="785308"/>
+          </a:xfrm>
+          <a:prstGeom prst="notchedRightArrow">
+            <a:avLst/>
+          </a:prstGeom>
+        </p:spPr>
+        <p:style>
+          <a:lnRef idx="2">
+            <a:schemeClr val="accent1">
+              <a:shade val="50000"/>
+            </a:schemeClr>
+          </a:lnRef>
+          <a:fillRef idx="1">
+            <a:schemeClr val="accent1"/>
+          </a:fillRef>
+          <a:effectRef idx="0">
+            <a:schemeClr val="accent1"/>
+          </a:effectRef>
+          <a:fontRef idx="minor">
+            <a:schemeClr val="lt1"/>
+          </a:fontRef>
+        </p:style>
+        <p:txBody>
+          <a:bodyPr rtlCol="0" anchor="ctr"/>
           <a:lstStyle/>
           <a:p>
-            <a:r>
-              <a:rPr lang="en-US" sz="1000" dirty="0"/>
-              <a:t>Adsorptive Media	</a:t>
-            </a:r>
-          </a:p>
-          <a:p>
-            <a:r>
-              <a:rPr lang="en-US" sz="1000" dirty="0"/>
-              <a:t>Aeration and Air Stripping	</a:t>
-            </a:r>
-          </a:p>
-          <a:p>
-            <a:r>
-              <a:rPr lang="en-US" sz="1000" dirty="0"/>
-              <a:t>Biological Filtration	</a:t>
-            </a:r>
-          </a:p>
-          <a:p>
-            <a:r>
-              <a:rPr lang="en-US" sz="1000" dirty="0"/>
-              <a:t>Biological Treatment	</a:t>
-            </a:r>
-          </a:p>
-          <a:p>
-            <a:r>
-              <a:rPr lang="en-US" sz="1000" dirty="0"/>
-              <a:t>Chemical Treatment	</a:t>
-            </a:r>
-          </a:p>
-          <a:p>
-            <a:r>
-              <a:rPr lang="en-US" sz="1000" dirty="0"/>
-              <a:t>Chloramine	</a:t>
-            </a:r>
-          </a:p>
-          <a:p>
-            <a:r>
-              <a:rPr lang="en-US" sz="1000" dirty="0"/>
-              <a:t>Chlorine	</a:t>
-            </a:r>
-          </a:p>
-          <a:p>
-            <a:r>
-              <a:rPr lang="en-US" sz="1000" dirty="0"/>
-              <a:t>Chlorine Dioxide	</a:t>
-            </a:r>
-          </a:p>
-          <a:p>
-            <a:r>
-              <a:rPr lang="en-US" sz="1000" dirty="0"/>
-              <a:t>Conventional Treatment	</a:t>
-            </a:r>
-          </a:p>
-          <a:p>
-            <a:r>
-              <a:rPr lang="en-US" sz="1000" dirty="0"/>
-              <a:t>Diatomaceous Earth Filtration	</a:t>
-            </a:r>
-          </a:p>
-          <a:p>
-            <a:r>
-              <a:rPr lang="en-US" sz="1000" dirty="0"/>
-              <a:t>Direct Filtration	</a:t>
-            </a:r>
-          </a:p>
-          <a:p>
-            <a:r>
-              <a:rPr lang="en-US" sz="1000" dirty="0"/>
-              <a:t>GAC Isotherm	(includes PAC isotherms)</a:t>
-            </a:r>
-          </a:p>
-          <a:p>
-            <a:r>
-              <a:rPr lang="en-US" sz="1000" dirty="0"/>
-              <a:t>Granular Activated Carbon	</a:t>
-            </a:r>
-          </a:p>
-          <a:p>
-            <a:r>
-              <a:rPr lang="en-US" sz="1000" dirty="0"/>
-              <a:t>Hydrogen Peroxide	</a:t>
-            </a:r>
-          </a:p>
-          <a:p>
-            <a:r>
-              <a:rPr lang="en-US" sz="1000" dirty="0"/>
-              <a:t>Ion Exchange	Greensand Filtration</a:t>
-            </a:r>
-          </a:p>
-          <a:p>
-            <a:r>
-              <a:rPr lang="en-US" sz="1000" dirty="0"/>
-              <a:t>Membrane Filtration	Microfiltration and Ultrafiltration</a:t>
-            </a:r>
-          </a:p>
-          <a:p>
-            <a:r>
-              <a:rPr lang="en-US" sz="1000" dirty="0"/>
-              <a:t>Membrane Separation	</a:t>
-            </a:r>
-            <a:r>
-              <a:rPr lang="en-US" sz="1000" dirty="0" err="1"/>
-              <a:t>Nanofiltration</a:t>
-            </a:r>
-            <a:r>
-              <a:rPr lang="en-US" sz="1000" dirty="0"/>
-              <a:t>, Reverse Osmosis, </a:t>
-            </a:r>
-            <a:r>
-              <a:rPr lang="en-US" sz="1000" dirty="0" err="1"/>
-              <a:t>Electrodialysis</a:t>
-            </a:r>
-            <a:r>
-              <a:rPr lang="en-US" sz="1000" dirty="0"/>
-              <a:t>, and </a:t>
-            </a:r>
-            <a:r>
-              <a:rPr lang="en-US" sz="1000" dirty="0" err="1"/>
-              <a:t>Electrodialysis</a:t>
-            </a:r>
-            <a:r>
-              <a:rPr lang="en-US" sz="1000" dirty="0"/>
-              <a:t> Reversal</a:t>
-            </a:r>
-          </a:p>
-          <a:p>
-            <a:r>
-              <a:rPr lang="en-US" sz="1000" dirty="0"/>
-              <a:t>Other Treatment	</a:t>
-            </a:r>
-          </a:p>
-          <a:p>
-            <a:r>
-              <a:rPr lang="en-US" sz="1000" dirty="0"/>
-              <a:t>Ozone	</a:t>
-            </a:r>
-          </a:p>
-          <a:p>
-            <a:r>
-              <a:rPr lang="en-US" sz="1000" dirty="0"/>
-              <a:t>Ozone + Hydrogen Peroxide	</a:t>
-            </a:r>
-          </a:p>
-          <a:p>
-            <a:r>
-              <a:rPr lang="en-US" sz="1000" dirty="0"/>
-              <a:t>Permanganate	</a:t>
-            </a:r>
-          </a:p>
-          <a:p>
-            <a:r>
-              <a:rPr lang="en-US" sz="1000" dirty="0"/>
-              <a:t>Powdered Activated Carbon	</a:t>
-            </a:r>
-          </a:p>
-          <a:p>
-            <a:r>
-              <a:rPr lang="en-US" sz="1000" dirty="0"/>
-              <a:t>Precipitative Softening	</a:t>
-            </a:r>
-          </a:p>
-          <a:p>
-            <a:r>
-              <a:rPr lang="en-US" sz="1000" dirty="0"/>
-              <a:t>Pressure Filtration	Bag Filtration and Cartridge Filtration</a:t>
-            </a:r>
-          </a:p>
-          <a:p>
-            <a:r>
-              <a:rPr lang="en-US" sz="1000" dirty="0"/>
-              <a:t>Slow Sand Filtration	</a:t>
-            </a:r>
-          </a:p>
-          <a:p>
-            <a:r>
-              <a:rPr lang="en-US" sz="1000" dirty="0"/>
-              <a:t>Ultraviolet Irradiation	</a:t>
-            </a:r>
-          </a:p>
-          <a:p>
-            <a:r>
-              <a:rPr lang="en-US" sz="1000" dirty="0"/>
-              <a:t>Ultraviolet Irradiation + Hydrogen Peroxide	</a:t>
-            </a:r>
-          </a:p>
-          <a:p>
-            <a:r>
-              <a:rPr lang="en-US" sz="1000" dirty="0"/>
-              <a:t>Ultraviolet Irradiation + Ozone</a:t>
-            </a:r>
+            <a:pPr algn="ctr"/>
+            <a:r>
+              <a:rPr lang="en-US" dirty="0" smtClean="0"/>
+              <a:t>Trash rack</a:t>
+            </a:r>
+            <a:endParaRPr lang="en-US" dirty="0"/>
+          </a:p>
+        </p:txBody>
+      </p:sp>
+      <p:sp>
+        <p:nvSpPr>
+          <p:cNvPr id="4" name="Notched Right Arrow 3"/>
+          <p:cNvSpPr/>
+          <p:nvPr/>
+        </p:nvSpPr>
+        <p:spPr>
+          <a:xfrm>
+            <a:off x="3142887" y="2904763"/>
+            <a:ext cx="1751412" cy="785308"/>
+          </a:xfrm>
+          <a:prstGeom prst="notchedRightArrow">
+            <a:avLst/>
+          </a:prstGeom>
+          <a:ln w="57150">
+            <a:solidFill>
+              <a:srgbClr val="00B050"/>
+            </a:solidFill>
+            <a:prstDash val="dash"/>
+          </a:ln>
+        </p:spPr>
+        <p:style>
+          <a:lnRef idx="2">
+            <a:schemeClr val="accent1">
+              <a:shade val="50000"/>
+            </a:schemeClr>
+          </a:lnRef>
+          <a:fillRef idx="1">
+            <a:schemeClr val="accent1"/>
+          </a:fillRef>
+          <a:effectRef idx="0">
+            <a:schemeClr val="accent1"/>
+          </a:effectRef>
+          <a:fontRef idx="minor">
+            <a:schemeClr val="lt1"/>
+          </a:fontRef>
+        </p:style>
+        <p:txBody>
+          <a:bodyPr rtlCol="0" anchor="ctr"/>
+          <a:lstStyle/>
+          <a:p>
+            <a:pPr algn="ctr"/>
+            <a:r>
+              <a:rPr lang="en-US" dirty="0"/>
+              <a:t>F</a:t>
+            </a:r>
+            <a:r>
+              <a:rPr lang="en-US" dirty="0" smtClean="0"/>
+              <a:t>locculation</a:t>
+            </a:r>
+            <a:endParaRPr lang="en-US" dirty="0"/>
+          </a:p>
+        </p:txBody>
+      </p:sp>
+      <p:sp>
+        <p:nvSpPr>
+          <p:cNvPr id="5" name="Notched Right Arrow 4"/>
+          <p:cNvSpPr/>
+          <p:nvPr/>
+        </p:nvSpPr>
+        <p:spPr>
+          <a:xfrm>
+            <a:off x="6363683" y="2904763"/>
+            <a:ext cx="2062344" cy="785308"/>
+          </a:xfrm>
+          <a:prstGeom prst="notchedRightArrow">
+            <a:avLst/>
+          </a:prstGeom>
+          <a:solidFill>
+            <a:schemeClr val="accent1"/>
+          </a:solidFill>
+          <a:ln w="57150">
+            <a:solidFill>
+              <a:srgbClr val="00B050"/>
+            </a:solidFill>
+            <a:prstDash val="dash"/>
+          </a:ln>
+        </p:spPr>
+        <p:style>
+          <a:lnRef idx="2">
+            <a:schemeClr val="accent1">
+              <a:shade val="50000"/>
+            </a:schemeClr>
+          </a:lnRef>
+          <a:fillRef idx="1">
+            <a:schemeClr val="accent1"/>
+          </a:fillRef>
+          <a:effectRef idx="0">
+            <a:schemeClr val="accent1"/>
+          </a:effectRef>
+          <a:fontRef idx="minor">
+            <a:schemeClr val="lt1"/>
+          </a:fontRef>
+        </p:style>
+        <p:txBody>
+          <a:bodyPr rtlCol="0" anchor="ctr"/>
+          <a:lstStyle/>
+          <a:p>
+            <a:pPr algn="ctr"/>
+            <a:r>
+              <a:rPr lang="en-US" dirty="0" smtClean="0"/>
+              <a:t>Sedimentation</a:t>
+            </a:r>
+            <a:endParaRPr lang="en-US" dirty="0"/>
+          </a:p>
+        </p:txBody>
+      </p:sp>
+      <p:sp>
+        <p:nvSpPr>
+          <p:cNvPr id="6" name="Notched Right Arrow 5"/>
+          <p:cNvSpPr/>
+          <p:nvPr/>
+        </p:nvSpPr>
+        <p:spPr>
+          <a:xfrm>
+            <a:off x="8705523" y="3315372"/>
+            <a:ext cx="1688690" cy="785308"/>
+          </a:xfrm>
+          <a:prstGeom prst="notchedRightArrow">
+            <a:avLst/>
+          </a:prstGeom>
+          <a:ln w="57150">
+            <a:solidFill>
+              <a:srgbClr val="00B050"/>
+            </a:solidFill>
+            <a:prstDash val="dash"/>
+          </a:ln>
+        </p:spPr>
+        <p:style>
+          <a:lnRef idx="2">
+            <a:schemeClr val="accent1">
+              <a:shade val="50000"/>
+            </a:schemeClr>
+          </a:lnRef>
+          <a:fillRef idx="1">
+            <a:schemeClr val="accent1"/>
+          </a:fillRef>
+          <a:effectRef idx="0">
+            <a:schemeClr val="accent1"/>
+          </a:effectRef>
+          <a:fontRef idx="minor">
+            <a:schemeClr val="lt1"/>
+          </a:fontRef>
+        </p:style>
+        <p:txBody>
+          <a:bodyPr rtlCol="0" anchor="ctr"/>
+          <a:lstStyle/>
+          <a:p>
+            <a:pPr algn="ctr"/>
+            <a:r>
+              <a:rPr lang="en-US" dirty="0" smtClean="0"/>
+              <a:t>Rapid sand</a:t>
+            </a:r>
+            <a:endParaRPr lang="en-US" dirty="0"/>
+          </a:p>
+        </p:txBody>
+      </p:sp>
+      <p:sp>
+        <p:nvSpPr>
+          <p:cNvPr id="7" name="Notched Right Arrow 6"/>
+          <p:cNvSpPr/>
+          <p:nvPr/>
+        </p:nvSpPr>
+        <p:spPr>
+          <a:xfrm>
+            <a:off x="3216088" y="1576984"/>
+            <a:ext cx="7171817" cy="785308"/>
+          </a:xfrm>
+          <a:prstGeom prst="notchedRightArrow">
+            <a:avLst/>
+          </a:prstGeom>
+        </p:spPr>
+        <p:style>
+          <a:lnRef idx="2">
+            <a:schemeClr val="accent1">
+              <a:shade val="50000"/>
+            </a:schemeClr>
+          </a:lnRef>
+          <a:fillRef idx="1">
+            <a:schemeClr val="accent1"/>
+          </a:fillRef>
+          <a:effectRef idx="0">
+            <a:schemeClr val="accent1"/>
+          </a:effectRef>
+          <a:fontRef idx="minor">
+            <a:schemeClr val="lt1"/>
+          </a:fontRef>
+        </p:style>
+        <p:txBody>
+          <a:bodyPr rtlCol="0" anchor="ctr"/>
+          <a:lstStyle/>
+          <a:p>
+            <a:pPr algn="ctr"/>
+            <a:r>
+              <a:rPr lang="en-US" dirty="0" smtClean="0"/>
+              <a:t>Slow sand</a:t>
+            </a:r>
+            <a:endParaRPr lang="en-US" dirty="0"/>
+          </a:p>
+        </p:txBody>
+      </p:sp>
+      <p:sp>
+        <p:nvSpPr>
+          <p:cNvPr id="8" name="Notched Right Arrow 7"/>
+          <p:cNvSpPr/>
+          <p:nvPr/>
+        </p:nvSpPr>
+        <p:spPr>
+          <a:xfrm>
+            <a:off x="8679451" y="2472637"/>
+            <a:ext cx="1688690" cy="785308"/>
+          </a:xfrm>
+          <a:prstGeom prst="notchedRightArrow">
+            <a:avLst/>
+          </a:prstGeom>
+        </p:spPr>
+        <p:style>
+          <a:lnRef idx="2">
+            <a:schemeClr val="accent1">
+              <a:shade val="50000"/>
+            </a:schemeClr>
+          </a:lnRef>
+          <a:fillRef idx="1">
+            <a:schemeClr val="accent1"/>
+          </a:fillRef>
+          <a:effectRef idx="0">
+            <a:schemeClr val="accent1"/>
+          </a:effectRef>
+          <a:fontRef idx="minor">
+            <a:schemeClr val="lt1"/>
+          </a:fontRef>
+        </p:style>
+        <p:txBody>
+          <a:bodyPr rtlCol="0" anchor="ctr"/>
+          <a:lstStyle/>
+          <a:p>
+            <a:pPr algn="ctr"/>
+            <a:r>
+              <a:rPr lang="en-US" dirty="0" err="1" smtClean="0"/>
+              <a:t>StaRS</a:t>
+            </a:r>
+            <a:endParaRPr lang="en-US" dirty="0"/>
+          </a:p>
+        </p:txBody>
+      </p:sp>
+      <p:sp>
+        <p:nvSpPr>
+          <p:cNvPr id="9" name="Notched Right Arrow 8"/>
+          <p:cNvSpPr/>
+          <p:nvPr/>
+        </p:nvSpPr>
+        <p:spPr>
+          <a:xfrm>
+            <a:off x="307715" y="5652067"/>
+            <a:ext cx="2162287" cy="785308"/>
+          </a:xfrm>
+          <a:prstGeom prst="notchedRightArrow">
+            <a:avLst/>
+          </a:prstGeom>
+        </p:spPr>
+        <p:style>
+          <a:lnRef idx="2">
+            <a:schemeClr val="accent1">
+              <a:shade val="50000"/>
+            </a:schemeClr>
+          </a:lnRef>
+          <a:fillRef idx="1">
+            <a:schemeClr val="accent1"/>
+          </a:fillRef>
+          <a:effectRef idx="0">
+            <a:schemeClr val="accent1"/>
+          </a:effectRef>
+          <a:fontRef idx="minor">
+            <a:schemeClr val="lt1"/>
+          </a:fontRef>
+        </p:style>
+        <p:txBody>
+          <a:bodyPr rtlCol="0" anchor="ctr"/>
+          <a:lstStyle/>
+          <a:p>
+            <a:pPr algn="ctr"/>
+            <a:r>
+              <a:rPr lang="en-US" sz="1600" dirty="0" smtClean="0"/>
+              <a:t>Activated</a:t>
+            </a:r>
+            <a:r>
+              <a:rPr lang="en-US" dirty="0" smtClean="0"/>
+              <a:t> Carbon</a:t>
+            </a:r>
+            <a:endParaRPr lang="en-US" dirty="0"/>
+          </a:p>
+        </p:txBody>
+      </p:sp>
+      <p:sp>
+        <p:nvSpPr>
+          <p:cNvPr id="10" name="Notched Right Arrow 9"/>
+          <p:cNvSpPr/>
+          <p:nvPr/>
+        </p:nvSpPr>
+        <p:spPr>
+          <a:xfrm>
+            <a:off x="2342703" y="5652067"/>
+            <a:ext cx="2162287" cy="785308"/>
+          </a:xfrm>
+          <a:prstGeom prst="notchedRightArrow">
+            <a:avLst/>
+          </a:prstGeom>
+        </p:spPr>
+        <p:style>
+          <a:lnRef idx="2">
+            <a:schemeClr val="accent1">
+              <a:shade val="50000"/>
+            </a:schemeClr>
+          </a:lnRef>
+          <a:fillRef idx="1">
+            <a:schemeClr val="accent1"/>
+          </a:fillRef>
+          <a:effectRef idx="0">
+            <a:schemeClr val="accent1"/>
+          </a:effectRef>
+          <a:fontRef idx="minor">
+            <a:schemeClr val="lt1"/>
+          </a:fontRef>
+        </p:style>
+        <p:txBody>
+          <a:bodyPr rtlCol="0" anchor="ctr"/>
+          <a:lstStyle/>
+          <a:p>
+            <a:pPr algn="ctr"/>
+            <a:r>
+              <a:rPr lang="en-US" sz="1600" dirty="0" smtClean="0"/>
+              <a:t>Ion Exchange</a:t>
+            </a:r>
+            <a:endParaRPr lang="en-US" dirty="0"/>
+          </a:p>
+        </p:txBody>
+      </p:sp>
+      <p:sp>
+        <p:nvSpPr>
+          <p:cNvPr id="11" name="Notched Right Arrow 10"/>
+          <p:cNvSpPr/>
+          <p:nvPr/>
+        </p:nvSpPr>
+        <p:spPr>
+          <a:xfrm>
+            <a:off x="4377691" y="5652067"/>
+            <a:ext cx="2162287" cy="785308"/>
+          </a:xfrm>
+          <a:prstGeom prst="notchedRightArrow">
+            <a:avLst/>
+          </a:prstGeom>
+        </p:spPr>
+        <p:style>
+          <a:lnRef idx="2">
+            <a:schemeClr val="accent1">
+              <a:shade val="50000"/>
+            </a:schemeClr>
+          </a:lnRef>
+          <a:fillRef idx="1">
+            <a:schemeClr val="accent1"/>
+          </a:fillRef>
+          <a:effectRef idx="0">
+            <a:schemeClr val="accent1"/>
+          </a:effectRef>
+          <a:fontRef idx="minor">
+            <a:schemeClr val="lt1"/>
+          </a:fontRef>
+        </p:style>
+        <p:txBody>
+          <a:bodyPr rtlCol="0" anchor="ctr"/>
+          <a:lstStyle/>
+          <a:p>
+            <a:pPr algn="ctr"/>
+            <a:r>
+              <a:rPr lang="en-US" sz="1600" dirty="0" smtClean="0"/>
+              <a:t>Reverse Osmosis</a:t>
+            </a:r>
+            <a:endParaRPr lang="en-US" dirty="0"/>
+          </a:p>
+        </p:txBody>
+      </p:sp>
+      <p:sp>
+        <p:nvSpPr>
+          <p:cNvPr id="12" name="Notched Right Arrow 11"/>
+          <p:cNvSpPr/>
+          <p:nvPr/>
+        </p:nvSpPr>
+        <p:spPr>
+          <a:xfrm>
+            <a:off x="6412679" y="5652067"/>
+            <a:ext cx="2162287" cy="785308"/>
+          </a:xfrm>
+          <a:prstGeom prst="notchedRightArrow">
+            <a:avLst/>
+          </a:prstGeom>
+        </p:spPr>
+        <p:style>
+          <a:lnRef idx="2">
+            <a:schemeClr val="accent1">
+              <a:shade val="50000"/>
+            </a:schemeClr>
+          </a:lnRef>
+          <a:fillRef idx="1">
+            <a:schemeClr val="accent1"/>
+          </a:fillRef>
+          <a:effectRef idx="0">
+            <a:schemeClr val="accent1"/>
+          </a:effectRef>
+          <a:fontRef idx="minor">
+            <a:schemeClr val="lt1"/>
+          </a:fontRef>
+        </p:style>
+        <p:txBody>
+          <a:bodyPr rtlCol="0" anchor="ctr"/>
+          <a:lstStyle/>
+          <a:p>
+            <a:pPr algn="ctr"/>
+            <a:r>
+              <a:rPr lang="en-US" sz="1600" dirty="0" smtClean="0"/>
+              <a:t>AOP</a:t>
+            </a:r>
+            <a:endParaRPr lang="en-US" dirty="0"/>
+          </a:p>
+        </p:txBody>
+      </p:sp>
+      <p:sp>
+        <p:nvSpPr>
+          <p:cNvPr id="13" name="Rectangle 12"/>
+          <p:cNvSpPr/>
+          <p:nvPr/>
+        </p:nvSpPr>
+        <p:spPr>
+          <a:xfrm>
+            <a:off x="2979729" y="1756957"/>
+            <a:ext cx="236359" cy="1740623"/>
+          </a:xfrm>
+          <a:prstGeom prst="rect">
+            <a:avLst/>
+          </a:prstGeom>
+        </p:spPr>
+        <p:style>
+          <a:lnRef idx="2">
+            <a:schemeClr val="accent1">
+              <a:shade val="50000"/>
+            </a:schemeClr>
+          </a:lnRef>
+          <a:fillRef idx="1">
+            <a:schemeClr val="accent1"/>
+          </a:fillRef>
+          <a:effectRef idx="0">
+            <a:schemeClr val="accent1"/>
+          </a:effectRef>
+          <a:fontRef idx="minor">
+            <a:schemeClr val="lt1"/>
+          </a:fontRef>
+        </p:style>
+        <p:txBody>
+          <a:bodyPr rtlCol="0" anchor="ctr"/>
+          <a:lstStyle/>
+          <a:p>
+            <a:pPr algn="ctr"/>
+            <a:endParaRPr lang="en-US"/>
+          </a:p>
+        </p:txBody>
+      </p:sp>
+      <p:sp>
+        <p:nvSpPr>
+          <p:cNvPr id="14" name="Rectangle 13"/>
+          <p:cNvSpPr/>
+          <p:nvPr/>
+        </p:nvSpPr>
+        <p:spPr>
+          <a:xfrm>
+            <a:off x="8426028" y="2666433"/>
+            <a:ext cx="253424" cy="2212268"/>
+          </a:xfrm>
+          <a:prstGeom prst="rect">
+            <a:avLst/>
+          </a:prstGeom>
+        </p:spPr>
+        <p:style>
+          <a:lnRef idx="2">
+            <a:schemeClr val="accent1">
+              <a:shade val="50000"/>
+            </a:schemeClr>
+          </a:lnRef>
+          <a:fillRef idx="1">
+            <a:schemeClr val="accent1"/>
+          </a:fillRef>
+          <a:effectRef idx="0">
+            <a:schemeClr val="accent1"/>
+          </a:effectRef>
+          <a:fontRef idx="minor">
+            <a:schemeClr val="lt1"/>
+          </a:fontRef>
+        </p:style>
+        <p:txBody>
+          <a:bodyPr rtlCol="0" anchor="ctr"/>
+          <a:lstStyle/>
+          <a:p>
+            <a:pPr algn="ctr"/>
+            <a:endParaRPr lang="en-US"/>
+          </a:p>
+        </p:txBody>
+      </p:sp>
+      <p:sp>
+        <p:nvSpPr>
+          <p:cNvPr id="15" name="Rectangle 14"/>
+          <p:cNvSpPr/>
+          <p:nvPr/>
+        </p:nvSpPr>
+        <p:spPr>
+          <a:xfrm>
+            <a:off x="10387906" y="1932658"/>
+            <a:ext cx="184010" cy="2639342"/>
+          </a:xfrm>
+          <a:prstGeom prst="rect">
+            <a:avLst/>
+          </a:prstGeom>
+        </p:spPr>
+        <p:style>
+          <a:lnRef idx="2">
+            <a:schemeClr val="accent1">
+              <a:shade val="50000"/>
+            </a:schemeClr>
+          </a:lnRef>
+          <a:fillRef idx="1">
+            <a:schemeClr val="accent1"/>
+          </a:fillRef>
+          <a:effectRef idx="0">
+            <a:schemeClr val="accent1"/>
+          </a:effectRef>
+          <a:fontRef idx="minor">
+            <a:schemeClr val="lt1"/>
+          </a:fontRef>
+        </p:style>
+        <p:txBody>
+          <a:bodyPr rtlCol="0" anchor="ctr"/>
+          <a:lstStyle/>
+          <a:p>
+            <a:pPr algn="ctr"/>
+            <a:endParaRPr lang="en-US"/>
+          </a:p>
+        </p:txBody>
+      </p:sp>
+      <p:sp>
+        <p:nvSpPr>
+          <p:cNvPr id="16" name="Notched Right Arrow 15"/>
+          <p:cNvSpPr/>
+          <p:nvPr/>
+        </p:nvSpPr>
+        <p:spPr>
+          <a:xfrm>
+            <a:off x="8699128" y="5215661"/>
+            <a:ext cx="1324982" cy="785308"/>
+          </a:xfrm>
+          <a:prstGeom prst="notchedRightArrow">
+            <a:avLst/>
+          </a:prstGeom>
+        </p:spPr>
+        <p:style>
+          <a:lnRef idx="2">
+            <a:schemeClr val="accent1">
+              <a:shade val="50000"/>
+            </a:schemeClr>
+          </a:lnRef>
+          <a:fillRef idx="1">
+            <a:schemeClr val="accent1"/>
+          </a:fillRef>
+          <a:effectRef idx="0">
+            <a:schemeClr val="accent1"/>
+          </a:effectRef>
+          <a:fontRef idx="minor">
+            <a:schemeClr val="lt1"/>
+          </a:fontRef>
+        </p:style>
+        <p:txBody>
+          <a:bodyPr rtlCol="0" anchor="ctr"/>
+          <a:lstStyle/>
+          <a:p>
+            <a:pPr algn="ctr"/>
+            <a:r>
+              <a:rPr lang="en-US" sz="1600" dirty="0" smtClean="0"/>
+              <a:t>UV</a:t>
+            </a:r>
+            <a:endParaRPr lang="en-US" dirty="0"/>
+          </a:p>
+        </p:txBody>
+      </p:sp>
+      <p:cxnSp>
+        <p:nvCxnSpPr>
+          <p:cNvPr id="18" name="Elbow Connector 17"/>
+          <p:cNvCxnSpPr>
+            <a:stCxn id="15" idx="3"/>
+            <a:endCxn id="9" idx="1"/>
+          </p:cNvCxnSpPr>
+          <p:nvPr/>
+        </p:nvCxnSpPr>
+        <p:spPr>
+          <a:xfrm flipH="1">
+            <a:off x="504042" y="3252329"/>
+            <a:ext cx="10067874" cy="2792392"/>
+          </a:xfrm>
+          <a:prstGeom prst="bentConnector5">
+            <a:avLst>
+              <a:gd name="adj1" fmla="val -2271"/>
+              <a:gd name="adj2" fmla="val 66599"/>
+              <a:gd name="adj3" fmla="val 103520"/>
+            </a:avLst>
+          </a:prstGeom>
+          <a:ln w="76200">
+            <a:headEnd type="none" w="med" len="med"/>
+            <a:tailEnd type="triangle" w="med" len="med"/>
+          </a:ln>
+        </p:spPr>
+        <p:style>
+          <a:lnRef idx="1">
+            <a:schemeClr val="accent1"/>
+          </a:lnRef>
+          <a:fillRef idx="0">
+            <a:schemeClr val="accent1"/>
+          </a:fillRef>
+          <a:effectRef idx="0">
+            <a:schemeClr val="accent1"/>
+          </a:effectRef>
+          <a:fontRef idx="minor">
+            <a:schemeClr val="tx1"/>
+          </a:fontRef>
+        </p:style>
+      </p:cxnSp>
+      <p:sp>
+        <p:nvSpPr>
+          <p:cNvPr id="22" name="Notched Right Arrow 21"/>
+          <p:cNvSpPr/>
+          <p:nvPr/>
+        </p:nvSpPr>
+        <p:spPr>
+          <a:xfrm>
+            <a:off x="1609543" y="2136847"/>
+            <a:ext cx="1349450" cy="785308"/>
+          </a:xfrm>
+          <a:prstGeom prst="notchedRightArrow">
+            <a:avLst/>
+          </a:prstGeom>
+        </p:spPr>
+        <p:style>
+          <a:lnRef idx="2">
+            <a:schemeClr val="accent1">
+              <a:shade val="50000"/>
+            </a:schemeClr>
+          </a:lnRef>
+          <a:fillRef idx="1">
+            <a:schemeClr val="accent1"/>
+          </a:fillRef>
+          <a:effectRef idx="0">
+            <a:schemeClr val="accent1"/>
+          </a:effectRef>
+          <a:fontRef idx="minor">
+            <a:schemeClr val="lt1"/>
+          </a:fontRef>
+        </p:style>
+        <p:txBody>
+          <a:bodyPr rtlCol="0" anchor="ctr"/>
+          <a:lstStyle/>
+          <a:p>
+            <a:pPr algn="ctr"/>
+            <a:r>
+              <a:rPr lang="en-US" sz="1600" dirty="0" smtClean="0"/>
+              <a:t>Aeration</a:t>
+            </a:r>
+            <a:endParaRPr lang="en-US" dirty="0"/>
+          </a:p>
+        </p:txBody>
+      </p:sp>
+      <p:sp>
+        <p:nvSpPr>
+          <p:cNvPr id="27" name="Notched Right Arrow 26"/>
+          <p:cNvSpPr/>
+          <p:nvPr/>
+        </p:nvSpPr>
+        <p:spPr>
+          <a:xfrm>
+            <a:off x="8699128" y="6054579"/>
+            <a:ext cx="1324982" cy="785308"/>
+          </a:xfrm>
+          <a:prstGeom prst="notchedRightArrow">
+            <a:avLst/>
+          </a:prstGeom>
+        </p:spPr>
+        <p:style>
+          <a:lnRef idx="2">
+            <a:schemeClr val="accent1">
+              <a:shade val="50000"/>
+            </a:schemeClr>
+          </a:lnRef>
+          <a:fillRef idx="1">
+            <a:schemeClr val="accent1"/>
+          </a:fillRef>
+          <a:effectRef idx="0">
+            <a:schemeClr val="accent1"/>
+          </a:effectRef>
+          <a:fontRef idx="minor">
+            <a:schemeClr val="lt1"/>
+          </a:fontRef>
+        </p:style>
+        <p:txBody>
+          <a:bodyPr rtlCol="0" anchor="ctr"/>
+          <a:lstStyle/>
+          <a:p>
+            <a:pPr algn="ctr"/>
+            <a:r>
+              <a:rPr lang="en-US" sz="1600" dirty="0" smtClean="0"/>
+              <a:t>Ozone</a:t>
+            </a:r>
+            <a:endParaRPr lang="en-US" dirty="0"/>
+          </a:p>
+        </p:txBody>
+      </p:sp>
+      <p:sp>
+        <p:nvSpPr>
+          <p:cNvPr id="28" name="Notched Right Arrow 27"/>
+          <p:cNvSpPr/>
+          <p:nvPr/>
+        </p:nvSpPr>
+        <p:spPr>
+          <a:xfrm>
+            <a:off x="10350691" y="5652067"/>
+            <a:ext cx="1324982" cy="785308"/>
+          </a:xfrm>
+          <a:prstGeom prst="notchedRightArrow">
+            <a:avLst/>
+          </a:prstGeom>
+        </p:spPr>
+        <p:style>
+          <a:lnRef idx="2">
+            <a:schemeClr val="accent1">
+              <a:shade val="50000"/>
+            </a:schemeClr>
+          </a:lnRef>
+          <a:fillRef idx="1">
+            <a:schemeClr val="accent1"/>
+          </a:fillRef>
+          <a:effectRef idx="0">
+            <a:schemeClr val="accent1"/>
+          </a:effectRef>
+          <a:fontRef idx="minor">
+            <a:schemeClr val="lt1"/>
+          </a:fontRef>
+        </p:style>
+        <p:txBody>
+          <a:bodyPr rtlCol="0" anchor="ctr"/>
+          <a:lstStyle/>
+          <a:p>
+            <a:pPr algn="ctr"/>
+            <a:r>
+              <a:rPr lang="en-US" sz="1600" dirty="0"/>
+              <a:t>C</a:t>
+            </a:r>
+            <a:r>
+              <a:rPr lang="en-US" sz="1600" dirty="0" smtClean="0"/>
+              <a:t>hlorine</a:t>
+            </a:r>
+            <a:endParaRPr lang="en-US" dirty="0"/>
+          </a:p>
+        </p:txBody>
+      </p:sp>
+      <p:sp>
+        <p:nvSpPr>
+          <p:cNvPr id="32" name="TextBox 31"/>
+          <p:cNvSpPr txBox="1"/>
+          <p:nvPr/>
+        </p:nvSpPr>
+        <p:spPr>
+          <a:xfrm>
+            <a:off x="4711115" y="2327381"/>
+            <a:ext cx="2499380" cy="369332"/>
+          </a:xfrm>
+          <a:prstGeom prst="rect">
+            <a:avLst/>
+          </a:prstGeom>
+          <a:noFill/>
+          <a:ln w="28575">
+            <a:solidFill>
+              <a:srgbClr val="00B050"/>
+            </a:solidFill>
+            <a:prstDash val="dash"/>
+          </a:ln>
+        </p:spPr>
+        <p:txBody>
+          <a:bodyPr wrap="square" rtlCol="0">
+            <a:spAutoFit/>
+          </a:bodyPr>
+          <a:lstStyle/>
+          <a:p>
+            <a:r>
+              <a:rPr lang="en-US" dirty="0" smtClean="0"/>
+              <a:t>Conventional treatment</a:t>
+            </a:r>
+            <a:endParaRPr lang="en-US" dirty="0"/>
+          </a:p>
+        </p:txBody>
+      </p:sp>
+      <p:sp>
+        <p:nvSpPr>
+          <p:cNvPr id="33" name="Notched Right Arrow 32"/>
+          <p:cNvSpPr/>
+          <p:nvPr/>
+        </p:nvSpPr>
+        <p:spPr>
+          <a:xfrm>
+            <a:off x="4740932" y="2904763"/>
+            <a:ext cx="1792633" cy="785308"/>
+          </a:xfrm>
+          <a:prstGeom prst="notchedRightArrow">
+            <a:avLst/>
+          </a:prstGeom>
+        </p:spPr>
+        <p:style>
+          <a:lnRef idx="2">
+            <a:schemeClr val="accent1">
+              <a:shade val="50000"/>
+            </a:schemeClr>
+          </a:lnRef>
+          <a:fillRef idx="1">
+            <a:schemeClr val="accent1"/>
+          </a:fillRef>
+          <a:effectRef idx="0">
+            <a:schemeClr val="accent1"/>
+          </a:effectRef>
+          <a:fontRef idx="minor">
+            <a:schemeClr val="lt1"/>
+          </a:fontRef>
+        </p:style>
+        <p:txBody>
+          <a:bodyPr rtlCol="0" anchor="ctr"/>
+          <a:lstStyle/>
+          <a:p>
+            <a:pPr algn="ctr"/>
+            <a:r>
+              <a:rPr lang="en-US" dirty="0" smtClean="0"/>
+              <a:t>Floc Blanket</a:t>
+            </a:r>
+            <a:endParaRPr lang="en-US" dirty="0"/>
+          </a:p>
+        </p:txBody>
+      </p:sp>
+      <p:sp>
+        <p:nvSpPr>
+          <p:cNvPr id="36" name="Rectangle 35"/>
+          <p:cNvSpPr/>
+          <p:nvPr/>
+        </p:nvSpPr>
+        <p:spPr>
+          <a:xfrm>
+            <a:off x="8426027" y="5461711"/>
+            <a:ext cx="273102" cy="1166020"/>
+          </a:xfrm>
+          <a:prstGeom prst="rect">
+            <a:avLst/>
+          </a:prstGeom>
+        </p:spPr>
+        <p:style>
+          <a:lnRef idx="2">
+            <a:schemeClr val="accent1">
+              <a:shade val="50000"/>
+            </a:schemeClr>
+          </a:lnRef>
+          <a:fillRef idx="1">
+            <a:schemeClr val="accent1"/>
+          </a:fillRef>
+          <a:effectRef idx="0">
+            <a:schemeClr val="accent1"/>
+          </a:effectRef>
+          <a:fontRef idx="minor">
+            <a:schemeClr val="lt1"/>
+          </a:fontRef>
+        </p:style>
+        <p:txBody>
+          <a:bodyPr rtlCol="0" anchor="ctr"/>
+          <a:lstStyle/>
+          <a:p>
+            <a:pPr algn="ctr"/>
+            <a:endParaRPr lang="en-US"/>
+          </a:p>
+        </p:txBody>
+      </p:sp>
+      <p:sp>
+        <p:nvSpPr>
+          <p:cNvPr id="40" name="Rectangle 39"/>
+          <p:cNvSpPr/>
+          <p:nvPr/>
+        </p:nvSpPr>
+        <p:spPr>
+          <a:xfrm>
+            <a:off x="10061119" y="5461711"/>
+            <a:ext cx="273102" cy="1166020"/>
+          </a:xfrm>
+          <a:prstGeom prst="rect">
+            <a:avLst/>
+          </a:prstGeom>
+        </p:spPr>
+        <p:style>
+          <a:lnRef idx="2">
+            <a:schemeClr val="accent1">
+              <a:shade val="50000"/>
+            </a:schemeClr>
+          </a:lnRef>
+          <a:fillRef idx="1">
+            <a:schemeClr val="accent1"/>
+          </a:fillRef>
+          <a:effectRef idx="0">
+            <a:schemeClr val="accent1"/>
+          </a:effectRef>
+          <a:fontRef idx="minor">
+            <a:schemeClr val="lt1"/>
+          </a:fontRef>
+        </p:style>
+        <p:txBody>
+          <a:bodyPr rtlCol="0" anchor="ctr"/>
+          <a:lstStyle/>
+          <a:p>
+            <a:pPr algn="ctr"/>
+            <a:endParaRPr lang="en-US"/>
+          </a:p>
+        </p:txBody>
+      </p:sp>
+      <p:sp>
+        <p:nvSpPr>
+          <p:cNvPr id="43" name="Notched Right Arrow 42"/>
+          <p:cNvSpPr/>
+          <p:nvPr/>
+        </p:nvSpPr>
+        <p:spPr>
+          <a:xfrm>
+            <a:off x="8705523" y="4183281"/>
+            <a:ext cx="1688690" cy="785308"/>
+          </a:xfrm>
+          <a:prstGeom prst="notchedRightArrow">
+            <a:avLst/>
+          </a:prstGeom>
+        </p:spPr>
+        <p:style>
+          <a:lnRef idx="2">
+            <a:schemeClr val="accent1">
+              <a:shade val="50000"/>
+            </a:schemeClr>
+          </a:lnRef>
+          <a:fillRef idx="1">
+            <a:schemeClr val="accent1"/>
+          </a:fillRef>
+          <a:effectRef idx="0">
+            <a:schemeClr val="accent1"/>
+          </a:effectRef>
+          <a:fontRef idx="minor">
+            <a:schemeClr val="lt1"/>
+          </a:fontRef>
+        </p:style>
+        <p:txBody>
+          <a:bodyPr rtlCol="0" anchor="ctr"/>
+          <a:lstStyle/>
+          <a:p>
+            <a:pPr algn="ctr"/>
+            <a:r>
+              <a:rPr lang="en-US" dirty="0" smtClean="0"/>
+              <a:t>Membrane</a:t>
+            </a:r>
+            <a:endParaRPr lang="en-US" dirty="0"/>
           </a:p>
         </p:txBody>
       </p:sp>
     </p:spTree>
     <p:extLst>
       <p:ext uri="{BB962C8B-B14F-4D97-AF65-F5344CB8AC3E}">
-        <p14:creationId xmlns:p14="http://schemas.microsoft.com/office/powerpoint/2010/main" val="3128544770"/>
+        <p14:creationId xmlns:p14="http://schemas.microsoft.com/office/powerpoint/2010/main" val="2519305067"/>
       </p:ext>
     </p:extLst>
   </p:cSld>
@@ -9246,6 +11123,13 @@
   <p:transition>
     <p:fade/>
   </p:transition>
+  <p:timing>
+    <p:tnLst>
+      <p:par>
+        <p:cTn id="1" dur="indefinite" restart="never" nodeType="tmRoot"/>
+      </p:par>
+    </p:tnLst>
+  </p:timing>
 </p:sld>
 </file>
 
@@ -9283,80 +11167,145 @@
           <a:p>
             <a:r>
               <a:rPr lang="en-US" dirty="0" smtClean="0"/>
-              <a:t>Water sources</a:t>
+              <a:t>Unit Process </a:t>
+            </a:r>
+            <a:r>
+              <a:rPr lang="en-US" dirty="0" smtClean="0"/>
+              <a:t>Summary Table</a:t>
             </a:r>
             <a:endParaRPr lang="en-US" dirty="0"/>
           </a:p>
         </p:txBody>
       </p:sp>
-      <p:pic>
-        <p:nvPicPr>
-          <p:cNvPr id="1026" name="Picture 2" descr="Diagram showing source and use of freshwater in the U.S. in 2015, by category"/>
-          <p:cNvPicPr>
-            <a:picLocks noChangeAspect="1" noChangeArrowheads="1"/>
-          </p:cNvPicPr>
-          <p:nvPr/>
-        </p:nvPicPr>
-        <p:blipFill>
-          <a:blip r:embed="rId2">
-            <a:extLst>
-              <a:ext uri="{28A0092B-C50C-407E-A947-70E740481C1C}">
-                <a14:useLocalDpi xmlns:a14="http://schemas.microsoft.com/office/drawing/2010/main" val="0"/>
-              </a:ext>
-            </a:extLst>
-          </a:blip>
-          <a:srcRect/>
-          <a:stretch>
-            <a:fillRect/>
-          </a:stretch>
-        </p:blipFill>
-        <p:spPr bwMode="auto">
-          <a:xfrm>
-            <a:off x="609600" y="1803756"/>
-            <a:ext cx="5763457" cy="4723602"/>
-          </a:xfrm>
-          <a:prstGeom prst="rect">
-            <a:avLst/>
-          </a:prstGeom>
-          <a:noFill/>
-          <a:extLst>
-            <a:ext uri="{909E8E84-426E-40DD-AFC4-6F175D3DCCD1}">
-              <a14:hiddenFill xmlns:a14="http://schemas.microsoft.com/office/drawing/2010/main">
-                <a:solidFill>
-                  <a:srgbClr val="FFFFFF"/>
-                </a:solidFill>
-              </a14:hiddenFill>
-            </a:ext>
-          </a:extLst>
-        </p:spPr>
-      </p:pic>
-      <p:sp>
-        <p:nvSpPr>
-          <p:cNvPr id="3" name="Rectangle 2"/>
-          <p:cNvSpPr/>
-          <p:nvPr/>
-        </p:nvSpPr>
-        <p:spPr>
-          <a:xfrm>
-            <a:off x="6373057" y="5604028"/>
-            <a:ext cx="6096000" cy="923330"/>
-          </a:xfrm>
-          <a:prstGeom prst="rect">
-            <a:avLst/>
-          </a:prstGeom>
-        </p:spPr>
-        <p:txBody>
-          <a:bodyPr>
-            <a:spAutoFit/>
-          </a:bodyPr>
+      <p:sp>
+        <p:nvSpPr>
+          <p:cNvPr id="3" name="Content Placeholder 2"/>
+          <p:cNvSpPr>
+            <a:spLocks noGrp="1"/>
+          </p:cNvSpPr>
+          <p:nvPr>
+            <p:ph idx="1"/>
+          </p:nvPr>
+        </p:nvSpPr>
+        <p:spPr/>
+        <p:txBody>
+          <a:bodyPr/>
           <a:lstStyle/>
           <a:p>
             <a:r>
-              <a:rPr lang="en-US" dirty="0">
-                <a:hlinkClick r:id="rId3"/>
-              </a:rPr>
-              <a:t>https://www.usgs.gov/special-topic/water-science-school/science/groundwater-use-united-states?qt-science_center_objects=0#qt-science_center_objects</a:t>
-            </a:r>
+              <a:rPr lang="en-US" dirty="0" smtClean="0"/>
+              <a:t>Required upstream </a:t>
+            </a:r>
+            <a:r>
+              <a:rPr lang="en-US" dirty="0" smtClean="0"/>
+              <a:t>and </a:t>
+            </a:r>
+            <a:r>
+              <a:rPr lang="en-US" dirty="0" smtClean="0"/>
+              <a:t>downstream </a:t>
+            </a:r>
+            <a:r>
+              <a:rPr lang="en-US" dirty="0" smtClean="0"/>
+              <a:t>UPs</a:t>
+            </a:r>
+            <a:endParaRPr lang="en-US" dirty="0" smtClean="0"/>
+          </a:p>
+          <a:p>
+            <a:pPr lvl="1"/>
+            <a:r>
+              <a:rPr lang="en-US" dirty="0" smtClean="0"/>
+              <a:t>Contaminants that must be removed prior to UP </a:t>
+            </a:r>
+            <a:endParaRPr lang="en-US" dirty="0" smtClean="0"/>
+          </a:p>
+          <a:p>
+            <a:r>
+              <a:rPr lang="en-US" dirty="0" smtClean="0"/>
+              <a:t>How </a:t>
+            </a:r>
+            <a:r>
+              <a:rPr lang="en-US" dirty="0" smtClean="0"/>
+              <a:t>does it work?</a:t>
+            </a:r>
+          </a:p>
+          <a:p>
+            <a:r>
+              <a:rPr lang="en-US" dirty="0" smtClean="0"/>
+              <a:t>What </a:t>
+            </a:r>
+            <a:r>
+              <a:rPr lang="en-US" dirty="0"/>
+              <a:t>types of contaminants does it </a:t>
+            </a:r>
+            <a:r>
+              <a:rPr lang="en-US" dirty="0" smtClean="0"/>
+              <a:t>remove?</a:t>
+            </a:r>
+          </a:p>
+          <a:p>
+            <a:r>
+              <a:rPr lang="en-US" dirty="0"/>
+              <a:t>Efficiency of removing contaminant</a:t>
+            </a:r>
+          </a:p>
+          <a:p>
+            <a:r>
+              <a:rPr lang="en-US" dirty="0"/>
+              <a:t>Efficiency of producing </a:t>
+            </a:r>
+            <a:r>
+              <a:rPr lang="en-US" dirty="0" smtClean="0"/>
+              <a:t>water</a:t>
+            </a:r>
+            <a:endParaRPr lang="en-US" dirty="0" smtClean="0"/>
+          </a:p>
+          <a:p>
+            <a:r>
+              <a:rPr lang="en-US" dirty="0" smtClean="0"/>
+              <a:t>What </a:t>
+            </a:r>
+            <a:r>
+              <a:rPr lang="en-US" dirty="0" smtClean="0"/>
+              <a:t>inputs </a:t>
+            </a:r>
+            <a:r>
+              <a:rPr lang="en-US" dirty="0" smtClean="0"/>
+              <a:t>(energy and chemicals) does it </a:t>
+            </a:r>
+            <a:r>
+              <a:rPr lang="en-US" dirty="0" smtClean="0"/>
+              <a:t>require?</a:t>
+            </a:r>
+          </a:p>
+          <a:p>
+            <a:r>
+              <a:rPr lang="en-US" dirty="0" smtClean="0"/>
+              <a:t>Range </a:t>
+            </a:r>
+            <a:r>
+              <a:rPr lang="en-US" dirty="0"/>
+              <a:t>of approach </a:t>
+            </a:r>
+            <a:r>
+              <a:rPr lang="en-US" dirty="0" smtClean="0"/>
+              <a:t>velocities and hydraulic </a:t>
+            </a:r>
+            <a:r>
+              <a:rPr lang="en-US" dirty="0"/>
+              <a:t>residence times</a:t>
+            </a:r>
+          </a:p>
+          <a:p>
+            <a:r>
+              <a:rPr lang="en-US" dirty="0" smtClean="0"/>
+              <a:t>Type </a:t>
+            </a:r>
+            <a:r>
+              <a:rPr lang="en-US" dirty="0"/>
+              <a:t>of waste stream produced and disposal requirements</a:t>
+            </a:r>
+          </a:p>
+          <a:p>
             <a:endParaRPr lang="en-US" dirty="0"/>
           </a:p>
         </p:txBody>
@@ -9364,7 +11313,7 @@
     </p:spTree>
     <p:extLst>
       <p:ext uri="{BB962C8B-B14F-4D97-AF65-F5344CB8AC3E}">
-        <p14:creationId xmlns:p14="http://schemas.microsoft.com/office/powerpoint/2010/main" val="1680287632"/>
+        <p14:creationId xmlns:p14="http://schemas.microsoft.com/office/powerpoint/2010/main" val="504470962"/>
       </p:ext>
     </p:extLst>
   </p:cSld>
@@ -9417,602 +11366,54 @@
           <a:lstStyle/>
           <a:p>
             <a:r>
+              <a:rPr lang="en-US" sz="4000" dirty="0" smtClean="0"/>
+              <a:t>How do consulting firms, construction firms, venders, municipalities (clients) create a project?</a:t>
+            </a:r>
+            <a:endParaRPr lang="en-US" sz="4000" dirty="0"/>
+          </a:p>
+        </p:txBody>
+      </p:sp>
+      <p:sp>
+        <p:nvSpPr>
+          <p:cNvPr id="3" name="Content Placeholder 2"/>
+          <p:cNvSpPr>
+            <a:spLocks noGrp="1"/>
+          </p:cNvSpPr>
+          <p:nvPr>
+            <p:ph idx="1"/>
+          </p:nvPr>
+        </p:nvSpPr>
+        <p:spPr/>
+        <p:txBody>
+          <a:bodyPr/>
+          <a:lstStyle/>
+          <a:p>
+            <a:r>
               <a:rPr lang="en-US" dirty="0" smtClean="0"/>
-              <a:t>Generalize the design process </a:t>
-            </a:r>
+              <a:t>We will hear about this process from Tori Klug and Michael Adelman (Engineers at </a:t>
+            </a:r>
+            <a:r>
+              <a:rPr lang="en-US" dirty="0" err="1" smtClean="0"/>
+              <a:t>Stantec</a:t>
+            </a:r>
+            <a:r>
+              <a:rPr lang="en-US" dirty="0" smtClean="0"/>
+              <a:t>) later in the </a:t>
+            </a:r>
+            <a:r>
+              <a:rPr lang="en-US" dirty="0" smtClean="0"/>
+              <a:t>semester</a:t>
+            </a:r>
+          </a:p>
+          <a:p>
             <a:endParaRPr lang="en-US" dirty="0"/>
-          </a:p>
-        </p:txBody>
-      </p:sp>
-      <p:sp>
-        <p:nvSpPr>
-          <p:cNvPr id="4" name="Oval 3"/>
-          <p:cNvSpPr/>
-          <p:nvPr/>
-        </p:nvSpPr>
-        <p:spPr>
-          <a:xfrm>
-            <a:off x="1414300" y="3964544"/>
-            <a:ext cx="2183524" cy="914400"/>
-          </a:xfrm>
-          <a:prstGeom prst="ellipse">
-            <a:avLst/>
-          </a:prstGeom>
-        </p:spPr>
-        <p:style>
-          <a:lnRef idx="2">
-            <a:schemeClr val="accent1">
-              <a:shade val="50000"/>
-            </a:schemeClr>
-          </a:lnRef>
-          <a:fillRef idx="1">
-            <a:schemeClr val="accent1"/>
-          </a:fillRef>
-          <a:effectRef idx="0">
-            <a:schemeClr val="accent1"/>
-          </a:effectRef>
-          <a:fontRef idx="minor">
-            <a:schemeClr val="lt1"/>
-          </a:fontRef>
-        </p:style>
-        <p:txBody>
-          <a:bodyPr rtlCol="0" anchor="ctr"/>
-          <a:lstStyle/>
-          <a:p>
-            <a:pPr algn="ctr"/>
-            <a:r>
-              <a:rPr lang="en-US" dirty="0" smtClean="0"/>
-              <a:t>Regulations</a:t>
-            </a:r>
-            <a:endParaRPr lang="en-US" dirty="0"/>
-          </a:p>
-        </p:txBody>
-      </p:sp>
-      <p:sp>
-        <p:nvSpPr>
-          <p:cNvPr id="5" name="Oval 4"/>
-          <p:cNvSpPr/>
-          <p:nvPr/>
-        </p:nvSpPr>
-        <p:spPr>
-          <a:xfrm>
-            <a:off x="1394593" y="5149585"/>
-            <a:ext cx="2183524" cy="914400"/>
-          </a:xfrm>
-          <a:prstGeom prst="ellipse">
-            <a:avLst/>
-          </a:prstGeom>
-        </p:spPr>
-        <p:style>
-          <a:lnRef idx="2">
-            <a:schemeClr val="accent1">
-              <a:shade val="50000"/>
-            </a:schemeClr>
-          </a:lnRef>
-          <a:fillRef idx="1">
-            <a:schemeClr val="accent1"/>
-          </a:fillRef>
-          <a:effectRef idx="0">
-            <a:schemeClr val="accent1"/>
-          </a:effectRef>
-          <a:fontRef idx="minor">
-            <a:schemeClr val="lt1"/>
-          </a:fontRef>
-        </p:style>
-        <p:txBody>
-          <a:bodyPr rtlCol="0" anchor="ctr"/>
-          <a:lstStyle/>
-          <a:p>
-            <a:pPr algn="ctr"/>
-            <a:r>
-              <a:rPr lang="en-US" dirty="0" smtClean="0"/>
-              <a:t>Client needs</a:t>
-            </a:r>
-            <a:endParaRPr lang="en-US" dirty="0"/>
-          </a:p>
-        </p:txBody>
-      </p:sp>
-      <p:sp>
-        <p:nvSpPr>
-          <p:cNvPr id="6" name="Oval 5"/>
-          <p:cNvSpPr/>
-          <p:nvPr/>
-        </p:nvSpPr>
-        <p:spPr>
-          <a:xfrm>
-            <a:off x="4517477" y="1737665"/>
-            <a:ext cx="2183524" cy="914400"/>
-          </a:xfrm>
-          <a:prstGeom prst="ellipse">
-            <a:avLst/>
-          </a:prstGeom>
-        </p:spPr>
-        <p:style>
-          <a:lnRef idx="2">
-            <a:schemeClr val="accent1">
-              <a:shade val="50000"/>
-            </a:schemeClr>
-          </a:lnRef>
-          <a:fillRef idx="1">
-            <a:schemeClr val="accent1"/>
-          </a:fillRef>
-          <a:effectRef idx="0">
-            <a:schemeClr val="accent1"/>
-          </a:effectRef>
-          <a:fontRef idx="minor">
-            <a:schemeClr val="lt1"/>
-          </a:fontRef>
-        </p:style>
-        <p:txBody>
-          <a:bodyPr rtlCol="0" anchor="ctr"/>
-          <a:lstStyle/>
-          <a:p>
-            <a:pPr algn="ctr"/>
-            <a:r>
-              <a:rPr lang="en-US" dirty="0" smtClean="0"/>
-              <a:t>Possible Unit Processes</a:t>
-            </a:r>
-            <a:endParaRPr lang="en-US" dirty="0"/>
-          </a:p>
-        </p:txBody>
-      </p:sp>
-      <p:sp>
-        <p:nvSpPr>
-          <p:cNvPr id="7" name="Oval 6"/>
-          <p:cNvSpPr/>
-          <p:nvPr/>
-        </p:nvSpPr>
-        <p:spPr>
-          <a:xfrm>
-            <a:off x="1394593" y="2841008"/>
-            <a:ext cx="2183524" cy="914400"/>
-          </a:xfrm>
-          <a:prstGeom prst="ellipse">
-            <a:avLst/>
-          </a:prstGeom>
-        </p:spPr>
-        <p:style>
-          <a:lnRef idx="2">
-            <a:schemeClr val="accent1">
-              <a:shade val="50000"/>
-            </a:schemeClr>
-          </a:lnRef>
-          <a:fillRef idx="1">
-            <a:schemeClr val="accent1"/>
-          </a:fillRef>
-          <a:effectRef idx="0">
-            <a:schemeClr val="accent1"/>
-          </a:effectRef>
-          <a:fontRef idx="minor">
-            <a:schemeClr val="lt1"/>
-          </a:fontRef>
-        </p:style>
-        <p:txBody>
-          <a:bodyPr rtlCol="0" anchor="ctr"/>
-          <a:lstStyle/>
-          <a:p>
-            <a:pPr algn="ctr"/>
-            <a:r>
-              <a:rPr lang="en-US" dirty="0" smtClean="0"/>
-              <a:t>Contaminants</a:t>
-            </a:r>
-            <a:endParaRPr lang="en-US" dirty="0"/>
-          </a:p>
-        </p:txBody>
-      </p:sp>
-      <p:sp>
-        <p:nvSpPr>
-          <p:cNvPr id="8" name="Oval 7"/>
-          <p:cNvSpPr/>
-          <p:nvPr/>
-        </p:nvSpPr>
-        <p:spPr>
-          <a:xfrm>
-            <a:off x="4698452" y="4767616"/>
-            <a:ext cx="2356946" cy="914400"/>
-          </a:xfrm>
-          <a:prstGeom prst="ellipse">
-            <a:avLst/>
-          </a:prstGeom>
-        </p:spPr>
-        <p:style>
-          <a:lnRef idx="2">
-            <a:schemeClr val="accent1">
-              <a:shade val="50000"/>
-            </a:schemeClr>
-          </a:lnRef>
-          <a:fillRef idx="1">
-            <a:schemeClr val="accent1"/>
-          </a:fillRef>
-          <a:effectRef idx="0">
-            <a:schemeClr val="accent1"/>
-          </a:effectRef>
-          <a:fontRef idx="minor">
-            <a:schemeClr val="lt1"/>
-          </a:fontRef>
-        </p:style>
-        <p:txBody>
-          <a:bodyPr rtlCol="0" anchor="ctr"/>
-          <a:lstStyle/>
-          <a:p>
-            <a:pPr algn="ctr"/>
-            <a:r>
-              <a:rPr lang="en-US" dirty="0" smtClean="0"/>
-              <a:t>Sequence the unit processes</a:t>
-            </a:r>
-            <a:endParaRPr lang="en-US" dirty="0"/>
-          </a:p>
-        </p:txBody>
-      </p:sp>
-      <p:sp>
-        <p:nvSpPr>
-          <p:cNvPr id="9" name="Oval 8"/>
-          <p:cNvSpPr/>
-          <p:nvPr/>
-        </p:nvSpPr>
-        <p:spPr>
-          <a:xfrm>
-            <a:off x="1374228" y="1737665"/>
-            <a:ext cx="2183524" cy="914400"/>
-          </a:xfrm>
-          <a:prstGeom prst="ellipse">
-            <a:avLst/>
-          </a:prstGeom>
-        </p:spPr>
-        <p:style>
-          <a:lnRef idx="2">
-            <a:schemeClr val="accent1">
-              <a:shade val="50000"/>
-            </a:schemeClr>
-          </a:lnRef>
-          <a:fillRef idx="1">
-            <a:schemeClr val="accent1"/>
-          </a:fillRef>
-          <a:effectRef idx="0">
-            <a:schemeClr val="accent1"/>
-          </a:effectRef>
-          <a:fontRef idx="minor">
-            <a:schemeClr val="lt1"/>
-          </a:fontRef>
-        </p:style>
-        <p:txBody>
-          <a:bodyPr rtlCol="0" anchor="ctr"/>
-          <a:lstStyle/>
-          <a:p>
-            <a:pPr algn="ctr"/>
-            <a:r>
-              <a:rPr lang="en-US" dirty="0" smtClean="0"/>
-              <a:t>Water Source</a:t>
-            </a:r>
-            <a:endParaRPr lang="en-US" dirty="0"/>
-          </a:p>
-        </p:txBody>
-      </p:sp>
-      <p:sp>
-        <p:nvSpPr>
-          <p:cNvPr id="10" name="Oval 9"/>
-          <p:cNvSpPr/>
-          <p:nvPr/>
-        </p:nvSpPr>
-        <p:spPr>
-          <a:xfrm>
-            <a:off x="4785163" y="3298208"/>
-            <a:ext cx="2183524" cy="914400"/>
-          </a:xfrm>
-          <a:prstGeom prst="ellipse">
-            <a:avLst/>
-          </a:prstGeom>
-        </p:spPr>
-        <p:style>
-          <a:lnRef idx="2">
-            <a:schemeClr val="accent1">
-              <a:shade val="50000"/>
-            </a:schemeClr>
-          </a:lnRef>
-          <a:fillRef idx="1">
-            <a:schemeClr val="accent1"/>
-          </a:fillRef>
-          <a:effectRef idx="0">
-            <a:schemeClr val="accent1"/>
-          </a:effectRef>
-          <a:fontRef idx="minor">
-            <a:schemeClr val="lt1"/>
-          </a:fontRef>
-        </p:style>
-        <p:txBody>
-          <a:bodyPr rtlCol="0" anchor="ctr"/>
-          <a:lstStyle/>
-          <a:p>
-            <a:pPr algn="ctr"/>
-            <a:r>
-              <a:rPr lang="en-US" dirty="0" smtClean="0"/>
-              <a:t>Select Unit Processes</a:t>
-            </a:r>
-            <a:endParaRPr lang="en-US" dirty="0"/>
-          </a:p>
-        </p:txBody>
-      </p:sp>
-      <p:sp>
-        <p:nvSpPr>
-          <p:cNvPr id="11" name="Oval 10"/>
-          <p:cNvSpPr/>
-          <p:nvPr/>
-        </p:nvSpPr>
-        <p:spPr>
-          <a:xfrm>
-            <a:off x="9530254" y="3633952"/>
-            <a:ext cx="2356946" cy="914400"/>
-          </a:xfrm>
-          <a:prstGeom prst="ellipse">
-            <a:avLst/>
-          </a:prstGeom>
-        </p:spPr>
-        <p:style>
-          <a:lnRef idx="2">
-            <a:schemeClr val="accent1">
-              <a:shade val="50000"/>
-            </a:schemeClr>
-          </a:lnRef>
-          <a:fillRef idx="1">
-            <a:schemeClr val="accent1"/>
-          </a:fillRef>
-          <a:effectRef idx="0">
-            <a:schemeClr val="accent1"/>
-          </a:effectRef>
-          <a:fontRef idx="minor">
-            <a:schemeClr val="lt1"/>
-          </a:fontRef>
-        </p:style>
-        <p:txBody>
-          <a:bodyPr rtlCol="0" anchor="ctr"/>
-          <a:lstStyle/>
-          <a:p>
-            <a:pPr algn="ctr"/>
-            <a:r>
-              <a:rPr lang="en-US" dirty="0" smtClean="0"/>
-              <a:t>Disinfection Complications</a:t>
-            </a:r>
-            <a:endParaRPr lang="en-US" dirty="0"/>
-          </a:p>
-        </p:txBody>
-      </p:sp>
-      <p:sp>
-        <p:nvSpPr>
-          <p:cNvPr id="12" name="Oval 11"/>
-          <p:cNvSpPr/>
-          <p:nvPr/>
-        </p:nvSpPr>
-        <p:spPr>
-          <a:xfrm>
-            <a:off x="9530254" y="5094753"/>
-            <a:ext cx="2356946" cy="914400"/>
-          </a:xfrm>
-          <a:prstGeom prst="ellipse">
-            <a:avLst/>
-          </a:prstGeom>
-        </p:spPr>
-        <p:style>
-          <a:lnRef idx="2">
-            <a:schemeClr val="accent1">
-              <a:shade val="50000"/>
-            </a:schemeClr>
-          </a:lnRef>
-          <a:fillRef idx="1">
-            <a:schemeClr val="accent1"/>
-          </a:fillRef>
-          <a:effectRef idx="0">
-            <a:schemeClr val="accent1"/>
-          </a:effectRef>
-          <a:fontRef idx="minor">
-            <a:schemeClr val="lt1"/>
-          </a:fontRef>
-        </p:style>
-        <p:txBody>
-          <a:bodyPr rtlCol="0" anchor="ctr"/>
-          <a:lstStyle/>
-          <a:p>
-            <a:pPr algn="ctr"/>
-            <a:r>
-              <a:rPr lang="en-US" dirty="0" smtClean="0"/>
-              <a:t>Distribution Complications</a:t>
-            </a:r>
-            <a:endParaRPr lang="en-US" dirty="0"/>
-          </a:p>
-        </p:txBody>
-      </p:sp>
-      <p:cxnSp>
-        <p:nvCxnSpPr>
-          <p:cNvPr id="18" name="Curved Connector 17"/>
-          <p:cNvCxnSpPr>
-            <a:stCxn id="11" idx="4"/>
-            <a:endCxn id="12" idx="0"/>
-          </p:cNvCxnSpPr>
-          <p:nvPr/>
-        </p:nvCxnSpPr>
-        <p:spPr>
-          <a:xfrm rot="5400000">
-            <a:off x="10435527" y="4821552"/>
-            <a:ext cx="546401" cy="12700"/>
-          </a:xfrm>
-          <a:prstGeom prst="curvedConnector3">
-            <a:avLst/>
-          </a:prstGeom>
-          <a:ln>
-            <a:tailEnd type="triangle"/>
-          </a:ln>
-        </p:spPr>
-        <p:style>
-          <a:lnRef idx="1">
-            <a:schemeClr val="accent1"/>
-          </a:lnRef>
-          <a:fillRef idx="0">
-            <a:schemeClr val="accent1"/>
-          </a:fillRef>
-          <a:effectRef idx="0">
-            <a:schemeClr val="accent1"/>
-          </a:effectRef>
-          <a:fontRef idx="minor">
-            <a:schemeClr val="tx1"/>
-          </a:fontRef>
-        </p:style>
-      </p:cxnSp>
-      <p:cxnSp>
-        <p:nvCxnSpPr>
-          <p:cNvPr id="20" name="Curved Connector 19"/>
-          <p:cNvCxnSpPr>
-            <a:stCxn id="25" idx="3"/>
-            <a:endCxn id="6" idx="2"/>
-          </p:cNvCxnSpPr>
-          <p:nvPr/>
-        </p:nvCxnSpPr>
-        <p:spPr>
-          <a:xfrm flipV="1">
-            <a:off x="3871749" y="2194865"/>
-            <a:ext cx="645728" cy="1858844"/>
-          </a:xfrm>
-          <a:prstGeom prst="curvedConnector3">
-            <a:avLst/>
-          </a:prstGeom>
-          <a:ln>
-            <a:tailEnd type="triangle"/>
-          </a:ln>
-        </p:spPr>
-        <p:style>
-          <a:lnRef idx="1">
-            <a:schemeClr val="accent1"/>
-          </a:lnRef>
-          <a:fillRef idx="0">
-            <a:schemeClr val="accent1"/>
-          </a:fillRef>
-          <a:effectRef idx="0">
-            <a:schemeClr val="accent1"/>
-          </a:effectRef>
-          <a:fontRef idx="minor">
-            <a:schemeClr val="tx1"/>
-          </a:fontRef>
-        </p:style>
-      </p:cxnSp>
-      <p:cxnSp>
-        <p:nvCxnSpPr>
-          <p:cNvPr id="22" name="Curved Connector 21"/>
-          <p:cNvCxnSpPr>
-            <a:stCxn id="6" idx="4"/>
-            <a:endCxn id="10" idx="0"/>
-          </p:cNvCxnSpPr>
-          <p:nvPr/>
-        </p:nvCxnSpPr>
-        <p:spPr>
-          <a:xfrm rot="16200000" flipH="1">
-            <a:off x="5420011" y="2841293"/>
-            <a:ext cx="646143" cy="267686"/>
-          </a:xfrm>
-          <a:prstGeom prst="curvedConnector3">
-            <a:avLst>
-              <a:gd name="adj1" fmla="val 50000"/>
-            </a:avLst>
-          </a:prstGeom>
-          <a:ln>
-            <a:tailEnd type="triangle"/>
-          </a:ln>
-        </p:spPr>
-        <p:style>
-          <a:lnRef idx="1">
-            <a:schemeClr val="accent1"/>
-          </a:lnRef>
-          <a:fillRef idx="0">
-            <a:schemeClr val="accent1"/>
-          </a:fillRef>
-          <a:effectRef idx="0">
-            <a:schemeClr val="accent1"/>
-          </a:effectRef>
-          <a:fontRef idx="minor">
-            <a:schemeClr val="tx1"/>
-          </a:fontRef>
-        </p:style>
-      </p:cxnSp>
-      <p:cxnSp>
-        <p:nvCxnSpPr>
-          <p:cNvPr id="24" name="Curved Connector 23"/>
-          <p:cNvCxnSpPr>
-            <a:stCxn id="10" idx="4"/>
-            <a:endCxn id="8" idx="0"/>
-          </p:cNvCxnSpPr>
-          <p:nvPr/>
-        </p:nvCxnSpPr>
-        <p:spPr>
-          <a:xfrm rot="5400000">
-            <a:off x="5599421" y="4490112"/>
-            <a:ext cx="555008" cy="12700"/>
-          </a:xfrm>
-          <a:prstGeom prst="curvedConnector3">
-            <a:avLst>
-              <a:gd name="adj1" fmla="val 50000"/>
-            </a:avLst>
-          </a:prstGeom>
-          <a:ln>
-            <a:tailEnd type="triangle"/>
-          </a:ln>
-        </p:spPr>
-        <p:style>
-          <a:lnRef idx="1">
-            <a:schemeClr val="accent1"/>
-          </a:lnRef>
-          <a:fillRef idx="0">
-            <a:schemeClr val="accent1"/>
-          </a:fillRef>
-          <a:effectRef idx="0">
-            <a:schemeClr val="accent1"/>
-          </a:effectRef>
-          <a:fontRef idx="minor">
-            <a:schemeClr val="tx1"/>
-          </a:fontRef>
-        </p:style>
-      </p:cxnSp>
-      <p:sp>
-        <p:nvSpPr>
-          <p:cNvPr id="25" name="Rounded Rectangle 24"/>
-          <p:cNvSpPr/>
-          <p:nvPr/>
-        </p:nvSpPr>
-        <p:spPr>
-          <a:xfrm>
-            <a:off x="985345" y="1588376"/>
-            <a:ext cx="2886404" cy="4930665"/>
-          </a:xfrm>
-          <a:prstGeom prst="roundRect">
-            <a:avLst/>
-          </a:prstGeom>
-          <a:noFill/>
-        </p:spPr>
-        <p:style>
-          <a:lnRef idx="2">
-            <a:schemeClr val="accent1">
-              <a:shade val="50000"/>
-            </a:schemeClr>
-          </a:lnRef>
-          <a:fillRef idx="1">
-            <a:schemeClr val="accent1"/>
-          </a:fillRef>
-          <a:effectRef idx="0">
-            <a:schemeClr val="accent1"/>
-          </a:effectRef>
-          <a:fontRef idx="minor">
-            <a:schemeClr val="lt1"/>
-          </a:fontRef>
-        </p:style>
-        <p:txBody>
-          <a:bodyPr rtlCol="0" anchor="ctr"/>
-          <a:lstStyle/>
-          <a:p>
-            <a:pPr algn="ctr"/>
-            <a:endParaRPr lang="en-US"/>
           </a:p>
         </p:txBody>
       </p:sp>
     </p:spTree>
     <p:extLst>
       <p:ext uri="{BB962C8B-B14F-4D97-AF65-F5344CB8AC3E}">
-        <p14:creationId xmlns:p14="http://schemas.microsoft.com/office/powerpoint/2010/main" val="823070621"/>
+        <p14:creationId xmlns:p14="http://schemas.microsoft.com/office/powerpoint/2010/main" val="594602661"/>
       </p:ext>
     </p:extLst>
   </p:cSld>
@@ -10029,634 +11430,6 @@
       </p:par>
     </p:tnLst>
   </p:timing>
-</p:sld>
-</file>
-
-<file path=ppt/slides/slide8.xml><?xml version="1.0" encoding="utf-8"?>
-<p:sld xmlns:a="http://schemas.openxmlformats.org/drawingml/2006/main" xmlns:r="http://schemas.openxmlformats.org/officeDocument/2006/relationships" xmlns:p="http://schemas.openxmlformats.org/presentationml/2006/main">
-  <p:cSld>
-    <p:spTree>
-      <p:nvGrpSpPr>
-        <p:cNvPr id="1" name=""/>
-        <p:cNvGrpSpPr/>
-        <p:nvPr/>
-      </p:nvGrpSpPr>
-      <p:grpSpPr>
-        <a:xfrm>
-          <a:off x="0" y="0"/>
-          <a:ext cx="0" cy="0"/>
-          <a:chOff x="0" y="0"/>
-          <a:chExt cx="0" cy="0"/>
-        </a:xfrm>
-      </p:grpSpPr>
-      <p:sp>
-        <p:nvSpPr>
-          <p:cNvPr id="2" name="Title 1"/>
-          <p:cNvSpPr>
-            <a:spLocks noGrp="1"/>
-          </p:cNvSpPr>
-          <p:nvPr>
-            <p:ph type="title"/>
-          </p:nvPr>
-        </p:nvSpPr>
-        <p:spPr/>
-        <p:txBody>
-          <a:bodyPr/>
-          <a:lstStyle/>
-          <a:p>
-            <a:r>
-              <a:rPr lang="en-US" dirty="0" smtClean="0"/>
-              <a:t>Unit Processes</a:t>
-            </a:r>
-            <a:endParaRPr lang="en-US" dirty="0"/>
-          </a:p>
-        </p:txBody>
-      </p:sp>
-      <p:sp>
-        <p:nvSpPr>
-          <p:cNvPr id="3" name="Notched Right Arrow 2"/>
-          <p:cNvSpPr/>
-          <p:nvPr/>
-        </p:nvSpPr>
-        <p:spPr>
-          <a:xfrm>
-            <a:off x="2065467" y="2140772"/>
-            <a:ext cx="2162287" cy="785308"/>
-          </a:xfrm>
-          <a:prstGeom prst="notchedRightArrow">
-            <a:avLst/>
-          </a:prstGeom>
-        </p:spPr>
-        <p:style>
-          <a:lnRef idx="2">
-            <a:schemeClr val="accent1">
-              <a:shade val="50000"/>
-            </a:schemeClr>
-          </a:lnRef>
-          <a:fillRef idx="1">
-            <a:schemeClr val="accent1"/>
-          </a:fillRef>
-          <a:effectRef idx="0">
-            <a:schemeClr val="accent1"/>
-          </a:effectRef>
-          <a:fontRef idx="minor">
-            <a:schemeClr val="lt1"/>
-          </a:fontRef>
-        </p:style>
-        <p:txBody>
-          <a:bodyPr rtlCol="0" anchor="ctr"/>
-          <a:lstStyle/>
-          <a:p>
-            <a:pPr algn="ctr"/>
-            <a:r>
-              <a:rPr lang="en-US" dirty="0" smtClean="0"/>
-              <a:t>Trash rack</a:t>
-            </a:r>
-            <a:endParaRPr lang="en-US" dirty="0"/>
-          </a:p>
-        </p:txBody>
-      </p:sp>
-      <p:sp>
-        <p:nvSpPr>
-          <p:cNvPr id="4" name="Notched Right Arrow 3"/>
-          <p:cNvSpPr/>
-          <p:nvPr/>
-        </p:nvSpPr>
-        <p:spPr>
-          <a:xfrm>
-            <a:off x="4086113" y="2140772"/>
-            <a:ext cx="2162287" cy="785308"/>
-          </a:xfrm>
-          <a:prstGeom prst="notchedRightArrow">
-            <a:avLst/>
-          </a:prstGeom>
-        </p:spPr>
-        <p:style>
-          <a:lnRef idx="2">
-            <a:schemeClr val="accent1">
-              <a:shade val="50000"/>
-            </a:schemeClr>
-          </a:lnRef>
-          <a:fillRef idx="1">
-            <a:schemeClr val="accent1"/>
-          </a:fillRef>
-          <a:effectRef idx="0">
-            <a:schemeClr val="accent1"/>
-          </a:effectRef>
-          <a:fontRef idx="minor">
-            <a:schemeClr val="lt1"/>
-          </a:fontRef>
-        </p:style>
-        <p:txBody>
-          <a:bodyPr rtlCol="0" anchor="ctr"/>
-          <a:lstStyle/>
-          <a:p>
-            <a:pPr algn="ctr"/>
-            <a:r>
-              <a:rPr lang="en-US" dirty="0"/>
-              <a:t>F</a:t>
-            </a:r>
-            <a:r>
-              <a:rPr lang="en-US" dirty="0" smtClean="0"/>
-              <a:t>locculation</a:t>
-            </a:r>
-            <a:endParaRPr lang="en-US" dirty="0"/>
-          </a:p>
-        </p:txBody>
-      </p:sp>
-      <p:sp>
-        <p:nvSpPr>
-          <p:cNvPr id="5" name="Notched Right Arrow 4"/>
-          <p:cNvSpPr/>
-          <p:nvPr/>
-        </p:nvSpPr>
-        <p:spPr>
-          <a:xfrm>
-            <a:off x="6106759" y="2140772"/>
-            <a:ext cx="2162287" cy="785308"/>
-          </a:xfrm>
-          <a:prstGeom prst="notchedRightArrow">
-            <a:avLst/>
-          </a:prstGeom>
-        </p:spPr>
-        <p:style>
-          <a:lnRef idx="2">
-            <a:schemeClr val="accent1">
-              <a:shade val="50000"/>
-            </a:schemeClr>
-          </a:lnRef>
-          <a:fillRef idx="1">
-            <a:schemeClr val="accent1"/>
-          </a:fillRef>
-          <a:effectRef idx="0">
-            <a:schemeClr val="accent1"/>
-          </a:effectRef>
-          <a:fontRef idx="minor">
-            <a:schemeClr val="lt1"/>
-          </a:fontRef>
-        </p:style>
-        <p:txBody>
-          <a:bodyPr rtlCol="0" anchor="ctr"/>
-          <a:lstStyle/>
-          <a:p>
-            <a:pPr algn="ctr"/>
-            <a:r>
-              <a:rPr lang="en-US" dirty="0" smtClean="0"/>
-              <a:t>Sedimentation</a:t>
-            </a:r>
-            <a:endParaRPr lang="en-US" dirty="0"/>
-          </a:p>
-        </p:txBody>
-      </p:sp>
-      <p:sp>
-        <p:nvSpPr>
-          <p:cNvPr id="6" name="Notched Right Arrow 5"/>
-          <p:cNvSpPr/>
-          <p:nvPr/>
-        </p:nvSpPr>
-        <p:spPr>
-          <a:xfrm>
-            <a:off x="8432203" y="1371600"/>
-            <a:ext cx="2162287" cy="785308"/>
-          </a:xfrm>
-          <a:prstGeom prst="notchedRightArrow">
-            <a:avLst/>
-          </a:prstGeom>
-        </p:spPr>
-        <p:style>
-          <a:lnRef idx="2">
-            <a:schemeClr val="accent1">
-              <a:shade val="50000"/>
-            </a:schemeClr>
-          </a:lnRef>
-          <a:fillRef idx="1">
-            <a:schemeClr val="accent1"/>
-          </a:fillRef>
-          <a:effectRef idx="0">
-            <a:schemeClr val="accent1"/>
-          </a:effectRef>
-          <a:fontRef idx="minor">
-            <a:schemeClr val="lt1"/>
-          </a:fontRef>
-        </p:style>
-        <p:txBody>
-          <a:bodyPr rtlCol="0" anchor="ctr"/>
-          <a:lstStyle/>
-          <a:p>
-            <a:pPr algn="ctr"/>
-            <a:r>
-              <a:rPr lang="en-US" dirty="0" smtClean="0"/>
-              <a:t>Rapid sand</a:t>
-            </a:r>
-            <a:endParaRPr lang="en-US" dirty="0"/>
-          </a:p>
-        </p:txBody>
-      </p:sp>
-      <p:sp>
-        <p:nvSpPr>
-          <p:cNvPr id="7" name="Notched Right Arrow 6"/>
-          <p:cNvSpPr/>
-          <p:nvPr/>
-        </p:nvSpPr>
-        <p:spPr>
-          <a:xfrm>
-            <a:off x="8432202" y="2248348"/>
-            <a:ext cx="2162287" cy="785308"/>
-          </a:xfrm>
-          <a:prstGeom prst="notchedRightArrow">
-            <a:avLst/>
-          </a:prstGeom>
-        </p:spPr>
-        <p:style>
-          <a:lnRef idx="2">
-            <a:schemeClr val="accent1">
-              <a:shade val="50000"/>
-            </a:schemeClr>
-          </a:lnRef>
-          <a:fillRef idx="1">
-            <a:schemeClr val="accent1"/>
-          </a:fillRef>
-          <a:effectRef idx="0">
-            <a:schemeClr val="accent1"/>
-          </a:effectRef>
-          <a:fontRef idx="minor">
-            <a:schemeClr val="lt1"/>
-          </a:fontRef>
-        </p:style>
-        <p:txBody>
-          <a:bodyPr rtlCol="0" anchor="ctr"/>
-          <a:lstStyle/>
-          <a:p>
-            <a:pPr algn="ctr"/>
-            <a:r>
-              <a:rPr lang="en-US" dirty="0" smtClean="0"/>
-              <a:t>Slow sand</a:t>
-            </a:r>
-            <a:endParaRPr lang="en-US" dirty="0"/>
-          </a:p>
-        </p:txBody>
-      </p:sp>
-      <p:sp>
-        <p:nvSpPr>
-          <p:cNvPr id="8" name="Notched Right Arrow 7"/>
-          <p:cNvSpPr/>
-          <p:nvPr/>
-        </p:nvSpPr>
-        <p:spPr>
-          <a:xfrm>
-            <a:off x="8432201" y="3125096"/>
-            <a:ext cx="2162287" cy="785308"/>
-          </a:xfrm>
-          <a:prstGeom prst="notchedRightArrow">
-            <a:avLst/>
-          </a:prstGeom>
-        </p:spPr>
-        <p:style>
-          <a:lnRef idx="2">
-            <a:schemeClr val="accent1">
-              <a:shade val="50000"/>
-            </a:schemeClr>
-          </a:lnRef>
-          <a:fillRef idx="1">
-            <a:schemeClr val="accent1"/>
-          </a:fillRef>
-          <a:effectRef idx="0">
-            <a:schemeClr val="accent1"/>
-          </a:effectRef>
-          <a:fontRef idx="minor">
-            <a:schemeClr val="lt1"/>
-          </a:fontRef>
-        </p:style>
-        <p:txBody>
-          <a:bodyPr rtlCol="0" anchor="ctr"/>
-          <a:lstStyle/>
-          <a:p>
-            <a:pPr algn="ctr"/>
-            <a:r>
-              <a:rPr lang="en-US" dirty="0" smtClean="0"/>
-              <a:t>Membrane</a:t>
-            </a:r>
-            <a:endParaRPr lang="en-US" dirty="0"/>
-          </a:p>
-        </p:txBody>
-      </p:sp>
-      <p:sp>
-        <p:nvSpPr>
-          <p:cNvPr id="9" name="Notched Right Arrow 8"/>
-          <p:cNvSpPr/>
-          <p:nvPr/>
-        </p:nvSpPr>
-        <p:spPr>
-          <a:xfrm>
-            <a:off x="772756" y="4367604"/>
-            <a:ext cx="2162287" cy="785308"/>
-          </a:xfrm>
-          <a:prstGeom prst="notchedRightArrow">
-            <a:avLst/>
-          </a:prstGeom>
-        </p:spPr>
-        <p:style>
-          <a:lnRef idx="2">
-            <a:schemeClr val="accent1">
-              <a:shade val="50000"/>
-            </a:schemeClr>
-          </a:lnRef>
-          <a:fillRef idx="1">
-            <a:schemeClr val="accent1"/>
-          </a:fillRef>
-          <a:effectRef idx="0">
-            <a:schemeClr val="accent1"/>
-          </a:effectRef>
-          <a:fontRef idx="minor">
-            <a:schemeClr val="lt1"/>
-          </a:fontRef>
-        </p:style>
-        <p:txBody>
-          <a:bodyPr rtlCol="0" anchor="ctr"/>
-          <a:lstStyle/>
-          <a:p>
-            <a:pPr algn="ctr"/>
-            <a:r>
-              <a:rPr lang="en-US" sz="1600" dirty="0" smtClean="0"/>
-              <a:t>Activated</a:t>
-            </a:r>
-            <a:r>
-              <a:rPr lang="en-US" dirty="0" smtClean="0"/>
-              <a:t> Carbon</a:t>
-            </a:r>
-            <a:endParaRPr lang="en-US" dirty="0"/>
-          </a:p>
-        </p:txBody>
-      </p:sp>
-      <p:sp>
-        <p:nvSpPr>
-          <p:cNvPr id="10" name="Notched Right Arrow 9"/>
-          <p:cNvSpPr/>
-          <p:nvPr/>
-        </p:nvSpPr>
-        <p:spPr>
-          <a:xfrm>
-            <a:off x="2807744" y="4367604"/>
-            <a:ext cx="2162287" cy="785308"/>
-          </a:xfrm>
-          <a:prstGeom prst="notchedRightArrow">
-            <a:avLst/>
-          </a:prstGeom>
-        </p:spPr>
-        <p:style>
-          <a:lnRef idx="2">
-            <a:schemeClr val="accent1">
-              <a:shade val="50000"/>
-            </a:schemeClr>
-          </a:lnRef>
-          <a:fillRef idx="1">
-            <a:schemeClr val="accent1"/>
-          </a:fillRef>
-          <a:effectRef idx="0">
-            <a:schemeClr val="accent1"/>
-          </a:effectRef>
-          <a:fontRef idx="minor">
-            <a:schemeClr val="lt1"/>
-          </a:fontRef>
-        </p:style>
-        <p:txBody>
-          <a:bodyPr rtlCol="0" anchor="ctr"/>
-          <a:lstStyle/>
-          <a:p>
-            <a:pPr algn="ctr"/>
-            <a:r>
-              <a:rPr lang="en-US" sz="1600" dirty="0" smtClean="0"/>
-              <a:t>Ion Exchange</a:t>
-            </a:r>
-            <a:endParaRPr lang="en-US" dirty="0"/>
-          </a:p>
-        </p:txBody>
-      </p:sp>
-      <p:sp>
-        <p:nvSpPr>
-          <p:cNvPr id="11" name="Notched Right Arrow 10"/>
-          <p:cNvSpPr/>
-          <p:nvPr/>
-        </p:nvSpPr>
-        <p:spPr>
-          <a:xfrm>
-            <a:off x="4842732" y="4367604"/>
-            <a:ext cx="2162287" cy="785308"/>
-          </a:xfrm>
-          <a:prstGeom prst="notchedRightArrow">
-            <a:avLst/>
-          </a:prstGeom>
-        </p:spPr>
-        <p:style>
-          <a:lnRef idx="2">
-            <a:schemeClr val="accent1">
-              <a:shade val="50000"/>
-            </a:schemeClr>
-          </a:lnRef>
-          <a:fillRef idx="1">
-            <a:schemeClr val="accent1"/>
-          </a:fillRef>
-          <a:effectRef idx="0">
-            <a:schemeClr val="accent1"/>
-          </a:effectRef>
-          <a:fontRef idx="minor">
-            <a:schemeClr val="lt1"/>
-          </a:fontRef>
-        </p:style>
-        <p:txBody>
-          <a:bodyPr rtlCol="0" anchor="ctr"/>
-          <a:lstStyle/>
-          <a:p>
-            <a:pPr algn="ctr"/>
-            <a:r>
-              <a:rPr lang="en-US" sz="1600" dirty="0" smtClean="0"/>
-              <a:t>Reverse Osmosis</a:t>
-            </a:r>
-            <a:endParaRPr lang="en-US" dirty="0"/>
-          </a:p>
-        </p:txBody>
-      </p:sp>
-      <p:sp>
-        <p:nvSpPr>
-          <p:cNvPr id="12" name="Notched Right Arrow 11"/>
-          <p:cNvSpPr/>
-          <p:nvPr/>
-        </p:nvSpPr>
-        <p:spPr>
-          <a:xfrm>
-            <a:off x="6877720" y="4367604"/>
-            <a:ext cx="2162287" cy="785308"/>
-          </a:xfrm>
-          <a:prstGeom prst="notchedRightArrow">
-            <a:avLst/>
-          </a:prstGeom>
-        </p:spPr>
-        <p:style>
-          <a:lnRef idx="2">
-            <a:schemeClr val="accent1">
-              <a:shade val="50000"/>
-            </a:schemeClr>
-          </a:lnRef>
-          <a:fillRef idx="1">
-            <a:schemeClr val="accent1"/>
-          </a:fillRef>
-          <a:effectRef idx="0">
-            <a:schemeClr val="accent1"/>
-          </a:effectRef>
-          <a:fontRef idx="minor">
-            <a:schemeClr val="lt1"/>
-          </a:fontRef>
-        </p:style>
-        <p:txBody>
-          <a:bodyPr rtlCol="0" anchor="ctr"/>
-          <a:lstStyle/>
-          <a:p>
-            <a:pPr algn="ctr"/>
-            <a:r>
-              <a:rPr lang="en-US" sz="1600" dirty="0" smtClean="0"/>
-              <a:t>Reverse Osmosis</a:t>
-            </a:r>
-            <a:endParaRPr lang="en-US" dirty="0"/>
-          </a:p>
-        </p:txBody>
-      </p:sp>
-    </p:spTree>
-    <p:extLst>
-      <p:ext uri="{BB962C8B-B14F-4D97-AF65-F5344CB8AC3E}">
-        <p14:creationId xmlns:p14="http://schemas.microsoft.com/office/powerpoint/2010/main" val="2519305067"/>
-      </p:ext>
-    </p:extLst>
-  </p:cSld>
-  <p:clrMapOvr>
-    <a:masterClrMapping/>
-  </p:clrMapOvr>
-  <p:transition>
-    <p:fade/>
-  </p:transition>
-  <p:timing>
-    <p:tnLst>
-      <p:par>
-        <p:cTn id="1" dur="indefinite" restart="never" nodeType="tmRoot"/>
-      </p:par>
-    </p:tnLst>
-  </p:timing>
-</p:sld>
-</file>
-
-<file path=ppt/slides/slide9.xml><?xml version="1.0" encoding="utf-8"?>
-<p:sld xmlns:a="http://schemas.openxmlformats.org/drawingml/2006/main" xmlns:r="http://schemas.openxmlformats.org/officeDocument/2006/relationships" xmlns:p="http://schemas.openxmlformats.org/presentationml/2006/main">
-  <p:cSld>
-    <p:spTree>
-      <p:nvGrpSpPr>
-        <p:cNvPr id="1" name=""/>
-        <p:cNvGrpSpPr/>
-        <p:nvPr/>
-      </p:nvGrpSpPr>
-      <p:grpSpPr>
-        <a:xfrm>
-          <a:off x="0" y="0"/>
-          <a:ext cx="0" cy="0"/>
-          <a:chOff x="0" y="0"/>
-          <a:chExt cx="0" cy="0"/>
-        </a:xfrm>
-      </p:grpSpPr>
-      <p:sp>
-        <p:nvSpPr>
-          <p:cNvPr id="2" name="Title 1"/>
-          <p:cNvSpPr>
-            <a:spLocks noGrp="1"/>
-          </p:cNvSpPr>
-          <p:nvPr>
-            <p:ph type="title"/>
-          </p:nvPr>
-        </p:nvSpPr>
-        <p:spPr/>
-        <p:txBody>
-          <a:bodyPr/>
-          <a:lstStyle/>
-          <a:p>
-            <a:r>
-              <a:rPr lang="en-US" dirty="0" smtClean="0"/>
-              <a:t>For each unit process</a:t>
-            </a:r>
-            <a:endParaRPr lang="en-US" dirty="0"/>
-          </a:p>
-        </p:txBody>
-      </p:sp>
-      <p:sp>
-        <p:nvSpPr>
-          <p:cNvPr id="3" name="Content Placeholder 2"/>
-          <p:cNvSpPr>
-            <a:spLocks noGrp="1"/>
-          </p:cNvSpPr>
-          <p:nvPr>
-            <p:ph idx="1"/>
-          </p:nvPr>
-        </p:nvSpPr>
-        <p:spPr/>
-        <p:txBody>
-          <a:bodyPr/>
-          <a:lstStyle/>
-          <a:p>
-            <a:r>
-              <a:rPr lang="en-US" dirty="0" smtClean="0"/>
-              <a:t>Concept: how does it work?</a:t>
-            </a:r>
-          </a:p>
-          <a:p>
-            <a:r>
-              <a:rPr lang="en-US" dirty="0" smtClean="0"/>
-              <a:t>Types of contaminants that can be treated</a:t>
-            </a:r>
-          </a:p>
-          <a:p>
-            <a:r>
-              <a:rPr lang="en-US" dirty="0" smtClean="0"/>
-              <a:t>Range of approach velocities</a:t>
-            </a:r>
-          </a:p>
-          <a:p>
-            <a:r>
-              <a:rPr lang="en-US" dirty="0" smtClean="0"/>
-              <a:t>Range of hydraulic residence times</a:t>
-            </a:r>
-          </a:p>
-          <a:p>
-            <a:r>
-              <a:rPr lang="en-US" dirty="0" smtClean="0"/>
-              <a:t>Energy required (J/L)</a:t>
-            </a:r>
-          </a:p>
-          <a:p>
-            <a:r>
-              <a:rPr lang="en-US" dirty="0" smtClean="0"/>
-              <a:t>Inputs required or method of regeneration</a:t>
-            </a:r>
-          </a:p>
-          <a:p>
-            <a:r>
-              <a:rPr lang="en-US" dirty="0" smtClean="0"/>
-              <a:t>Type of waste stream produced and disposal requirements</a:t>
-            </a:r>
-          </a:p>
-          <a:p>
-            <a:endParaRPr lang="en-US" dirty="0"/>
-          </a:p>
-        </p:txBody>
-      </p:sp>
-    </p:spTree>
-    <p:extLst>
-      <p:ext uri="{BB962C8B-B14F-4D97-AF65-F5344CB8AC3E}">
-        <p14:creationId xmlns:p14="http://schemas.microsoft.com/office/powerpoint/2010/main" val="1646255625"/>
-      </p:ext>
-    </p:extLst>
-  </p:cSld>
-  <p:clrMapOvr>
-    <a:masterClrMapping/>
-  </p:clrMapOvr>
-  <p:transition>
-    <p:fade/>
-  </p:transition>
 </p:sld>
 </file>
 

--- a/Lectures/Unit Process Selection.pptx
+++ b/Lectures/Unit Process Selection.pptx
@@ -727,7 +727,7 @@
                 <a:ea typeface="+mn-ea"/>
                 <a:cs typeface="+mn-cs"/>
               </a:rPr>
-              <a:t>Which processes remove particles and pathogens</a:t>
+              <a:t>Which processes remove particles and pathogens?</a:t>
             </a:r>
           </a:p>
           <a:p>
@@ -742,7 +742,31 @@
                 <a:ea typeface="+mn-ea"/>
                 <a:cs typeface="+mn-cs"/>
               </a:rPr>
-              <a:t>Which processes remove dissolved substances?</a:t>
+              <a:t>Which processes remove dissolved substances? (also works for RSF and </a:t>
+            </a:r>
+            <a:r>
+              <a:rPr lang="en-US" sz="1200" b="0" kern="1200" baseline="0" dirty="0" err="1" smtClean="0">
+                <a:solidFill>
+                  <a:schemeClr val="tx1"/>
+                </a:solidFill>
+                <a:effectLst/>
+                <a:latin typeface="+mn-lt"/>
+                <a:ea typeface="+mn-ea"/>
+                <a:cs typeface="+mn-cs"/>
+              </a:rPr>
+              <a:t>StaRS</a:t>
+            </a:r>
+            <a:r>
+              <a:rPr lang="en-US" sz="1200" b="0" kern="1200" baseline="0" dirty="0" smtClean="0">
+                <a:solidFill>
+                  <a:schemeClr val="tx1"/>
+                </a:solidFill>
+                <a:effectLst/>
+                <a:latin typeface="+mn-lt"/>
+                <a:ea typeface="+mn-ea"/>
+                <a:cs typeface="+mn-cs"/>
+              </a:rPr>
+              <a:t>)</a:t>
             </a:r>
           </a:p>
           <a:p>
@@ -812,6 +836,21 @@
                 <a:cs typeface="+mn-cs"/>
               </a:rPr>
               <a:t>, mechanical or hydraulic flocculation, waste streams)?</a:t>
+            </a:r>
+          </a:p>
+          <a:p>
+            <a:pPr fontAlgn="b"/>
+            <a:r>
+              <a:rPr lang="en-US" sz="1200" b="0" kern="1200" baseline="0" dirty="0" smtClean="0">
+                <a:solidFill>
+                  <a:schemeClr val="tx1"/>
+                </a:solidFill>
+                <a:effectLst/>
+                <a:latin typeface="+mn-lt"/>
+                <a:ea typeface="+mn-ea"/>
+                <a:cs typeface="+mn-cs"/>
+              </a:rPr>
+              <a:t>Is the dissolved treatment train correct????</a:t>
             </a:r>
           </a:p>
           <a:p>
@@ -9930,6 +9969,13 @@
   <p:transition>
     <p:fade/>
   </p:transition>
+  <p:timing>
+    <p:tnLst>
+      <p:par>
+        <p:cTn id="1" dur="indefinite" restart="never" nodeType="tmRoot"/>
+      </p:par>
+    </p:tnLst>
+  </p:timing>
 </p:sld>
 </file>
 

--- a/Lectures/Unit Process Selection.pptx
+++ b/Lectures/Unit Process Selection.pptx
@@ -205,7 +205,7 @@
           <a:p>
             <a:fld id="{1ECA391B-F7E5-426A-915A-B0EBBF0385DF}" type="datetimeFigureOut">
               <a:rPr lang="en-US" smtClean="0"/>
-              <a:t>2/11/2020</a:t>
+              <a:t>2/17/2020</a:t>
             </a:fld>
             <a:endParaRPr lang="en-US"/>
           </a:p>
@@ -913,19 +913,7 @@
                 <a:ea typeface="+mn-ea"/>
                 <a:cs typeface="+mn-cs"/>
               </a:rPr>
-              <a:t>a</a:t>
-            </a:r>
-            <a:r>
-              <a:rPr lang="en-US" sz="1200" b="0" kern="1200" dirty="0" smtClean="0">
-                <a:solidFill>
-                  <a:schemeClr val="tx1"/>
-                </a:solidFill>
-                <a:effectLst/>
-                <a:latin typeface="+mn-lt"/>
-                <a:ea typeface="+mn-ea"/>
-                <a:cs typeface="+mn-cs"/>
-              </a:rPr>
-              <a:t>. Screening, Coagulation, Flocculation (Chapter 9)</a:t>
+              <a:t>a. Screening, Coagulation, Flocculation (Chapter 9)</a:t>
             </a:r>
           </a:p>
           <a:p>
@@ -1075,19 +1063,7 @@
                 <a:ea typeface="+mn-ea"/>
                 <a:cs typeface="+mn-cs"/>
               </a:rPr>
-              <a:t>4. Water Treatment Process Design Procedure (Chapter 23</a:t>
-            </a:r>
-            <a:r>
-              <a:rPr lang="en-US" sz="1200" b="0" kern="1200" dirty="0" smtClean="0">
-                <a:solidFill>
-                  <a:schemeClr val="tx1"/>
-                </a:solidFill>
-                <a:effectLst/>
-                <a:latin typeface="+mn-lt"/>
-                <a:ea typeface="+mn-ea"/>
-                <a:cs typeface="+mn-cs"/>
-              </a:rPr>
-              <a:t>)</a:t>
+              <a:t>4. Water Treatment Process Design Procedure (Chapter 23)</a:t>
             </a:r>
           </a:p>
           <a:p>
@@ -1525,7 +1501,7 @@
           <a:p>
             <a:fld id="{C95CED01-24E4-4C43-912C-6F6D3D954174}" type="datetimeFigureOut">
               <a:rPr lang="en-US" smtClean="0"/>
-              <a:t>2/11/2020</a:t>
+              <a:t>2/17/2020</a:t>
             </a:fld>
             <a:endParaRPr lang="en-US"/>
           </a:p>
@@ -4320,7 +4296,7 @@
           <a:p>
             <a:fld id="{C95CED01-24E4-4C43-912C-6F6D3D954174}" type="datetimeFigureOut">
               <a:rPr lang="en-US" smtClean="0"/>
-              <a:t>2/11/2020</a:t>
+              <a:t>2/17/2020</a:t>
             </a:fld>
             <a:endParaRPr lang="en-US"/>
           </a:p>
@@ -4741,7 +4717,7 @@
           <a:p>
             <a:fld id="{C95CED01-24E4-4C43-912C-6F6D3D954174}" type="datetimeFigureOut">
               <a:rPr lang="en-US" smtClean="0"/>
-              <a:t>2/11/2020</a:t>
+              <a:t>2/17/2020</a:t>
             </a:fld>
             <a:endParaRPr lang="en-US"/>
           </a:p>
@@ -5183,7 +5159,7 @@
           <a:p>
             <a:fld id="{C95CED01-24E4-4C43-912C-6F6D3D954174}" type="datetimeFigureOut">
               <a:rPr lang="en-US" smtClean="0"/>
-              <a:t>2/11/2020</a:t>
+              <a:t>2/17/2020</a:t>
             </a:fld>
             <a:endParaRPr lang="en-US"/>
           </a:p>
@@ -5316,7 +5292,7 @@
           <a:p>
             <a:fld id="{C95CED01-24E4-4C43-912C-6F6D3D954174}" type="datetimeFigureOut">
               <a:rPr lang="en-US" smtClean="0"/>
-              <a:t>2/11/2020</a:t>
+              <a:t>2/17/2020</a:t>
             </a:fld>
             <a:endParaRPr lang="en-US"/>
           </a:p>
@@ -5426,7 +5402,7 @@
           <a:p>
             <a:fld id="{C95CED01-24E4-4C43-912C-6F6D3D954174}" type="datetimeFigureOut">
               <a:rPr lang="en-US" smtClean="0"/>
-              <a:t>2/11/2020</a:t>
+              <a:t>2/17/2020</a:t>
             </a:fld>
             <a:endParaRPr lang="en-US"/>
           </a:p>
@@ -5572,7 +5548,7 @@
           <a:p>
             <a:fld id="{C95CED01-24E4-4C43-912C-6F6D3D954174}" type="datetimeFigureOut">
               <a:rPr lang="en-US" smtClean="0"/>
-              <a:t>2/11/2020</a:t>
+              <a:t>2/17/2020</a:t>
             </a:fld>
             <a:endParaRPr lang="en-US"/>
           </a:p>
@@ -6325,7 +6301,7 @@
           <a:p>
             <a:fld id="{C95CED01-24E4-4C43-912C-6F6D3D954174}" type="datetimeFigureOut">
               <a:rPr lang="en-US" smtClean="0"/>
-              <a:t>2/11/2020</a:t>
+              <a:t>2/17/2020</a:t>
             </a:fld>
             <a:endParaRPr lang="en-US"/>
           </a:p>
@@ -8465,6 +8441,46 @@
               <a:t>Unit Process Selection</a:t>
             </a:r>
             <a:endParaRPr lang="en-US" dirty="0"/>
+          </a:p>
+        </p:txBody>
+      </p:sp>
+      <p:sp>
+        <p:nvSpPr>
+          <p:cNvPr id="4" name="Rectangle 3"/>
+          <p:cNvSpPr/>
+          <p:nvPr/>
+        </p:nvSpPr>
+        <p:spPr>
+          <a:xfrm>
+            <a:off x="5590092" y="3244334"/>
+            <a:ext cx="1011815" cy="369332"/>
+          </a:xfrm>
+          <a:prstGeom prst="rect">
+            <a:avLst/>
+          </a:prstGeom>
+        </p:spPr>
+        <p:txBody>
+          <a:bodyPr wrap="none">
+            <a:spAutoFit/>
+          </a:bodyPr>
+          <a:lstStyle/>
+          <a:p>
+            <a:r>
+              <a:rPr lang="en-US">
+                <a:solidFill>
+                  <a:srgbClr val="CE9178"/>
+                </a:solidFill>
+                <a:latin typeface="Courier New" panose="02070309020205020404" pitchFamily="49" charset="0"/>
+              </a:rPr>
+              <a:t>{H_2O}</a:t>
+            </a:r>
+            <a:endParaRPr lang="en-US" b="0">
+              <a:solidFill>
+                <a:srgbClr val="D4D4D4"/>
+              </a:solidFill>
+              <a:effectLst/>
+              <a:latin typeface="Courier New" panose="02070309020205020404" pitchFamily="49" charset="0"/>
+            </a:endParaRPr>
           </a:p>
         </p:txBody>
       </p:sp>
@@ -10132,11 +10148,7 @@
           <a:p>
             <a:r>
               <a:rPr lang="en-US" dirty="0" smtClean="0"/>
-              <a:t>Unit </a:t>
-            </a:r>
-            <a:r>
-              <a:rPr lang="en-US" dirty="0" smtClean="0"/>
-              <a:t>Processes (under construction)</a:t>
+              <a:t>Unit Processes (under construction)</a:t>
             </a:r>
             <a:endParaRPr lang="en-US" dirty="0"/>
           </a:p>
@@ -11213,11 +11225,7 @@
           <a:p>
             <a:r>
               <a:rPr lang="en-US" dirty="0" smtClean="0"/>
-              <a:t>Unit Process </a:t>
-            </a:r>
-            <a:r>
-              <a:rPr lang="en-US" dirty="0" smtClean="0"/>
-              <a:t>Summary Table</a:t>
+              <a:t>Unit Process Summary Table</a:t>
             </a:r>
             <a:endParaRPr lang="en-US" dirty="0"/>
           </a:p>
@@ -11240,21 +11248,8 @@
           <a:p>
             <a:r>
               <a:rPr lang="en-US" dirty="0" smtClean="0"/>
-              <a:t>Required upstream </a:t>
-            </a:r>
-            <a:r>
-              <a:rPr lang="en-US" dirty="0" smtClean="0"/>
-              <a:t>and </a:t>
-            </a:r>
-            <a:r>
-              <a:rPr lang="en-US" dirty="0" smtClean="0"/>
-              <a:t>downstream </a:t>
-            </a:r>
-            <a:r>
-              <a:rPr lang="en-US" dirty="0" smtClean="0"/>
-              <a:t>UPs</a:t>
-            </a:r>
-            <a:endParaRPr lang="en-US" dirty="0" smtClean="0"/>
+              <a:t>Required upstream and downstream UPs</a:t>
+            </a:r>
           </a:p>
           <a:p>
             <a:pPr lvl="1"/>
@@ -11262,16 +11257,11 @@
               <a:rPr lang="en-US" dirty="0" smtClean="0"/>
               <a:t>Contaminants that must be removed prior to UP </a:t>
             </a:r>
-            <a:endParaRPr lang="en-US" dirty="0" smtClean="0"/>
           </a:p>
           <a:p>
             <a:r>
               <a:rPr lang="en-US" dirty="0" smtClean="0"/>
-              <a:t>How </a:t>
-            </a:r>
-            <a:r>
-              <a:rPr lang="en-US" dirty="0" smtClean="0"/>
-              <a:t>does it work?</a:t>
+              <a:t>How does it work?</a:t>
             </a:r>
           </a:p>
           <a:p>
@@ -11303,24 +11293,11 @@
               <a:rPr lang="en-US" dirty="0" smtClean="0"/>
               <a:t>water</a:t>
             </a:r>
-            <a:endParaRPr lang="en-US" dirty="0" smtClean="0"/>
           </a:p>
           <a:p>
             <a:r>
               <a:rPr lang="en-US" dirty="0" smtClean="0"/>
-              <a:t>What </a:t>
-            </a:r>
-            <a:r>
-              <a:rPr lang="en-US" dirty="0" smtClean="0"/>
-              <a:t>inputs </a:t>
-            </a:r>
-            <a:r>
-              <a:rPr lang="en-US" dirty="0" smtClean="0"/>
-              <a:t>(energy and chemicals) does it </a:t>
-            </a:r>
-            <a:r>
-              <a:rPr lang="en-US" dirty="0" smtClean="0"/>
-              <a:t>require?</a:t>
+              <a:t>What inputs (energy and chemicals) does it require?</a:t>
             </a:r>
           </a:p>
           <a:p>
@@ -11444,11 +11421,7 @@
             </a:r>
             <a:r>
               <a:rPr lang="en-US" dirty="0" smtClean="0"/>
-              <a:t>) later in the </a:t>
-            </a:r>
-            <a:r>
-              <a:rPr lang="en-US" dirty="0" smtClean="0"/>
-              <a:t>semester</a:t>
+              <a:t>) later in the semester</a:t>
             </a:r>
           </a:p>
           <a:p>
